--- a/Schleifen mit Julia.pptx
+++ b/Schleifen mit Julia.pptx
@@ -1,31 +1,33 @@
 
 <file path=ppt/presentation.xml><?xml version="1.0" encoding="utf-8"?>
-<p:presentation xmlns:a="http://schemas.openxmlformats.org/drawingml/2006/main" xmlns:r="http://schemas.openxmlformats.org/officeDocument/2006/relationships" xmlns:p="http://schemas.openxmlformats.org/presentationml/2006/main" strictFirstAndLastChars="0" saveSubsetFonts="1" autoCompressPictures="0">
+<p:presentation xmlns:a="http://schemas.openxmlformats.org/drawingml/2006/main" xmlns:r="http://schemas.openxmlformats.org/officeDocument/2006/relationships" xmlns:mc="http://schemas.openxmlformats.org/markup-compatibility/2006" xmlns:mv="urn:schemas-microsoft-com:mac:vml" xmlns:p="http://schemas.openxmlformats.org/presentationml/2006/main" xmlns:c="http://schemas.openxmlformats.org/drawingml/2006/chart" xmlns:dgm="http://schemas.openxmlformats.org/drawingml/2006/diagram" xmlns:o="urn:schemas-microsoft-com:office:office" xmlns:v="urn:schemas-microsoft-com:vml" xmlns:pvml="urn:schemas-microsoft-com:office:powerpoint" xmlns:com="http://schemas.openxmlformats.org/drawingml/2006/compatibility" xmlns:p14="http://schemas.microsoft.com/office/powerpoint/2010/main" autoCompressPictures="0" strictFirstAndLastChars="0" saveSubsetFonts="1">
   <p:sldMasterIdLst>
-    <p:sldMasterId id="2147483654" r:id="rId1"/>
+    <p:sldMasterId id="2147483654" r:id="rId4"/>
   </p:sldMasterIdLst>
   <p:notesMasterIdLst>
-    <p:notesMasterId r:id="rId15"/>
+    <p:notesMasterId r:id="rId5"/>
   </p:notesMasterIdLst>
   <p:sldIdLst>
-    <p:sldId id="256" r:id="rId2"/>
-    <p:sldId id="257" r:id="rId3"/>
-    <p:sldId id="258" r:id="rId4"/>
-    <p:sldId id="259" r:id="rId5"/>
-    <p:sldId id="260" r:id="rId6"/>
-    <p:sldId id="261" r:id="rId7"/>
-    <p:sldId id="262" r:id="rId8"/>
-    <p:sldId id="263" r:id="rId9"/>
-    <p:sldId id="264" r:id="rId10"/>
-    <p:sldId id="265" r:id="rId11"/>
-    <p:sldId id="266" r:id="rId12"/>
-    <p:sldId id="267" r:id="rId13"/>
-    <p:sldId id="268" r:id="rId14"/>
+    <p:sldId id="256" r:id="rId6"/>
+    <p:sldId id="257" r:id="rId7"/>
+    <p:sldId id="258" r:id="rId8"/>
+    <p:sldId id="259" r:id="rId9"/>
+    <p:sldId id="260" r:id="rId10"/>
+    <p:sldId id="261" r:id="rId11"/>
+    <p:sldId id="262" r:id="rId12"/>
+    <p:sldId id="263" r:id="rId13"/>
+    <p:sldId id="264" r:id="rId14"/>
+    <p:sldId id="265" r:id="rId15"/>
+    <p:sldId id="266" r:id="rId16"/>
+    <p:sldId id="267" r:id="rId17"/>
+    <p:sldId id="268" r:id="rId18"/>
+    <p:sldId id="269" r:id="rId19"/>
+    <p:sldId id="270" r:id="rId20"/>
   </p:sldIdLst>
-  <p:sldSz cx="9144000" cy="5143500" type="screen16x9"/>
+  <p:sldSz cy="5143500" cx="9144000"/>
   <p:notesSz cx="6858000" cy="9144000"/>
   <p:defaultTextStyle>
-    <a:defPPr marR="0" algn="l" rtl="0">
+    <a:defPPr marR="0" rtl="0" algn="l">
       <a:lnSpc>
         <a:spcPct val="100000"/>
       </a:lnSpc>
@@ -36,7 +38,7 @@
         <a:spcPts val="0"/>
       </a:spcAft>
     </a:defPPr>
-    <a:lvl1pPr marR="0" algn="l" rtl="0">
+    <a:lvl1pPr marR="0" rtl="0" algn="l">
       <a:lnSpc>
         <a:spcPct val="100000"/>
       </a:lnSpc>
@@ -47,7 +49,7 @@
         <a:spcPts val="0"/>
       </a:spcAft>
       <a:buNone/>
-      <a:defRPr sz="1400" b="0" i="0" u="none" strike="noStrike" cap="none" baseline="0">
+      <a:defRPr b="0" baseline="0" i="0" sz="1400" u="none" cap="none" strike="noStrike">
         <a:solidFill>
           <a:srgbClr val="000000"/>
         </a:solidFill>
@@ -58,7 +60,7 @@
         <a:rtl val="0"/>
       </a:defRPr>
     </a:lvl1pPr>
-    <a:lvl2pPr marR="0" algn="l" rtl="0">
+    <a:lvl2pPr marR="0" rtl="0" algn="l">
       <a:lnSpc>
         <a:spcPct val="100000"/>
       </a:lnSpc>
@@ -69,7 +71,7 @@
         <a:spcPts val="0"/>
       </a:spcAft>
       <a:buNone/>
-      <a:defRPr sz="1400" b="0" i="0" u="none" strike="noStrike" cap="none" baseline="0">
+      <a:defRPr b="0" baseline="0" i="0" sz="1400" u="none" cap="none" strike="noStrike">
         <a:solidFill>
           <a:srgbClr val="000000"/>
         </a:solidFill>
@@ -80,7 +82,7 @@
         <a:rtl val="0"/>
       </a:defRPr>
     </a:lvl2pPr>
-    <a:lvl3pPr marR="0" algn="l" rtl="0">
+    <a:lvl3pPr marR="0" rtl="0" algn="l">
       <a:lnSpc>
         <a:spcPct val="100000"/>
       </a:lnSpc>
@@ -91,7 +93,7 @@
         <a:spcPts val="0"/>
       </a:spcAft>
       <a:buNone/>
-      <a:defRPr sz="1400" b="0" i="0" u="none" strike="noStrike" cap="none" baseline="0">
+      <a:defRPr b="0" baseline="0" i="0" sz="1400" u="none" cap="none" strike="noStrike">
         <a:solidFill>
           <a:srgbClr val="000000"/>
         </a:solidFill>
@@ -102,7 +104,7 @@
         <a:rtl val="0"/>
       </a:defRPr>
     </a:lvl3pPr>
-    <a:lvl4pPr marR="0" algn="l" rtl="0">
+    <a:lvl4pPr marR="0" rtl="0" algn="l">
       <a:lnSpc>
         <a:spcPct val="100000"/>
       </a:lnSpc>
@@ -113,7 +115,7 @@
         <a:spcPts val="0"/>
       </a:spcAft>
       <a:buNone/>
-      <a:defRPr sz="1400" b="0" i="0" u="none" strike="noStrike" cap="none" baseline="0">
+      <a:defRPr b="0" baseline="0" i="0" sz="1400" u="none" cap="none" strike="noStrike">
         <a:solidFill>
           <a:srgbClr val="000000"/>
         </a:solidFill>
@@ -124,7 +126,7 @@
         <a:rtl val="0"/>
       </a:defRPr>
     </a:lvl4pPr>
-    <a:lvl5pPr marR="0" algn="l" rtl="0">
+    <a:lvl5pPr marR="0" rtl="0" algn="l">
       <a:lnSpc>
         <a:spcPct val="100000"/>
       </a:lnSpc>
@@ -135,7 +137,7 @@
         <a:spcPts val="0"/>
       </a:spcAft>
       <a:buNone/>
-      <a:defRPr sz="1400" b="0" i="0" u="none" strike="noStrike" cap="none" baseline="0">
+      <a:defRPr b="0" baseline="0" i="0" sz="1400" u="none" cap="none" strike="noStrike">
         <a:solidFill>
           <a:srgbClr val="000000"/>
         </a:solidFill>
@@ -146,7 +148,7 @@
         <a:rtl val="0"/>
       </a:defRPr>
     </a:lvl5pPr>
-    <a:lvl6pPr marR="0" algn="l" rtl="0">
+    <a:lvl6pPr marR="0" rtl="0" algn="l">
       <a:lnSpc>
         <a:spcPct val="100000"/>
       </a:lnSpc>
@@ -157,7 +159,7 @@
         <a:spcPts val="0"/>
       </a:spcAft>
       <a:buNone/>
-      <a:defRPr sz="1400" b="0" i="0" u="none" strike="noStrike" cap="none" baseline="0">
+      <a:defRPr b="0" baseline="0" i="0" sz="1400" u="none" cap="none" strike="noStrike">
         <a:solidFill>
           <a:srgbClr val="000000"/>
         </a:solidFill>
@@ -168,7 +170,7 @@
         <a:rtl val="0"/>
       </a:defRPr>
     </a:lvl6pPr>
-    <a:lvl7pPr marR="0" algn="l" rtl="0">
+    <a:lvl7pPr marR="0" rtl="0" algn="l">
       <a:lnSpc>
         <a:spcPct val="100000"/>
       </a:lnSpc>
@@ -179,7 +181,7 @@
         <a:spcPts val="0"/>
       </a:spcAft>
       <a:buNone/>
-      <a:defRPr sz="1400" b="0" i="0" u="none" strike="noStrike" cap="none" baseline="0">
+      <a:defRPr b="0" baseline="0" i="0" sz="1400" u="none" cap="none" strike="noStrike">
         <a:solidFill>
           <a:srgbClr val="000000"/>
         </a:solidFill>
@@ -190,7 +192,7 @@
         <a:rtl val="0"/>
       </a:defRPr>
     </a:lvl7pPr>
-    <a:lvl8pPr marR="0" algn="l" rtl="0">
+    <a:lvl8pPr marR="0" rtl="0" algn="l">
       <a:lnSpc>
         <a:spcPct val="100000"/>
       </a:lnSpc>
@@ -201,7 +203,7 @@
         <a:spcPts val="0"/>
       </a:spcAft>
       <a:buNone/>
-      <a:defRPr sz="1400" b="0" i="0" u="none" strike="noStrike" cap="none" baseline="0">
+      <a:defRPr b="0" baseline="0" i="0" sz="1400" u="none" cap="none" strike="noStrike">
         <a:solidFill>
           <a:srgbClr val="000000"/>
         </a:solidFill>
@@ -212,7 +214,7 @@
         <a:rtl val="0"/>
       </a:defRPr>
     </a:lvl8pPr>
-    <a:lvl9pPr marR="0" algn="l" rtl="0">
+    <a:lvl9pPr marR="0" rtl="0" algn="l">
       <a:lnSpc>
         <a:spcPct val="100000"/>
       </a:lnSpc>
@@ -223,7 +225,7 @@
         <a:spcPts val="0"/>
       </a:spcAft>
       <a:buNone/>
-      <a:defRPr sz="1400" b="0" i="0" u="none" strike="noStrike" cap="none" baseline="0">
+      <a:defRPr b="0" baseline="0" i="0" sz="1400" u="none" cap="none" strike="noStrike">
         <a:solidFill>
           <a:srgbClr val="000000"/>
         </a:solidFill>
@@ -239,13 +241,8 @@
 </file>
 
 <file path=ppt/notesMasters/notesMaster1.xml><?xml version="1.0" encoding="utf-8"?>
-<p:notesMaster xmlns:a="http://schemas.openxmlformats.org/drawingml/2006/main" xmlns:r="http://schemas.openxmlformats.org/officeDocument/2006/relationships" xmlns:p="http://schemas.openxmlformats.org/presentationml/2006/main">
+<p:notesMaster xmlns:a="http://schemas.openxmlformats.org/drawingml/2006/main" xmlns:r="http://schemas.openxmlformats.org/officeDocument/2006/relationships" xmlns:mc="http://schemas.openxmlformats.org/markup-compatibility/2006" xmlns:mv="urn:schemas-microsoft-com:mac:vml" xmlns:p="http://schemas.openxmlformats.org/presentationml/2006/main" xmlns:c="http://schemas.openxmlformats.org/drawingml/2006/chart" xmlns:dgm="http://schemas.openxmlformats.org/drawingml/2006/diagram" xmlns:o="urn:schemas-microsoft-com:office:office" xmlns:v="urn:schemas-microsoft-com:vml" xmlns:pvml="urn:schemas-microsoft-com:office:powerpoint" xmlns:com="http://schemas.openxmlformats.org/drawingml/2006/compatibility" xmlns:p14="http://schemas.microsoft.com/office/powerpoint/2010/main">
   <p:cSld>
-    <p:bg>
-      <p:bgRef idx="1001">
-        <a:schemeClr val="bg1"/>
-      </p:bgRef>
-    </p:bg>
     <p:spTree>
       <p:nvGrpSpPr>
         <p:cNvPr id="1" name="Shape 1"/>
@@ -263,11 +260,9 @@
       <p:sp>
         <p:nvSpPr>
           <p:cNvPr id="2" name="Shape 2"/>
-          <p:cNvSpPr>
-            <a:spLocks noGrp="1" noRot="1" noChangeAspect="1"/>
-          </p:cNvSpPr>
+          <p:cNvSpPr/>
           <p:nvPr>
-            <p:ph type="sldImg" idx="2"/>
+            <p:ph idx="2" type="sldImg"/>
           </p:nvPr>
         </p:nvSpPr>
         <p:spPr>
@@ -276,13 +271,8 @@
             <a:ext cx="6096299" cy="3429000"/>
           </a:xfrm>
           <a:custGeom>
-            <a:avLst/>
-            <a:gdLst/>
-            <a:ahLst/>
-            <a:cxnLst/>
-            <a:rect l="0" t="0" r="0" b="0"/>
             <a:pathLst>
-              <a:path w="120000" h="120000" extrusionOk="0">
+              <a:path extrusionOk="0" h="120000" w="120000">
                 <a:moveTo>
                   <a:pt x="0" y="0"/>
                 </a:moveTo>
@@ -300,25 +290,23 @@
             </a:pathLst>
           </a:custGeom>
           <a:noFill/>
-          <a:ln w="9525" cap="flat">
+          <a:ln cap="flat" w="9525">
             <a:solidFill>
               <a:srgbClr val="000000"/>
             </a:solidFill>
             <a:prstDash val="solid"/>
             <a:round/>
-            <a:headEnd type="none" w="med" len="med"/>
-            <a:tailEnd type="none" w="med" len="med"/>
+            <a:headEnd len="med" w="med" type="none"/>
+            <a:tailEnd len="med" w="med" type="none"/>
           </a:ln>
         </p:spPr>
       </p:sp>
       <p:sp>
         <p:nvSpPr>
           <p:cNvPr id="3" name="Shape 3"/>
-          <p:cNvSpPr txBox="1">
-            <a:spLocks noGrp="1"/>
-          </p:cNvSpPr>
+          <p:cNvSpPr txBox="1"/>
           <p:nvPr>
-            <p:ph type="body" idx="1"/>
+            <p:ph idx="1" type="body"/>
           </p:nvPr>
         </p:nvSpPr>
         <p:spPr>
@@ -335,7 +323,7 @@
           </a:ln>
         </p:spPr>
         <p:txBody>
-          <a:bodyPr lIns="91425" tIns="91425" rIns="91425" bIns="91425" anchor="t" anchorCtr="0"/>
+          <a:bodyPr anchorCtr="0" anchor="t" bIns="91425" lIns="91425" rIns="91425" tIns="91425"/>
           <a:lstStyle>
             <a:lvl1pPr>
               <a:spcBef>
@@ -392,120 +380,21 @@
               <a:defRPr sz="1100"/>
             </a:lvl9pPr>
           </a:lstStyle>
-          <a:p>
-            <a:endParaRPr/>
-          </a:p>
+          <a:p/>
         </p:txBody>
       </p:sp>
     </p:spTree>
-    <p:extLst>
-      <p:ext uri="{BB962C8B-B14F-4D97-AF65-F5344CB8AC3E}">
-        <p14:creationId xmlns:p14="http://schemas.microsoft.com/office/powerpoint/2010/main" val="4035129581"/>
-      </p:ext>
-    </p:extLst>
   </p:cSld>
-  <p:clrMap bg1="lt1" tx1="dk1" bg2="dk2" tx2="lt2" accent1="accent1" accent2="accent2" accent3="accent3" accent4="accent4" accent5="accent5" accent6="accent6" hlink="hlink" folHlink="folHlink"/>
-  <p:notesStyle>
-    <a:lvl1pPr marL="0" algn="l" defTabSz="914400" rtl="0" eaLnBrk="1" latinLnBrk="0" hangingPunct="1">
-      <a:defRPr sz="1200" kern="1200">
-        <a:solidFill>
-          <a:schemeClr val="tx1"/>
-        </a:solidFill>
-        <a:latin typeface="+mn-lt"/>
-        <a:ea typeface="+mn-ea"/>
-        <a:cs typeface="+mn-cs"/>
-      </a:defRPr>
-    </a:lvl1pPr>
-    <a:lvl2pPr marL="457200" algn="l" defTabSz="914400" rtl="0" eaLnBrk="1" latinLnBrk="0" hangingPunct="1">
-      <a:defRPr sz="1200" kern="1200">
-        <a:solidFill>
-          <a:schemeClr val="tx1"/>
-        </a:solidFill>
-        <a:latin typeface="+mn-lt"/>
-        <a:ea typeface="+mn-ea"/>
-        <a:cs typeface="+mn-cs"/>
-      </a:defRPr>
-    </a:lvl2pPr>
-    <a:lvl3pPr marL="914400" algn="l" defTabSz="914400" rtl="0" eaLnBrk="1" latinLnBrk="0" hangingPunct="1">
-      <a:defRPr sz="1200" kern="1200">
-        <a:solidFill>
-          <a:schemeClr val="tx1"/>
-        </a:solidFill>
-        <a:latin typeface="+mn-lt"/>
-        <a:ea typeface="+mn-ea"/>
-        <a:cs typeface="+mn-cs"/>
-      </a:defRPr>
-    </a:lvl3pPr>
-    <a:lvl4pPr marL="1371600" algn="l" defTabSz="914400" rtl="0" eaLnBrk="1" latinLnBrk="0" hangingPunct="1">
-      <a:defRPr sz="1200" kern="1200">
-        <a:solidFill>
-          <a:schemeClr val="tx1"/>
-        </a:solidFill>
-        <a:latin typeface="+mn-lt"/>
-        <a:ea typeface="+mn-ea"/>
-        <a:cs typeface="+mn-cs"/>
-      </a:defRPr>
-    </a:lvl4pPr>
-    <a:lvl5pPr marL="1828800" algn="l" defTabSz="914400" rtl="0" eaLnBrk="1" latinLnBrk="0" hangingPunct="1">
-      <a:defRPr sz="1200" kern="1200">
-        <a:solidFill>
-          <a:schemeClr val="tx1"/>
-        </a:solidFill>
-        <a:latin typeface="+mn-lt"/>
-        <a:ea typeface="+mn-ea"/>
-        <a:cs typeface="+mn-cs"/>
-      </a:defRPr>
-    </a:lvl5pPr>
-    <a:lvl6pPr marL="2286000" algn="l" defTabSz="914400" rtl="0" eaLnBrk="1" latinLnBrk="0" hangingPunct="1">
-      <a:defRPr sz="1200" kern="1200">
-        <a:solidFill>
-          <a:schemeClr val="tx1"/>
-        </a:solidFill>
-        <a:latin typeface="+mn-lt"/>
-        <a:ea typeface="+mn-ea"/>
-        <a:cs typeface="+mn-cs"/>
-      </a:defRPr>
-    </a:lvl6pPr>
-    <a:lvl7pPr marL="2743200" algn="l" defTabSz="914400" rtl="0" eaLnBrk="1" latinLnBrk="0" hangingPunct="1">
-      <a:defRPr sz="1200" kern="1200">
-        <a:solidFill>
-          <a:schemeClr val="tx1"/>
-        </a:solidFill>
-        <a:latin typeface="+mn-lt"/>
-        <a:ea typeface="+mn-ea"/>
-        <a:cs typeface="+mn-cs"/>
-      </a:defRPr>
-    </a:lvl7pPr>
-    <a:lvl8pPr marL="3200400" algn="l" defTabSz="914400" rtl="0" eaLnBrk="1" latinLnBrk="0" hangingPunct="1">
-      <a:defRPr sz="1200" kern="1200">
-        <a:solidFill>
-          <a:schemeClr val="tx1"/>
-        </a:solidFill>
-        <a:latin typeface="+mn-lt"/>
-        <a:ea typeface="+mn-ea"/>
-        <a:cs typeface="+mn-cs"/>
-      </a:defRPr>
-    </a:lvl8pPr>
-    <a:lvl9pPr marL="3657600" algn="l" defTabSz="914400" rtl="0" eaLnBrk="1" latinLnBrk="0" hangingPunct="1">
-      <a:defRPr sz="1200" kern="1200">
-        <a:solidFill>
-          <a:schemeClr val="tx1"/>
-        </a:solidFill>
-        <a:latin typeface="+mn-lt"/>
-        <a:ea typeface="+mn-ea"/>
-        <a:cs typeface="+mn-cs"/>
-      </a:defRPr>
-    </a:lvl9pPr>
-  </p:notesStyle>
+  <p:clrMap accent1="accent1" accent2="accent2" accent3="accent3" accent4="accent4" accent5="accent5" accent6="accent6" bg1="lt1" bg2="dk2" tx1="dk1" tx2="lt2" folHlink="folHlink" hlink="hlink"/>
 </p:notesMaster>
 </file>
 
 <file path=ppt/notesSlides/notesSlide1.xml><?xml version="1.0" encoding="utf-8"?>
-<p:notes xmlns:a="http://schemas.openxmlformats.org/drawingml/2006/main" xmlns:r="http://schemas.openxmlformats.org/officeDocument/2006/relationships" xmlns:p="http://schemas.openxmlformats.org/presentationml/2006/main" showMasterSp="0" showMasterPhAnim="0">
+<p:notes xmlns:a="http://schemas.openxmlformats.org/drawingml/2006/main" xmlns:r="http://schemas.openxmlformats.org/officeDocument/2006/relationships" xmlns:mc="http://schemas.openxmlformats.org/markup-compatibility/2006" xmlns:mv="urn:schemas-microsoft-com:mac:vml" xmlns:p="http://schemas.openxmlformats.org/presentationml/2006/main" xmlns:c="http://schemas.openxmlformats.org/drawingml/2006/chart" xmlns:dgm="http://schemas.openxmlformats.org/drawingml/2006/diagram" xmlns:o="urn:schemas-microsoft-com:office:office" xmlns:v="urn:schemas-microsoft-com:vml" xmlns:pvml="urn:schemas-microsoft-com:office:powerpoint" xmlns:com="http://schemas.openxmlformats.org/drawingml/2006/compatibility" xmlns:p14="http://schemas.microsoft.com/office/powerpoint/2010/main" showMasterPhAnim="0" showMasterSp="0">
   <p:cSld>
     <p:spTree>
       <p:nvGrpSpPr>
-        <p:cNvPr id="1" name="Shape 77"/>
+        <p:cNvPr id="77" name="Shape 77"/>
         <p:cNvGrpSpPr/>
         <p:nvPr/>
       </p:nvGrpSpPr>
@@ -520,11 +409,9 @@
       <p:sp>
         <p:nvSpPr>
           <p:cNvPr id="78" name="Shape 78"/>
-          <p:cNvSpPr>
-            <a:spLocks noGrp="1" noRot="1" noChangeAspect="1"/>
-          </p:cNvSpPr>
+          <p:cNvSpPr/>
           <p:nvPr>
-            <p:ph type="sldImg" idx="2"/>
+            <p:ph idx="2" type="sldImg"/>
           </p:nvPr>
         </p:nvSpPr>
         <p:spPr>
@@ -533,13 +420,8 @@
             <a:ext cx="6096299" cy="3429000"/>
           </a:xfrm>
           <a:custGeom>
-            <a:avLst/>
-            <a:gdLst/>
-            <a:ahLst/>
-            <a:cxnLst/>
-            <a:rect l="0" t="0" r="0" b="0"/>
             <a:pathLst>
-              <a:path w="120000" h="120000" extrusionOk="0">
+              <a:path extrusionOk="0" h="120000" w="120000">
                 <a:moveTo>
                   <a:pt x="0" y="0"/>
                 </a:moveTo>
@@ -557,25 +439,23 @@
             </a:pathLst>
           </a:custGeom>
           <a:noFill/>
-          <a:ln w="9525" cap="flat">
+          <a:ln cap="flat" w="9525">
             <a:solidFill>
               <a:srgbClr val="000000"/>
             </a:solidFill>
             <a:prstDash val="solid"/>
             <a:round/>
-            <a:headEnd type="none" w="med" len="med"/>
-            <a:tailEnd type="none" w="med" len="med"/>
+            <a:headEnd len="med" w="med" type="none"/>
+            <a:tailEnd len="med" w="med" type="none"/>
           </a:ln>
         </p:spPr>
       </p:sp>
       <p:sp>
         <p:nvSpPr>
           <p:cNvPr id="79" name="Shape 79"/>
-          <p:cNvSpPr txBox="1">
-            <a:spLocks noGrp="1"/>
-          </p:cNvSpPr>
+          <p:cNvSpPr txBox="1"/>
           <p:nvPr>
-            <p:ph type="body" idx="1"/>
+            <p:ph idx="1" type="body"/>
           </p:nvPr>
         </p:nvSpPr>
         <p:spPr>
@@ -588,7 +468,7 @@
           </a:prstGeom>
         </p:spPr>
         <p:txBody>
-          <a:bodyPr lIns="91425" tIns="91425" rIns="91425" bIns="91425" anchor="t" anchorCtr="0">
+          <a:bodyPr anchorCtr="0" anchor="t" bIns="91425" lIns="91425" rIns="91425" tIns="91425">
             <a:noAutofit/>
           </a:bodyPr>
           <a:lstStyle/>
@@ -615,11 +495,11 @@
 </file>
 
 <file path=ppt/notesSlides/notesSlide10.xml><?xml version="1.0" encoding="utf-8"?>
-<p:notes xmlns:a="http://schemas.openxmlformats.org/drawingml/2006/main" xmlns:r="http://schemas.openxmlformats.org/officeDocument/2006/relationships" xmlns:p="http://schemas.openxmlformats.org/presentationml/2006/main" showMasterSp="0" showMasterPhAnim="0">
+<p:notes xmlns:a="http://schemas.openxmlformats.org/drawingml/2006/main" xmlns:r="http://schemas.openxmlformats.org/officeDocument/2006/relationships" xmlns:mc="http://schemas.openxmlformats.org/markup-compatibility/2006" xmlns:mv="urn:schemas-microsoft-com:mac:vml" xmlns:p="http://schemas.openxmlformats.org/presentationml/2006/main" xmlns:c="http://schemas.openxmlformats.org/drawingml/2006/chart" xmlns:dgm="http://schemas.openxmlformats.org/drawingml/2006/diagram" xmlns:o="urn:schemas-microsoft-com:office:office" xmlns:v="urn:schemas-microsoft-com:vml" xmlns:pvml="urn:schemas-microsoft-com:office:powerpoint" xmlns:com="http://schemas.openxmlformats.org/drawingml/2006/compatibility" xmlns:p14="http://schemas.microsoft.com/office/powerpoint/2010/main" showMasterPhAnim="0" showMasterSp="0">
   <p:cSld>
     <p:spTree>
       <p:nvGrpSpPr>
-        <p:cNvPr id="1" name="Shape 134"/>
+        <p:cNvPr id="133" name="Shape 133"/>
         <p:cNvGrpSpPr/>
         <p:nvPr/>
       </p:nvGrpSpPr>
@@ -633,12 +513,10 @@
       </p:grpSpPr>
       <p:sp>
         <p:nvSpPr>
-          <p:cNvPr id="135" name="Shape 135"/>
-          <p:cNvSpPr>
-            <a:spLocks noGrp="1" noRot="1" noChangeAspect="1"/>
-          </p:cNvSpPr>
+          <p:cNvPr id="134" name="Shape 134"/>
+          <p:cNvSpPr/>
           <p:nvPr>
-            <p:ph type="sldImg" idx="2"/>
+            <p:ph idx="2" type="sldImg"/>
           </p:nvPr>
         </p:nvSpPr>
         <p:spPr>
@@ -647,13 +525,8 @@
             <a:ext cx="6096299" cy="3429000"/>
           </a:xfrm>
           <a:custGeom>
-            <a:avLst/>
-            <a:gdLst/>
-            <a:ahLst/>
-            <a:cxnLst/>
-            <a:rect l="0" t="0" r="0" b="0"/>
             <a:pathLst>
-              <a:path w="120000" h="120000" extrusionOk="0">
+              <a:path extrusionOk="0" h="120000" w="120000">
                 <a:moveTo>
                   <a:pt x="0" y="0"/>
                 </a:moveTo>
@@ -671,25 +544,23 @@
             </a:pathLst>
           </a:custGeom>
           <a:noFill/>
-          <a:ln w="9525" cap="flat">
+          <a:ln cap="flat" w="9525">
             <a:solidFill>
               <a:srgbClr val="000000"/>
             </a:solidFill>
             <a:prstDash val="solid"/>
             <a:round/>
-            <a:headEnd type="none" w="med" len="med"/>
-            <a:tailEnd type="none" w="med" len="med"/>
+            <a:headEnd len="med" w="med" type="none"/>
+            <a:tailEnd len="med" w="med" type="none"/>
           </a:ln>
         </p:spPr>
       </p:sp>
       <p:sp>
         <p:nvSpPr>
-          <p:cNvPr id="136" name="Shape 136"/>
-          <p:cNvSpPr txBox="1">
-            <a:spLocks noGrp="1"/>
-          </p:cNvSpPr>
+          <p:cNvPr id="135" name="Shape 135"/>
+          <p:cNvSpPr txBox="1"/>
           <p:nvPr>
-            <p:ph type="body" idx="1"/>
+            <p:ph idx="1" type="body"/>
           </p:nvPr>
         </p:nvSpPr>
         <p:spPr>
@@ -702,7 +573,7 @@
           </a:prstGeom>
         </p:spPr>
         <p:txBody>
-          <a:bodyPr lIns="91425" tIns="91425" rIns="91425" bIns="91425" anchor="t" anchorCtr="0">
+          <a:bodyPr anchorCtr="0" anchor="t" bIns="91425" lIns="91425" rIns="91425" tIns="91425">
             <a:noAutofit/>
           </a:bodyPr>
           <a:lstStyle/>
@@ -713,6 +584,9 @@
               </a:spcBef>
               <a:buNone/>
             </a:pPr>
+            <a:r>
+              <a:t/>
+            </a:r>
             <a:endParaRPr/>
           </a:p>
         </p:txBody>
@@ -726,11 +600,11 @@
 </file>
 
 <file path=ppt/notesSlides/notesSlide11.xml><?xml version="1.0" encoding="utf-8"?>
-<p:notes xmlns:a="http://schemas.openxmlformats.org/drawingml/2006/main" xmlns:r="http://schemas.openxmlformats.org/officeDocument/2006/relationships" xmlns:p="http://schemas.openxmlformats.org/presentationml/2006/main" showMasterSp="0" showMasterPhAnim="0">
+<p:notes xmlns:a="http://schemas.openxmlformats.org/drawingml/2006/main" xmlns:r="http://schemas.openxmlformats.org/officeDocument/2006/relationships" xmlns:mc="http://schemas.openxmlformats.org/markup-compatibility/2006" xmlns:mv="urn:schemas-microsoft-com:mac:vml" xmlns:p="http://schemas.openxmlformats.org/presentationml/2006/main" xmlns:c="http://schemas.openxmlformats.org/drawingml/2006/chart" xmlns:dgm="http://schemas.openxmlformats.org/drawingml/2006/diagram" xmlns:o="urn:schemas-microsoft-com:office:office" xmlns:v="urn:schemas-microsoft-com:vml" xmlns:pvml="urn:schemas-microsoft-com:office:powerpoint" xmlns:com="http://schemas.openxmlformats.org/drawingml/2006/compatibility" xmlns:p14="http://schemas.microsoft.com/office/powerpoint/2010/main" showMasterPhAnim="0" showMasterSp="0">
   <p:cSld>
     <p:spTree>
       <p:nvGrpSpPr>
-        <p:cNvPr id="1" name="Shape 141"/>
+        <p:cNvPr id="139" name="Shape 139"/>
         <p:cNvGrpSpPr/>
         <p:nvPr/>
       </p:nvGrpSpPr>
@@ -744,12 +618,10 @@
       </p:grpSpPr>
       <p:sp>
         <p:nvSpPr>
-          <p:cNvPr id="142" name="Shape 142"/>
-          <p:cNvSpPr>
-            <a:spLocks noGrp="1" noRot="1" noChangeAspect="1"/>
-          </p:cNvSpPr>
+          <p:cNvPr id="140" name="Shape 140"/>
+          <p:cNvSpPr/>
           <p:nvPr>
-            <p:ph type="sldImg" idx="2"/>
+            <p:ph idx="2" type="sldImg"/>
           </p:nvPr>
         </p:nvSpPr>
         <p:spPr>
@@ -758,13 +630,8 @@
             <a:ext cx="6096299" cy="3429000"/>
           </a:xfrm>
           <a:custGeom>
-            <a:avLst/>
-            <a:gdLst/>
-            <a:ahLst/>
-            <a:cxnLst/>
-            <a:rect l="0" t="0" r="0" b="0"/>
             <a:pathLst>
-              <a:path w="120000" h="120000" extrusionOk="0">
+              <a:path extrusionOk="0" h="120000" w="120000">
                 <a:moveTo>
                   <a:pt x="0" y="0"/>
                 </a:moveTo>
@@ -782,25 +649,23 @@
             </a:pathLst>
           </a:custGeom>
           <a:noFill/>
-          <a:ln w="9525" cap="flat">
+          <a:ln cap="flat" w="9525">
             <a:solidFill>
               <a:srgbClr val="000000"/>
             </a:solidFill>
             <a:prstDash val="solid"/>
             <a:round/>
-            <a:headEnd type="none" w="med" len="med"/>
-            <a:tailEnd type="none" w="med" len="med"/>
+            <a:headEnd len="med" w="med" type="none"/>
+            <a:tailEnd len="med" w="med" type="none"/>
           </a:ln>
         </p:spPr>
       </p:sp>
       <p:sp>
         <p:nvSpPr>
-          <p:cNvPr id="143" name="Shape 143"/>
-          <p:cNvSpPr txBox="1">
-            <a:spLocks noGrp="1"/>
-          </p:cNvSpPr>
+          <p:cNvPr id="141" name="Shape 141"/>
+          <p:cNvSpPr txBox="1"/>
           <p:nvPr>
-            <p:ph type="body" idx="1"/>
+            <p:ph idx="1" type="body"/>
           </p:nvPr>
         </p:nvSpPr>
         <p:spPr>
@@ -813,7 +678,7 @@
           </a:prstGeom>
         </p:spPr>
         <p:txBody>
-          <a:bodyPr lIns="91425" tIns="91425" rIns="91425" bIns="91425" anchor="t" anchorCtr="0">
+          <a:bodyPr anchorCtr="0" anchor="t" bIns="91425" lIns="91425" rIns="91425" tIns="91425">
             <a:noAutofit/>
           </a:bodyPr>
           <a:lstStyle/>
@@ -824,6 +689,9 @@
               </a:spcBef>
               <a:buNone/>
             </a:pPr>
+            <a:r>
+              <a:t/>
+            </a:r>
             <a:endParaRPr/>
           </a:p>
         </p:txBody>
@@ -837,11 +705,11 @@
 </file>
 
 <file path=ppt/notesSlides/notesSlide12.xml><?xml version="1.0" encoding="utf-8"?>
-<p:notes xmlns:a="http://schemas.openxmlformats.org/drawingml/2006/main" xmlns:r="http://schemas.openxmlformats.org/officeDocument/2006/relationships" xmlns:p="http://schemas.openxmlformats.org/presentationml/2006/main" showMasterSp="0" showMasterPhAnim="0">
+<p:notes xmlns:a="http://schemas.openxmlformats.org/drawingml/2006/main" xmlns:r="http://schemas.openxmlformats.org/officeDocument/2006/relationships" xmlns:mc="http://schemas.openxmlformats.org/markup-compatibility/2006" xmlns:mv="urn:schemas-microsoft-com:mac:vml" xmlns:p="http://schemas.openxmlformats.org/presentationml/2006/main" xmlns:c="http://schemas.openxmlformats.org/drawingml/2006/chart" xmlns:dgm="http://schemas.openxmlformats.org/drawingml/2006/diagram" xmlns:o="urn:schemas-microsoft-com:office:office" xmlns:v="urn:schemas-microsoft-com:vml" xmlns:pvml="urn:schemas-microsoft-com:office:powerpoint" xmlns:com="http://schemas.openxmlformats.org/drawingml/2006/compatibility" xmlns:p14="http://schemas.microsoft.com/office/powerpoint/2010/main" showMasterPhAnim="0" showMasterSp="0">
   <p:cSld>
     <p:spTree>
       <p:nvGrpSpPr>
-        <p:cNvPr id="1" name="Shape 148"/>
+        <p:cNvPr id="146" name="Shape 146"/>
         <p:cNvGrpSpPr/>
         <p:nvPr/>
       </p:nvGrpSpPr>
@@ -855,27 +723,20 @@
       </p:grpSpPr>
       <p:sp>
         <p:nvSpPr>
-          <p:cNvPr id="149" name="Shape 149"/>
-          <p:cNvSpPr>
-            <a:spLocks noGrp="1" noRot="1" noChangeAspect="1"/>
-          </p:cNvSpPr>
+          <p:cNvPr id="147" name="Shape 147"/>
+          <p:cNvSpPr/>
           <p:nvPr>
-            <p:ph type="sldImg" idx="2"/>
+            <p:ph idx="2" type="sldImg"/>
           </p:nvPr>
         </p:nvSpPr>
         <p:spPr>
           <a:xfrm>
-            <a:off x="381000" y="685800"/>
-            <a:ext cx="6096000" cy="3429000"/>
+            <a:off x="381187" y="685800"/>
+            <a:ext cx="6096299" cy="3429000"/>
           </a:xfrm>
           <a:custGeom>
-            <a:avLst/>
-            <a:gdLst/>
-            <a:ahLst/>
-            <a:cxnLst/>
-            <a:rect l="0" t="0" r="0" b="0"/>
             <a:pathLst>
-              <a:path w="120000" h="120000" extrusionOk="0">
+              <a:path extrusionOk="0" h="120000" w="120000">
                 <a:moveTo>
                   <a:pt x="0" y="0"/>
                 </a:moveTo>
@@ -893,25 +754,23 @@
             </a:pathLst>
           </a:custGeom>
           <a:noFill/>
-          <a:ln w="9525" cap="flat">
+          <a:ln cap="flat" w="9525">
             <a:solidFill>
               <a:srgbClr val="000000"/>
             </a:solidFill>
             <a:prstDash val="solid"/>
             <a:round/>
-            <a:headEnd type="none" w="med" len="med"/>
-            <a:tailEnd type="none" w="med" len="med"/>
+            <a:headEnd len="med" w="med" type="none"/>
+            <a:tailEnd len="med" w="med" type="none"/>
           </a:ln>
         </p:spPr>
       </p:sp>
       <p:sp>
         <p:nvSpPr>
-          <p:cNvPr id="150" name="Shape 150"/>
-          <p:cNvSpPr txBox="1">
-            <a:spLocks noGrp="1"/>
-          </p:cNvSpPr>
+          <p:cNvPr id="148" name="Shape 148"/>
+          <p:cNvSpPr txBox="1"/>
           <p:nvPr>
-            <p:ph type="body" idx="1"/>
+            <p:ph idx="1" type="body"/>
           </p:nvPr>
         </p:nvSpPr>
         <p:spPr>
@@ -924,7 +783,7 @@
           </a:prstGeom>
         </p:spPr>
         <p:txBody>
-          <a:bodyPr lIns="91425" tIns="91425" rIns="91425" bIns="91425" anchor="t" anchorCtr="0">
+          <a:bodyPr anchorCtr="0" anchor="t" bIns="91425" lIns="91425" rIns="91425" tIns="91425">
             <a:noAutofit/>
           </a:bodyPr>
           <a:lstStyle/>
@@ -935,6 +794,9 @@
               </a:spcBef>
               <a:buNone/>
             </a:pPr>
+            <a:r>
+              <a:t/>
+            </a:r>
             <a:endParaRPr/>
           </a:p>
         </p:txBody>
@@ -948,11 +810,11 @@
 </file>
 
 <file path=ppt/notesSlides/notesSlide13.xml><?xml version="1.0" encoding="utf-8"?>
-<p:notes xmlns:a="http://schemas.openxmlformats.org/drawingml/2006/main" xmlns:r="http://schemas.openxmlformats.org/officeDocument/2006/relationships" xmlns:p="http://schemas.openxmlformats.org/presentationml/2006/main" showMasterSp="0" showMasterPhAnim="0">
+<p:notes xmlns:a="http://schemas.openxmlformats.org/drawingml/2006/main" xmlns:r="http://schemas.openxmlformats.org/officeDocument/2006/relationships" xmlns:mc="http://schemas.openxmlformats.org/markup-compatibility/2006" xmlns:mv="urn:schemas-microsoft-com:mac:vml" xmlns:p="http://schemas.openxmlformats.org/presentationml/2006/main" xmlns:c="http://schemas.openxmlformats.org/drawingml/2006/chart" xmlns:dgm="http://schemas.openxmlformats.org/drawingml/2006/diagram" xmlns:o="urn:schemas-microsoft-com:office:office" xmlns:v="urn:schemas-microsoft-com:vml" xmlns:pvml="urn:schemas-microsoft-com:office:powerpoint" xmlns:com="http://schemas.openxmlformats.org/drawingml/2006/compatibility" xmlns:p14="http://schemas.microsoft.com/office/powerpoint/2010/main" showMasterPhAnim="0" showMasterSp="0">
   <p:cSld>
     <p:spTree>
       <p:nvGrpSpPr>
-        <p:cNvPr id="1" name="Shape 154"/>
+        <p:cNvPr id="153" name="Shape 153"/>
         <p:cNvGrpSpPr/>
         <p:nvPr/>
       </p:nvGrpSpPr>
@@ -966,12 +828,10 @@
       </p:grpSpPr>
       <p:sp>
         <p:nvSpPr>
-          <p:cNvPr id="155" name="Shape 155"/>
-          <p:cNvSpPr>
-            <a:spLocks noGrp="1" noRot="1" noChangeAspect="1"/>
-          </p:cNvSpPr>
+          <p:cNvPr id="154" name="Shape 154"/>
+          <p:cNvSpPr/>
           <p:nvPr>
-            <p:ph type="sldImg" idx="2"/>
+            <p:ph idx="2" type="sldImg"/>
           </p:nvPr>
         </p:nvSpPr>
         <p:spPr>
@@ -980,13 +840,8 @@
             <a:ext cx="6096299" cy="3429000"/>
           </a:xfrm>
           <a:custGeom>
-            <a:avLst/>
-            <a:gdLst/>
-            <a:ahLst/>
-            <a:cxnLst/>
-            <a:rect l="0" t="0" r="0" b="0"/>
             <a:pathLst>
-              <a:path w="120000" h="120000" extrusionOk="0">
+              <a:path extrusionOk="0" h="120000" w="120000">
                 <a:moveTo>
                   <a:pt x="0" y="0"/>
                 </a:moveTo>
@@ -1004,25 +859,23 @@
             </a:pathLst>
           </a:custGeom>
           <a:noFill/>
-          <a:ln w="9525" cap="flat">
+          <a:ln cap="flat" w="9525">
             <a:solidFill>
               <a:srgbClr val="000000"/>
             </a:solidFill>
             <a:prstDash val="solid"/>
             <a:round/>
-            <a:headEnd type="none" w="med" len="med"/>
-            <a:tailEnd type="none" w="med" len="med"/>
+            <a:headEnd len="med" w="med" type="none"/>
+            <a:tailEnd len="med" w="med" type="none"/>
           </a:ln>
         </p:spPr>
       </p:sp>
       <p:sp>
         <p:nvSpPr>
-          <p:cNvPr id="156" name="Shape 156"/>
-          <p:cNvSpPr txBox="1">
-            <a:spLocks noGrp="1"/>
-          </p:cNvSpPr>
+          <p:cNvPr id="155" name="Shape 155"/>
+          <p:cNvSpPr txBox="1"/>
           <p:nvPr>
-            <p:ph type="body" idx="1"/>
+            <p:ph idx="1" type="body"/>
           </p:nvPr>
         </p:nvSpPr>
         <p:spPr>
@@ -1035,7 +888,7 @@
           </a:prstGeom>
         </p:spPr>
         <p:txBody>
-          <a:bodyPr lIns="91425" tIns="91425" rIns="91425" bIns="91425" anchor="t" anchorCtr="0">
+          <a:bodyPr anchorCtr="0" anchor="t" bIns="91425" lIns="91425" rIns="91425" tIns="91425">
             <a:noAutofit/>
           </a:bodyPr>
           <a:lstStyle/>
@@ -1046,6 +899,9 @@
               </a:spcBef>
               <a:buNone/>
             </a:pPr>
+            <a:r>
+              <a:t/>
+            </a:r>
             <a:endParaRPr/>
           </a:p>
         </p:txBody>
@@ -1058,12 +914,12 @@
 </p:notes>
 </file>
 
-<file path=ppt/notesSlides/notesSlide2.xml><?xml version="1.0" encoding="utf-8"?>
-<p:notes xmlns:a="http://schemas.openxmlformats.org/drawingml/2006/main" xmlns:r="http://schemas.openxmlformats.org/officeDocument/2006/relationships" xmlns:p="http://schemas.openxmlformats.org/presentationml/2006/main" showMasterSp="0" showMasterPhAnim="0">
+<file path=ppt/notesSlides/notesSlide14.xml><?xml version="1.0" encoding="utf-8"?>
+<p:notes xmlns:a="http://schemas.openxmlformats.org/drawingml/2006/main" xmlns:r="http://schemas.openxmlformats.org/officeDocument/2006/relationships" xmlns:mc="http://schemas.openxmlformats.org/markup-compatibility/2006" xmlns:mv="urn:schemas-microsoft-com:mac:vml" xmlns:p="http://schemas.openxmlformats.org/presentationml/2006/main" xmlns:c="http://schemas.openxmlformats.org/drawingml/2006/chart" xmlns:dgm="http://schemas.openxmlformats.org/drawingml/2006/diagram" xmlns:o="urn:schemas-microsoft-com:office:office" xmlns:v="urn:schemas-microsoft-com:vml" xmlns:pvml="urn:schemas-microsoft-com:office:powerpoint" xmlns:com="http://schemas.openxmlformats.org/drawingml/2006/compatibility" xmlns:p14="http://schemas.microsoft.com/office/powerpoint/2010/main" showMasterPhAnim="0" showMasterSp="0">
   <p:cSld>
     <p:spTree>
       <p:nvGrpSpPr>
-        <p:cNvPr id="1" name="Shape 83"/>
+        <p:cNvPr id="160" name="Shape 160"/>
         <p:cNvGrpSpPr/>
         <p:nvPr/>
       </p:nvGrpSpPr>
@@ -1077,27 +933,20 @@
       </p:grpSpPr>
       <p:sp>
         <p:nvSpPr>
-          <p:cNvPr id="84" name="Shape 84"/>
-          <p:cNvSpPr>
-            <a:spLocks noGrp="1" noRot="1" noChangeAspect="1"/>
-          </p:cNvSpPr>
+          <p:cNvPr id="161" name="Shape 161"/>
+          <p:cNvSpPr/>
           <p:nvPr>
-            <p:ph type="sldImg" idx="2"/>
+            <p:ph idx="2" type="sldImg"/>
           </p:nvPr>
         </p:nvSpPr>
         <p:spPr>
           <a:xfrm>
-            <a:off x="381000" y="685800"/>
-            <a:ext cx="6096000" cy="3429000"/>
+            <a:off x="381187" y="685800"/>
+            <a:ext cx="6096299" cy="3429000"/>
           </a:xfrm>
           <a:custGeom>
-            <a:avLst/>
-            <a:gdLst/>
-            <a:ahLst/>
-            <a:cxnLst/>
-            <a:rect l="0" t="0" r="0" b="0"/>
             <a:pathLst>
-              <a:path w="120000" h="120000" extrusionOk="0">
+              <a:path extrusionOk="0" h="120000" w="120000">
                 <a:moveTo>
                   <a:pt x="0" y="0"/>
                 </a:moveTo>
@@ -1115,25 +964,23 @@
             </a:pathLst>
           </a:custGeom>
           <a:noFill/>
-          <a:ln w="9525" cap="flat">
+          <a:ln cap="flat" w="9525">
             <a:solidFill>
               <a:srgbClr val="000000"/>
             </a:solidFill>
             <a:prstDash val="solid"/>
             <a:round/>
-            <a:headEnd type="none" w="med" len="med"/>
-            <a:tailEnd type="none" w="med" len="med"/>
+            <a:headEnd len="med" w="med" type="none"/>
+            <a:tailEnd len="med" w="med" type="none"/>
           </a:ln>
         </p:spPr>
       </p:sp>
       <p:sp>
         <p:nvSpPr>
-          <p:cNvPr id="85" name="Shape 85"/>
-          <p:cNvSpPr txBox="1">
-            <a:spLocks noGrp="1"/>
-          </p:cNvSpPr>
+          <p:cNvPr id="162" name="Shape 162"/>
+          <p:cNvSpPr txBox="1"/>
           <p:nvPr>
-            <p:ph type="body" idx="1"/>
+            <p:ph idx="1" type="body"/>
           </p:nvPr>
         </p:nvSpPr>
         <p:spPr>
@@ -1146,7 +993,7 @@
           </a:prstGeom>
         </p:spPr>
         <p:txBody>
-          <a:bodyPr lIns="91425" tIns="91425" rIns="91425" bIns="91425" anchor="t" anchorCtr="0">
+          <a:bodyPr anchorCtr="0" anchor="t" bIns="91425" lIns="91425" rIns="91425" tIns="91425">
             <a:noAutofit/>
           </a:bodyPr>
           <a:lstStyle/>
@@ -1157,6 +1004,9 @@
               </a:spcBef>
               <a:buNone/>
             </a:pPr>
+            <a:r>
+              <a:t/>
+            </a:r>
             <a:endParaRPr/>
           </a:p>
         </p:txBody>
@@ -1169,12 +1019,12 @@
 </p:notes>
 </file>
 
-<file path=ppt/notesSlides/notesSlide3.xml><?xml version="1.0" encoding="utf-8"?>
-<p:notes xmlns:a="http://schemas.openxmlformats.org/drawingml/2006/main" xmlns:r="http://schemas.openxmlformats.org/officeDocument/2006/relationships" xmlns:p="http://schemas.openxmlformats.org/presentationml/2006/main" showMasterSp="0" showMasterPhAnim="0">
+<file path=ppt/notesSlides/notesSlide15.xml><?xml version="1.0" encoding="utf-8"?>
+<p:notes xmlns:a="http://schemas.openxmlformats.org/drawingml/2006/main" xmlns:r="http://schemas.openxmlformats.org/officeDocument/2006/relationships" xmlns:mc="http://schemas.openxmlformats.org/markup-compatibility/2006" xmlns:mv="urn:schemas-microsoft-com:mac:vml" xmlns:p="http://schemas.openxmlformats.org/presentationml/2006/main" xmlns:c="http://schemas.openxmlformats.org/drawingml/2006/chart" xmlns:dgm="http://schemas.openxmlformats.org/drawingml/2006/diagram" xmlns:o="urn:schemas-microsoft-com:office:office" xmlns:v="urn:schemas-microsoft-com:vml" xmlns:pvml="urn:schemas-microsoft-com:office:powerpoint" xmlns:com="http://schemas.openxmlformats.org/drawingml/2006/compatibility" xmlns:p14="http://schemas.microsoft.com/office/powerpoint/2010/main" showMasterPhAnim="0" showMasterSp="0">
   <p:cSld>
     <p:spTree>
       <p:nvGrpSpPr>
-        <p:cNvPr id="1" name="Shape 89"/>
+        <p:cNvPr id="166" name="Shape 166"/>
         <p:cNvGrpSpPr/>
         <p:nvPr/>
       </p:nvGrpSpPr>
@@ -1188,12 +1038,10 @@
       </p:grpSpPr>
       <p:sp>
         <p:nvSpPr>
-          <p:cNvPr id="90" name="Shape 90"/>
-          <p:cNvSpPr>
-            <a:spLocks noGrp="1" noRot="1" noChangeAspect="1"/>
-          </p:cNvSpPr>
+          <p:cNvPr id="167" name="Shape 167"/>
+          <p:cNvSpPr/>
           <p:nvPr>
-            <p:ph type="sldImg" idx="2"/>
+            <p:ph idx="2" type="sldImg"/>
           </p:nvPr>
         </p:nvSpPr>
         <p:spPr>
@@ -1202,13 +1050,8 @@
             <a:ext cx="6096299" cy="3429000"/>
           </a:xfrm>
           <a:custGeom>
-            <a:avLst/>
-            <a:gdLst/>
-            <a:ahLst/>
-            <a:cxnLst/>
-            <a:rect l="0" t="0" r="0" b="0"/>
             <a:pathLst>
-              <a:path w="120000" h="120000" extrusionOk="0">
+              <a:path extrusionOk="0" h="120000" w="120000">
                 <a:moveTo>
                   <a:pt x="0" y="0"/>
                 </a:moveTo>
@@ -1226,25 +1069,23 @@
             </a:pathLst>
           </a:custGeom>
           <a:noFill/>
-          <a:ln w="9525" cap="flat">
+          <a:ln cap="flat" w="9525">
             <a:solidFill>
               <a:srgbClr val="000000"/>
             </a:solidFill>
             <a:prstDash val="solid"/>
             <a:round/>
-            <a:headEnd type="none" w="med" len="med"/>
-            <a:tailEnd type="none" w="med" len="med"/>
+            <a:headEnd len="med" w="med" type="none"/>
+            <a:tailEnd len="med" w="med" type="none"/>
           </a:ln>
         </p:spPr>
       </p:sp>
       <p:sp>
         <p:nvSpPr>
-          <p:cNvPr id="91" name="Shape 91"/>
-          <p:cNvSpPr txBox="1">
-            <a:spLocks noGrp="1"/>
-          </p:cNvSpPr>
+          <p:cNvPr id="168" name="Shape 168"/>
+          <p:cNvSpPr txBox="1"/>
           <p:nvPr>
-            <p:ph type="body" idx="1"/>
+            <p:ph idx="1" type="body"/>
           </p:nvPr>
         </p:nvSpPr>
         <p:spPr>
@@ -1257,7 +1098,7 @@
           </a:prstGeom>
         </p:spPr>
         <p:txBody>
-          <a:bodyPr lIns="91425" tIns="91425" rIns="91425" bIns="91425" anchor="t" anchorCtr="0">
+          <a:bodyPr anchorCtr="0" anchor="t" bIns="91425" lIns="91425" rIns="91425" tIns="91425">
             <a:noAutofit/>
           </a:bodyPr>
           <a:lstStyle/>
@@ -1268,6 +1109,9 @@
               </a:spcBef>
               <a:buNone/>
             </a:pPr>
+            <a:r>
+              <a:t/>
+            </a:r>
             <a:endParaRPr/>
           </a:p>
         </p:txBody>
@@ -1280,12 +1124,12 @@
 </p:notes>
 </file>
 
-<file path=ppt/notesSlides/notesSlide4.xml><?xml version="1.0" encoding="utf-8"?>
-<p:notes xmlns:a="http://schemas.openxmlformats.org/drawingml/2006/main" xmlns:r="http://schemas.openxmlformats.org/officeDocument/2006/relationships" xmlns:p="http://schemas.openxmlformats.org/presentationml/2006/main" showMasterSp="0" showMasterPhAnim="0">
+<file path=ppt/notesSlides/notesSlide2.xml><?xml version="1.0" encoding="utf-8"?>
+<p:notes xmlns:a="http://schemas.openxmlformats.org/drawingml/2006/main" xmlns:r="http://schemas.openxmlformats.org/officeDocument/2006/relationships" xmlns:mc="http://schemas.openxmlformats.org/markup-compatibility/2006" xmlns:mv="urn:schemas-microsoft-com:mac:vml" xmlns:p="http://schemas.openxmlformats.org/presentationml/2006/main" xmlns:c="http://schemas.openxmlformats.org/drawingml/2006/chart" xmlns:dgm="http://schemas.openxmlformats.org/drawingml/2006/diagram" xmlns:o="urn:schemas-microsoft-com:office:office" xmlns:v="urn:schemas-microsoft-com:vml" xmlns:pvml="urn:schemas-microsoft-com:office:powerpoint" xmlns:com="http://schemas.openxmlformats.org/drawingml/2006/compatibility" xmlns:p14="http://schemas.microsoft.com/office/powerpoint/2010/main" showMasterPhAnim="0" showMasterSp="0">
   <p:cSld>
     <p:spTree>
       <p:nvGrpSpPr>
-        <p:cNvPr id="1" name="Shape 95"/>
+        <p:cNvPr id="83" name="Shape 83"/>
         <p:cNvGrpSpPr/>
         <p:nvPr/>
       </p:nvGrpSpPr>
@@ -1299,12 +1143,10 @@
       </p:grpSpPr>
       <p:sp>
         <p:nvSpPr>
-          <p:cNvPr id="96" name="Shape 96"/>
-          <p:cNvSpPr>
-            <a:spLocks noGrp="1" noRot="1" noChangeAspect="1"/>
-          </p:cNvSpPr>
+          <p:cNvPr id="84" name="Shape 84"/>
+          <p:cNvSpPr/>
           <p:nvPr>
-            <p:ph type="sldImg" idx="2"/>
+            <p:ph idx="2" type="sldImg"/>
           </p:nvPr>
         </p:nvSpPr>
         <p:spPr>
@@ -1313,13 +1155,8 @@
             <a:ext cx="6096299" cy="3429000"/>
           </a:xfrm>
           <a:custGeom>
-            <a:avLst/>
-            <a:gdLst/>
-            <a:ahLst/>
-            <a:cxnLst/>
-            <a:rect l="0" t="0" r="0" b="0"/>
             <a:pathLst>
-              <a:path w="120000" h="120000" extrusionOk="0">
+              <a:path extrusionOk="0" h="120000" w="120000">
                 <a:moveTo>
                   <a:pt x="0" y="0"/>
                 </a:moveTo>
@@ -1337,25 +1174,23 @@
             </a:pathLst>
           </a:custGeom>
           <a:noFill/>
-          <a:ln w="9525" cap="flat">
+          <a:ln cap="flat" w="9525">
             <a:solidFill>
               <a:srgbClr val="000000"/>
             </a:solidFill>
             <a:prstDash val="solid"/>
             <a:round/>
-            <a:headEnd type="none" w="med" len="med"/>
-            <a:tailEnd type="none" w="med" len="med"/>
+            <a:headEnd len="med" w="med" type="none"/>
+            <a:tailEnd len="med" w="med" type="none"/>
           </a:ln>
         </p:spPr>
       </p:sp>
       <p:sp>
         <p:nvSpPr>
-          <p:cNvPr id="97" name="Shape 97"/>
-          <p:cNvSpPr txBox="1">
-            <a:spLocks noGrp="1"/>
-          </p:cNvSpPr>
+          <p:cNvPr id="85" name="Shape 85"/>
+          <p:cNvSpPr txBox="1"/>
           <p:nvPr>
-            <p:ph type="body" idx="1"/>
+            <p:ph idx="1" type="body"/>
           </p:nvPr>
         </p:nvSpPr>
         <p:spPr>
@@ -1368,7 +1203,7 @@
           </a:prstGeom>
         </p:spPr>
         <p:txBody>
-          <a:bodyPr lIns="91425" tIns="91425" rIns="91425" bIns="91425" anchor="t" anchorCtr="0">
+          <a:bodyPr anchorCtr="0" anchor="t" bIns="91425" lIns="91425" rIns="91425" tIns="91425">
             <a:noAutofit/>
           </a:bodyPr>
           <a:lstStyle/>
@@ -1379,6 +1214,9 @@
               </a:spcBef>
               <a:buNone/>
             </a:pPr>
+            <a:r>
+              <a:t/>
+            </a:r>
             <a:endParaRPr/>
           </a:p>
         </p:txBody>
@@ -1391,12 +1229,12 @@
 </p:notes>
 </file>
 
-<file path=ppt/notesSlides/notesSlide5.xml><?xml version="1.0" encoding="utf-8"?>
-<p:notes xmlns:a="http://schemas.openxmlformats.org/drawingml/2006/main" xmlns:r="http://schemas.openxmlformats.org/officeDocument/2006/relationships" xmlns:p="http://schemas.openxmlformats.org/presentationml/2006/main" showMasterSp="0" showMasterPhAnim="0">
+<file path=ppt/notesSlides/notesSlide3.xml><?xml version="1.0" encoding="utf-8"?>
+<p:notes xmlns:a="http://schemas.openxmlformats.org/drawingml/2006/main" xmlns:r="http://schemas.openxmlformats.org/officeDocument/2006/relationships" xmlns:mc="http://schemas.openxmlformats.org/markup-compatibility/2006" xmlns:mv="urn:schemas-microsoft-com:mac:vml" xmlns:p="http://schemas.openxmlformats.org/presentationml/2006/main" xmlns:c="http://schemas.openxmlformats.org/drawingml/2006/chart" xmlns:dgm="http://schemas.openxmlformats.org/drawingml/2006/diagram" xmlns:o="urn:schemas-microsoft-com:office:office" xmlns:v="urn:schemas-microsoft-com:vml" xmlns:pvml="urn:schemas-microsoft-com:office:powerpoint" xmlns:com="http://schemas.openxmlformats.org/drawingml/2006/compatibility" xmlns:p14="http://schemas.microsoft.com/office/powerpoint/2010/main" showMasterPhAnim="0" showMasterSp="0">
   <p:cSld>
     <p:spTree>
       <p:nvGrpSpPr>
-        <p:cNvPr id="1" name="Shape 101"/>
+        <p:cNvPr id="89" name="Shape 89"/>
         <p:cNvGrpSpPr/>
         <p:nvPr/>
       </p:nvGrpSpPr>
@@ -1410,12 +1248,10 @@
       </p:grpSpPr>
       <p:sp>
         <p:nvSpPr>
-          <p:cNvPr id="102" name="Shape 102"/>
-          <p:cNvSpPr>
-            <a:spLocks noGrp="1" noRot="1" noChangeAspect="1"/>
-          </p:cNvSpPr>
+          <p:cNvPr id="90" name="Shape 90"/>
+          <p:cNvSpPr/>
           <p:nvPr>
-            <p:ph type="sldImg" idx="2"/>
+            <p:ph idx="2" type="sldImg"/>
           </p:nvPr>
         </p:nvSpPr>
         <p:spPr>
@@ -1424,13 +1260,8 @@
             <a:ext cx="6096299" cy="3429000"/>
           </a:xfrm>
           <a:custGeom>
-            <a:avLst/>
-            <a:gdLst/>
-            <a:ahLst/>
-            <a:cxnLst/>
-            <a:rect l="0" t="0" r="0" b="0"/>
             <a:pathLst>
-              <a:path w="120000" h="120000" extrusionOk="0">
+              <a:path extrusionOk="0" h="120000" w="120000">
                 <a:moveTo>
                   <a:pt x="0" y="0"/>
                 </a:moveTo>
@@ -1448,25 +1279,23 @@
             </a:pathLst>
           </a:custGeom>
           <a:noFill/>
-          <a:ln w="9525" cap="flat">
+          <a:ln cap="flat" w="9525">
             <a:solidFill>
               <a:srgbClr val="000000"/>
             </a:solidFill>
             <a:prstDash val="solid"/>
             <a:round/>
-            <a:headEnd type="none" w="med" len="med"/>
-            <a:tailEnd type="none" w="med" len="med"/>
+            <a:headEnd len="med" w="med" type="none"/>
+            <a:tailEnd len="med" w="med" type="none"/>
           </a:ln>
         </p:spPr>
       </p:sp>
       <p:sp>
         <p:nvSpPr>
-          <p:cNvPr id="103" name="Shape 103"/>
-          <p:cNvSpPr txBox="1">
-            <a:spLocks noGrp="1"/>
-          </p:cNvSpPr>
+          <p:cNvPr id="91" name="Shape 91"/>
+          <p:cNvSpPr txBox="1"/>
           <p:nvPr>
-            <p:ph type="body" idx="1"/>
+            <p:ph idx="1" type="body"/>
           </p:nvPr>
         </p:nvSpPr>
         <p:spPr>
@@ -1479,7 +1308,7 @@
           </a:prstGeom>
         </p:spPr>
         <p:txBody>
-          <a:bodyPr lIns="91425" tIns="91425" rIns="91425" bIns="91425" anchor="t" anchorCtr="0">
+          <a:bodyPr anchorCtr="0" anchor="t" bIns="91425" lIns="91425" rIns="91425" tIns="91425">
             <a:noAutofit/>
           </a:bodyPr>
           <a:lstStyle/>
@@ -1490,6 +1319,9 @@
               </a:spcBef>
               <a:buNone/>
             </a:pPr>
+            <a:r>
+              <a:t/>
+            </a:r>
             <a:endParaRPr/>
           </a:p>
         </p:txBody>
@@ -1502,12 +1334,12 @@
 </p:notes>
 </file>
 
-<file path=ppt/notesSlides/notesSlide6.xml><?xml version="1.0" encoding="utf-8"?>
-<p:notes xmlns:a="http://schemas.openxmlformats.org/drawingml/2006/main" xmlns:r="http://schemas.openxmlformats.org/officeDocument/2006/relationships" xmlns:p="http://schemas.openxmlformats.org/presentationml/2006/main" showMasterSp="0" showMasterPhAnim="0">
+<file path=ppt/notesSlides/notesSlide4.xml><?xml version="1.0" encoding="utf-8"?>
+<p:notes xmlns:a="http://schemas.openxmlformats.org/drawingml/2006/main" xmlns:r="http://schemas.openxmlformats.org/officeDocument/2006/relationships" xmlns:mc="http://schemas.openxmlformats.org/markup-compatibility/2006" xmlns:mv="urn:schemas-microsoft-com:mac:vml" xmlns:p="http://schemas.openxmlformats.org/presentationml/2006/main" xmlns:c="http://schemas.openxmlformats.org/drawingml/2006/chart" xmlns:dgm="http://schemas.openxmlformats.org/drawingml/2006/diagram" xmlns:o="urn:schemas-microsoft-com:office:office" xmlns:v="urn:schemas-microsoft-com:vml" xmlns:pvml="urn:schemas-microsoft-com:office:powerpoint" xmlns:com="http://schemas.openxmlformats.org/drawingml/2006/compatibility" xmlns:p14="http://schemas.microsoft.com/office/powerpoint/2010/main" showMasterPhAnim="0" showMasterSp="0">
   <p:cSld>
     <p:spTree>
       <p:nvGrpSpPr>
-        <p:cNvPr id="1" name="Shape 107"/>
+        <p:cNvPr id="95" name="Shape 95"/>
         <p:cNvGrpSpPr/>
         <p:nvPr/>
       </p:nvGrpSpPr>
@@ -1521,12 +1353,10 @@
       </p:grpSpPr>
       <p:sp>
         <p:nvSpPr>
-          <p:cNvPr id="108" name="Shape 108"/>
-          <p:cNvSpPr>
-            <a:spLocks noGrp="1" noRot="1" noChangeAspect="1"/>
-          </p:cNvSpPr>
+          <p:cNvPr id="96" name="Shape 96"/>
+          <p:cNvSpPr/>
           <p:nvPr>
-            <p:ph type="sldImg" idx="2"/>
+            <p:ph idx="2" type="sldImg"/>
           </p:nvPr>
         </p:nvSpPr>
         <p:spPr>
@@ -1535,13 +1365,8 @@
             <a:ext cx="6096299" cy="3429000"/>
           </a:xfrm>
           <a:custGeom>
-            <a:avLst/>
-            <a:gdLst/>
-            <a:ahLst/>
-            <a:cxnLst/>
-            <a:rect l="0" t="0" r="0" b="0"/>
             <a:pathLst>
-              <a:path w="120000" h="120000" extrusionOk="0">
+              <a:path extrusionOk="0" h="120000" w="120000">
                 <a:moveTo>
                   <a:pt x="0" y="0"/>
                 </a:moveTo>
@@ -1559,25 +1384,23 @@
             </a:pathLst>
           </a:custGeom>
           <a:noFill/>
-          <a:ln w="9525" cap="flat">
+          <a:ln cap="flat" w="9525">
             <a:solidFill>
               <a:srgbClr val="000000"/>
             </a:solidFill>
             <a:prstDash val="solid"/>
             <a:round/>
-            <a:headEnd type="none" w="med" len="med"/>
-            <a:tailEnd type="none" w="med" len="med"/>
+            <a:headEnd len="med" w="med" type="none"/>
+            <a:tailEnd len="med" w="med" type="none"/>
           </a:ln>
         </p:spPr>
       </p:sp>
       <p:sp>
         <p:nvSpPr>
-          <p:cNvPr id="109" name="Shape 109"/>
-          <p:cNvSpPr txBox="1">
-            <a:spLocks noGrp="1"/>
-          </p:cNvSpPr>
+          <p:cNvPr id="97" name="Shape 97"/>
+          <p:cNvSpPr txBox="1"/>
           <p:nvPr>
-            <p:ph type="body" idx="1"/>
+            <p:ph idx="1" type="body"/>
           </p:nvPr>
         </p:nvSpPr>
         <p:spPr>
@@ -1590,7 +1413,7 @@
           </a:prstGeom>
         </p:spPr>
         <p:txBody>
-          <a:bodyPr lIns="91425" tIns="91425" rIns="91425" bIns="91425" anchor="t" anchorCtr="0">
+          <a:bodyPr anchorCtr="0" anchor="t" bIns="91425" lIns="91425" rIns="91425" tIns="91425">
             <a:noAutofit/>
           </a:bodyPr>
           <a:lstStyle/>
@@ -1601,6 +1424,9 @@
               </a:spcBef>
               <a:buNone/>
             </a:pPr>
+            <a:r>
+              <a:t/>
+            </a:r>
             <a:endParaRPr/>
           </a:p>
         </p:txBody>
@@ -1613,12 +1439,12 @@
 </p:notes>
 </file>
 
-<file path=ppt/notesSlides/notesSlide7.xml><?xml version="1.0" encoding="utf-8"?>
-<p:notes xmlns:a="http://schemas.openxmlformats.org/drawingml/2006/main" xmlns:r="http://schemas.openxmlformats.org/officeDocument/2006/relationships" xmlns:p="http://schemas.openxmlformats.org/presentationml/2006/main" showMasterSp="0" showMasterPhAnim="0">
+<file path=ppt/notesSlides/notesSlide5.xml><?xml version="1.0" encoding="utf-8"?>
+<p:notes xmlns:a="http://schemas.openxmlformats.org/drawingml/2006/main" xmlns:r="http://schemas.openxmlformats.org/officeDocument/2006/relationships" xmlns:mc="http://schemas.openxmlformats.org/markup-compatibility/2006" xmlns:mv="urn:schemas-microsoft-com:mac:vml" xmlns:p="http://schemas.openxmlformats.org/presentationml/2006/main" xmlns:c="http://schemas.openxmlformats.org/drawingml/2006/chart" xmlns:dgm="http://schemas.openxmlformats.org/drawingml/2006/diagram" xmlns:o="urn:schemas-microsoft-com:office:office" xmlns:v="urn:schemas-microsoft-com:vml" xmlns:pvml="urn:schemas-microsoft-com:office:powerpoint" xmlns:com="http://schemas.openxmlformats.org/drawingml/2006/compatibility" xmlns:p14="http://schemas.microsoft.com/office/powerpoint/2010/main" showMasterPhAnim="0" showMasterSp="0">
   <p:cSld>
     <p:spTree>
       <p:nvGrpSpPr>
-        <p:cNvPr id="1" name="Shape 115"/>
+        <p:cNvPr id="101" name="Shape 101"/>
         <p:cNvGrpSpPr/>
         <p:nvPr/>
       </p:nvGrpSpPr>
@@ -1632,12 +1458,10 @@
       </p:grpSpPr>
       <p:sp>
         <p:nvSpPr>
-          <p:cNvPr id="116" name="Shape 116"/>
-          <p:cNvSpPr>
-            <a:spLocks noGrp="1" noRot="1" noChangeAspect="1"/>
-          </p:cNvSpPr>
+          <p:cNvPr id="102" name="Shape 102"/>
+          <p:cNvSpPr/>
           <p:nvPr>
-            <p:ph type="sldImg" idx="2"/>
+            <p:ph idx="2" type="sldImg"/>
           </p:nvPr>
         </p:nvSpPr>
         <p:spPr>
@@ -1646,13 +1470,8 @@
             <a:ext cx="6096299" cy="3429000"/>
           </a:xfrm>
           <a:custGeom>
-            <a:avLst/>
-            <a:gdLst/>
-            <a:ahLst/>
-            <a:cxnLst/>
-            <a:rect l="0" t="0" r="0" b="0"/>
             <a:pathLst>
-              <a:path w="120000" h="120000" extrusionOk="0">
+              <a:path extrusionOk="0" h="120000" w="120000">
                 <a:moveTo>
                   <a:pt x="0" y="0"/>
                 </a:moveTo>
@@ -1670,25 +1489,23 @@
             </a:pathLst>
           </a:custGeom>
           <a:noFill/>
-          <a:ln w="9525" cap="flat">
+          <a:ln cap="flat" w="9525">
             <a:solidFill>
               <a:srgbClr val="000000"/>
             </a:solidFill>
             <a:prstDash val="solid"/>
             <a:round/>
-            <a:headEnd type="none" w="med" len="med"/>
-            <a:tailEnd type="none" w="med" len="med"/>
+            <a:headEnd len="med" w="med" type="none"/>
+            <a:tailEnd len="med" w="med" type="none"/>
           </a:ln>
         </p:spPr>
       </p:sp>
       <p:sp>
         <p:nvSpPr>
-          <p:cNvPr id="117" name="Shape 117"/>
-          <p:cNvSpPr txBox="1">
-            <a:spLocks noGrp="1"/>
-          </p:cNvSpPr>
+          <p:cNvPr id="103" name="Shape 103"/>
+          <p:cNvSpPr txBox="1"/>
           <p:nvPr>
-            <p:ph type="body" idx="1"/>
+            <p:ph idx="1" type="body"/>
           </p:nvPr>
         </p:nvSpPr>
         <p:spPr>
@@ -1701,7 +1518,7 @@
           </a:prstGeom>
         </p:spPr>
         <p:txBody>
-          <a:bodyPr lIns="91425" tIns="91425" rIns="91425" bIns="91425" anchor="t" anchorCtr="0">
+          <a:bodyPr anchorCtr="0" anchor="t" bIns="91425" lIns="91425" rIns="91425" tIns="91425">
             <a:noAutofit/>
           </a:bodyPr>
           <a:lstStyle/>
@@ -1712,6 +1529,9 @@
               </a:spcBef>
               <a:buNone/>
             </a:pPr>
+            <a:r>
+              <a:t/>
+            </a:r>
             <a:endParaRPr/>
           </a:p>
         </p:txBody>
@@ -1724,12 +1544,12 @@
 </p:notes>
 </file>
 
-<file path=ppt/notesSlides/notesSlide8.xml><?xml version="1.0" encoding="utf-8"?>
-<p:notes xmlns:a="http://schemas.openxmlformats.org/drawingml/2006/main" xmlns:r="http://schemas.openxmlformats.org/officeDocument/2006/relationships" xmlns:p="http://schemas.openxmlformats.org/presentationml/2006/main" showMasterSp="0" showMasterPhAnim="0">
+<file path=ppt/notesSlides/notesSlide6.xml><?xml version="1.0" encoding="utf-8"?>
+<p:notes xmlns:a="http://schemas.openxmlformats.org/drawingml/2006/main" xmlns:r="http://schemas.openxmlformats.org/officeDocument/2006/relationships" xmlns:mc="http://schemas.openxmlformats.org/markup-compatibility/2006" xmlns:mv="urn:schemas-microsoft-com:mac:vml" xmlns:p="http://schemas.openxmlformats.org/presentationml/2006/main" xmlns:c="http://schemas.openxmlformats.org/drawingml/2006/chart" xmlns:dgm="http://schemas.openxmlformats.org/drawingml/2006/diagram" xmlns:o="urn:schemas-microsoft-com:office:office" xmlns:v="urn:schemas-microsoft-com:vml" xmlns:pvml="urn:schemas-microsoft-com:office:powerpoint" xmlns:com="http://schemas.openxmlformats.org/drawingml/2006/compatibility" xmlns:p14="http://schemas.microsoft.com/office/powerpoint/2010/main" showMasterPhAnim="0" showMasterSp="0">
   <p:cSld>
     <p:spTree>
       <p:nvGrpSpPr>
-        <p:cNvPr id="1" name="Shape 121"/>
+        <p:cNvPr id="107" name="Shape 107"/>
         <p:cNvGrpSpPr/>
         <p:nvPr/>
       </p:nvGrpSpPr>
@@ -1743,12 +1563,10 @@
       </p:grpSpPr>
       <p:sp>
         <p:nvSpPr>
-          <p:cNvPr id="122" name="Shape 122"/>
-          <p:cNvSpPr>
-            <a:spLocks noGrp="1" noRot="1" noChangeAspect="1"/>
-          </p:cNvSpPr>
+          <p:cNvPr id="108" name="Shape 108"/>
+          <p:cNvSpPr/>
           <p:nvPr>
-            <p:ph type="sldImg" idx="2"/>
+            <p:ph idx="2" type="sldImg"/>
           </p:nvPr>
         </p:nvSpPr>
         <p:spPr>
@@ -1757,13 +1575,8 @@
             <a:ext cx="6096299" cy="3429000"/>
           </a:xfrm>
           <a:custGeom>
-            <a:avLst/>
-            <a:gdLst/>
-            <a:ahLst/>
-            <a:cxnLst/>
-            <a:rect l="0" t="0" r="0" b="0"/>
             <a:pathLst>
-              <a:path w="120000" h="120000" extrusionOk="0">
+              <a:path extrusionOk="0" h="120000" w="120000">
                 <a:moveTo>
                   <a:pt x="0" y="0"/>
                 </a:moveTo>
@@ -1781,25 +1594,23 @@
             </a:pathLst>
           </a:custGeom>
           <a:noFill/>
-          <a:ln w="9525" cap="flat">
+          <a:ln cap="flat" w="9525">
             <a:solidFill>
               <a:srgbClr val="000000"/>
             </a:solidFill>
             <a:prstDash val="solid"/>
             <a:round/>
-            <a:headEnd type="none" w="med" len="med"/>
-            <a:tailEnd type="none" w="med" len="med"/>
+            <a:headEnd len="med" w="med" type="none"/>
+            <a:tailEnd len="med" w="med" type="none"/>
           </a:ln>
         </p:spPr>
       </p:sp>
       <p:sp>
         <p:nvSpPr>
-          <p:cNvPr id="123" name="Shape 123"/>
-          <p:cNvSpPr txBox="1">
-            <a:spLocks noGrp="1"/>
-          </p:cNvSpPr>
+          <p:cNvPr id="109" name="Shape 109"/>
+          <p:cNvSpPr txBox="1"/>
           <p:nvPr>
-            <p:ph type="body" idx="1"/>
+            <p:ph idx="1" type="body"/>
           </p:nvPr>
         </p:nvSpPr>
         <p:spPr>
@@ -1812,7 +1623,7 @@
           </a:prstGeom>
         </p:spPr>
         <p:txBody>
-          <a:bodyPr lIns="91425" tIns="91425" rIns="91425" bIns="91425" anchor="t" anchorCtr="0">
+          <a:bodyPr anchorCtr="0" anchor="t" bIns="91425" lIns="91425" rIns="91425" tIns="91425">
             <a:noAutofit/>
           </a:bodyPr>
           <a:lstStyle/>
@@ -1824,10 +1635,9 @@
               <a:buNone/>
             </a:pPr>
             <a:r>
-              <a:rPr lang="de-CH" dirty="0" smtClean="0"/>
-              <a:t>4min</a:t>
-            </a:r>
-            <a:endParaRPr dirty="0"/>
+              <a:t/>
+            </a:r>
+            <a:endParaRPr/>
           </a:p>
         </p:txBody>
       </p:sp>
@@ -1839,12 +1649,12 @@
 </p:notes>
 </file>
 
-<file path=ppt/notesSlides/notesSlide9.xml><?xml version="1.0" encoding="utf-8"?>
-<p:notes xmlns:a="http://schemas.openxmlformats.org/drawingml/2006/main" xmlns:r="http://schemas.openxmlformats.org/officeDocument/2006/relationships" xmlns:p="http://schemas.openxmlformats.org/presentationml/2006/main" showMasterSp="0" showMasterPhAnim="0">
+<file path=ppt/notesSlides/notesSlide7.xml><?xml version="1.0" encoding="utf-8"?>
+<p:notes xmlns:a="http://schemas.openxmlformats.org/drawingml/2006/main" xmlns:r="http://schemas.openxmlformats.org/officeDocument/2006/relationships" xmlns:mc="http://schemas.openxmlformats.org/markup-compatibility/2006" xmlns:mv="urn:schemas-microsoft-com:mac:vml" xmlns:p="http://schemas.openxmlformats.org/presentationml/2006/main" xmlns:c="http://schemas.openxmlformats.org/drawingml/2006/chart" xmlns:dgm="http://schemas.openxmlformats.org/drawingml/2006/diagram" xmlns:o="urn:schemas-microsoft-com:office:office" xmlns:v="urn:schemas-microsoft-com:vml" xmlns:pvml="urn:schemas-microsoft-com:office:powerpoint" xmlns:com="http://schemas.openxmlformats.org/drawingml/2006/compatibility" xmlns:p14="http://schemas.microsoft.com/office/powerpoint/2010/main" showMasterPhAnim="0" showMasterSp="0">
   <p:cSld>
     <p:spTree>
       <p:nvGrpSpPr>
-        <p:cNvPr id="1" name="Shape 127"/>
+        <p:cNvPr id="113" name="Shape 113"/>
         <p:cNvGrpSpPr/>
         <p:nvPr/>
       </p:nvGrpSpPr>
@@ -1858,12 +1668,10 @@
       </p:grpSpPr>
       <p:sp>
         <p:nvSpPr>
-          <p:cNvPr id="128" name="Shape 128"/>
-          <p:cNvSpPr>
-            <a:spLocks noGrp="1" noRot="1" noChangeAspect="1"/>
-          </p:cNvSpPr>
+          <p:cNvPr id="114" name="Shape 114"/>
+          <p:cNvSpPr/>
           <p:nvPr>
-            <p:ph type="sldImg" idx="2"/>
+            <p:ph idx="2" type="sldImg"/>
           </p:nvPr>
         </p:nvSpPr>
         <p:spPr>
@@ -1872,13 +1680,8 @@
             <a:ext cx="6096299" cy="3429000"/>
           </a:xfrm>
           <a:custGeom>
-            <a:avLst/>
-            <a:gdLst/>
-            <a:ahLst/>
-            <a:cxnLst/>
-            <a:rect l="0" t="0" r="0" b="0"/>
             <a:pathLst>
-              <a:path w="120000" h="120000" extrusionOk="0">
+              <a:path extrusionOk="0" h="120000" w="120000">
                 <a:moveTo>
                   <a:pt x="0" y="0"/>
                 </a:moveTo>
@@ -1896,25 +1699,23 @@
             </a:pathLst>
           </a:custGeom>
           <a:noFill/>
-          <a:ln w="9525" cap="flat">
+          <a:ln cap="flat" w="9525">
             <a:solidFill>
               <a:srgbClr val="000000"/>
             </a:solidFill>
             <a:prstDash val="solid"/>
             <a:round/>
-            <a:headEnd type="none" w="med" len="med"/>
-            <a:tailEnd type="none" w="med" len="med"/>
+            <a:headEnd len="med" w="med" type="none"/>
+            <a:tailEnd len="med" w="med" type="none"/>
           </a:ln>
         </p:spPr>
       </p:sp>
       <p:sp>
         <p:nvSpPr>
-          <p:cNvPr id="129" name="Shape 129"/>
-          <p:cNvSpPr txBox="1">
-            <a:spLocks noGrp="1"/>
-          </p:cNvSpPr>
+          <p:cNvPr id="115" name="Shape 115"/>
+          <p:cNvSpPr txBox="1"/>
           <p:nvPr>
-            <p:ph type="body" idx="1"/>
+            <p:ph idx="1" type="body"/>
           </p:nvPr>
         </p:nvSpPr>
         <p:spPr>
@@ -1927,7 +1728,7 @@
           </a:prstGeom>
         </p:spPr>
         <p:txBody>
-          <a:bodyPr lIns="91425" tIns="91425" rIns="91425" bIns="91425" anchor="t" anchorCtr="0">
+          <a:bodyPr anchorCtr="0" anchor="t" bIns="91425" lIns="91425" rIns="91425" tIns="91425">
             <a:noAutofit/>
           </a:bodyPr>
           <a:lstStyle/>
@@ -1938,6 +1739,9 @@
               </a:spcBef>
               <a:buNone/>
             </a:pPr>
+            <a:r>
+              <a:t/>
+            </a:r>
             <a:endParaRPr/>
           </a:p>
         </p:txBody>
@@ -1950,12 +1754,12 @@
 </p:notes>
 </file>
 
-<file path=ppt/slideLayouts/slideLayout1.xml><?xml version="1.0" encoding="utf-8"?>
-<p:sldLayout xmlns:a="http://schemas.openxmlformats.org/drawingml/2006/main" xmlns:r="http://schemas.openxmlformats.org/officeDocument/2006/relationships" xmlns:p="http://schemas.openxmlformats.org/presentationml/2006/main" type="title">
-  <p:cSld name="Title Slide">
+<file path=ppt/notesSlides/notesSlide8.xml><?xml version="1.0" encoding="utf-8"?>
+<p:notes xmlns:a="http://schemas.openxmlformats.org/drawingml/2006/main" xmlns:r="http://schemas.openxmlformats.org/officeDocument/2006/relationships" xmlns:mc="http://schemas.openxmlformats.org/markup-compatibility/2006" xmlns:mv="urn:schemas-microsoft-com:mac:vml" xmlns:p="http://schemas.openxmlformats.org/presentationml/2006/main" xmlns:c="http://schemas.openxmlformats.org/drawingml/2006/chart" xmlns:dgm="http://schemas.openxmlformats.org/drawingml/2006/diagram" xmlns:o="urn:schemas-microsoft-com:office:office" xmlns:v="urn:schemas-microsoft-com:vml" xmlns:pvml="urn:schemas-microsoft-com:office:powerpoint" xmlns:com="http://schemas.openxmlformats.org/drawingml/2006/compatibility" xmlns:p14="http://schemas.microsoft.com/office/powerpoint/2010/main" showMasterPhAnim="0" showMasterSp="0">
+  <p:cSld>
     <p:spTree>
       <p:nvGrpSpPr>
-        <p:cNvPr id="1" name="Shape 15"/>
+        <p:cNvPr id="119" name="Shape 119"/>
         <p:cNvGrpSpPr/>
         <p:nvPr/>
       </p:nvGrpSpPr>
@@ -1969,63 +1773,67 @@
       </p:grpSpPr>
       <p:sp>
         <p:nvSpPr>
-          <p:cNvPr id="16" name="Shape 16"/>
+          <p:cNvPr id="120" name="Shape 120"/>
           <p:cNvSpPr/>
-          <p:nvPr/>
-        </p:nvSpPr>
-        <p:spPr>
-          <a:xfrm rot="10800000" flipH="1">
-            <a:off x="0" y="1541738"/>
-            <a:ext cx="9143999" cy="915711"/>
+          <p:nvPr>
+            <p:ph idx="2" type="sldImg"/>
+          </p:nvPr>
+        </p:nvSpPr>
+        <p:spPr>
+          <a:xfrm>
+            <a:off x="381187" y="685800"/>
+            <a:ext cx="6096299" cy="3429000"/>
           </a:xfrm>
           <a:custGeom>
-            <a:avLst/>
-            <a:gdLst/>
-            <a:ahLst/>
-            <a:cxnLst/>
-            <a:rect l="0" t="0" r="0" b="0"/>
             <a:pathLst>
-              <a:path w="9144000" h="1366734" extrusionOk="0">
+              <a:path extrusionOk="0" h="120000" w="120000">
                 <a:moveTo>
-                  <a:pt x="0" y="1366734"/>
+                  <a:pt x="0" y="0"/>
                 </a:moveTo>
                 <a:lnTo>
-                  <a:pt x="9144000" y="1366734"/>
-                </a:lnTo>
-                <a:lnTo>
-                  <a:pt x="9144000" y="461859"/>
-                </a:lnTo>
-                <a:lnTo>
-                  <a:pt x="4645763" y="157291"/>
-                </a:lnTo>
-                <a:lnTo>
-                  <a:pt x="4638172" y="265851"/>
-                </a:lnTo>
-                <a:lnTo>
-                  <a:pt x="836312" y="0"/>
-                </a:lnTo>
-                <a:lnTo>
-                  <a:pt x="829113" y="102948"/>
-                </a:lnTo>
-                <a:lnTo>
-                  <a:pt x="0" y="44971"/>
-                </a:lnTo>
-                <a:lnTo>
-                  <a:pt x="0" y="461859"/>
+                  <a:pt x="120000" y="0"/>
+                </a:lnTo>
+                <a:lnTo>
+                  <a:pt x="120000" y="120000"/>
+                </a:lnTo>
+                <a:lnTo>
+                  <a:pt x="0" y="120000"/>
                 </a:lnTo>
                 <a:close/>
               </a:path>
             </a:pathLst>
           </a:custGeom>
-          <a:solidFill>
-            <a:schemeClr val="dk2"/>
-          </a:solidFill>
-          <a:ln>
-            <a:noFill/>
+          <a:noFill/>
+          <a:ln cap="flat" w="9525">
+            <a:solidFill>
+              <a:srgbClr val="000000"/>
+            </a:solidFill>
+            <a:prstDash val="solid"/>
+            <a:round/>
+            <a:headEnd len="med" w="med" type="none"/>
+            <a:tailEnd len="med" w="med" type="none"/>
           </a:ln>
         </p:spPr>
-        <p:txBody>
-          <a:bodyPr lIns="91425" tIns="45700" rIns="91425" bIns="45700" anchor="ctr" anchorCtr="0">
+      </p:sp>
+      <p:sp>
+        <p:nvSpPr>
+          <p:cNvPr id="121" name="Shape 121"/>
+          <p:cNvSpPr txBox="1"/>
+          <p:nvPr>
+            <p:ph idx="1" type="body"/>
+          </p:nvPr>
+        </p:nvSpPr>
+        <p:spPr>
+          <a:xfrm>
+            <a:off x="685800" y="4343400"/>
+            <a:ext cx="5486399" cy="4114800"/>
+          </a:xfrm>
+          <a:prstGeom prst="rect">
+            <a:avLst/>
+          </a:prstGeom>
+        </p:spPr>
+        <p:txBody>
+          <a:bodyPr anchorCtr="0" anchor="t" bIns="91425" lIns="91425" rIns="91425" tIns="91425">
             <a:noAutofit/>
           </a:bodyPr>
           <a:lstStyle/>
@@ -2036,419 +1844,10 @@
               </a:spcBef>
               <a:buNone/>
             </a:pPr>
+            <a:r>
+              <a:t/>
+            </a:r>
             <a:endParaRPr/>
-          </a:p>
-        </p:txBody>
-      </p:sp>
-      <p:sp>
-        <p:nvSpPr>
-          <p:cNvPr id="17" name="Shape 17"/>
-          <p:cNvSpPr/>
-          <p:nvPr/>
-        </p:nvSpPr>
-        <p:spPr>
-          <a:xfrm>
-            <a:off x="0" y="0"/>
-            <a:ext cx="9144000" cy="1600199"/>
-          </a:xfrm>
-          <a:prstGeom prst="rect">
-            <a:avLst/>
-          </a:prstGeom>
-          <a:solidFill>
-            <a:schemeClr val="dk2"/>
-          </a:solidFill>
-          <a:ln>
-            <a:noFill/>
-          </a:ln>
-        </p:spPr>
-        <p:txBody>
-          <a:bodyPr lIns="91425" tIns="45700" rIns="91425" bIns="45700" anchor="ctr" anchorCtr="0">
-            <a:noAutofit/>
-          </a:bodyPr>
-          <a:lstStyle/>
-          <a:p>
-            <a:pPr>
-              <a:spcBef>
-                <a:spcPts val="0"/>
-              </a:spcBef>
-              <a:buNone/>
-            </a:pPr>
-            <a:endParaRPr/>
-          </a:p>
-        </p:txBody>
-      </p:sp>
-      <p:sp>
-        <p:nvSpPr>
-          <p:cNvPr id="18" name="Shape 18"/>
-          <p:cNvSpPr txBox="1">
-            <a:spLocks noGrp="1"/>
-          </p:cNvSpPr>
-          <p:nvPr>
-            <p:ph type="subTitle" idx="1"/>
-          </p:nvPr>
-        </p:nvSpPr>
-        <p:spPr>
-          <a:xfrm rot="-186991">
-            <a:off x="1102116" y="2348618"/>
-            <a:ext cx="7576304" cy="393946"/>
-          </a:xfrm>
-          <a:prstGeom prst="rect">
-            <a:avLst/>
-          </a:prstGeom>
-        </p:spPr>
-        <p:txBody>
-          <a:bodyPr lIns="91425" tIns="91425" rIns="91425" bIns="91425" anchor="ctr" anchorCtr="0"/>
-          <a:lstStyle>
-            <a:lvl1pPr>
-              <a:spcBef>
-                <a:spcPts val="0"/>
-              </a:spcBef>
-              <a:buSzPct val="100000"/>
-              <a:buNone/>
-              <a:defRPr sz="2000"/>
-            </a:lvl1pPr>
-            <a:lvl2pPr>
-              <a:spcBef>
-                <a:spcPts val="0"/>
-              </a:spcBef>
-              <a:buSzPct val="100000"/>
-              <a:buNone/>
-              <a:defRPr sz="2000"/>
-            </a:lvl2pPr>
-            <a:lvl3pPr>
-              <a:spcBef>
-                <a:spcPts val="0"/>
-              </a:spcBef>
-              <a:buSzPct val="100000"/>
-              <a:buNone/>
-              <a:defRPr sz="2000"/>
-            </a:lvl3pPr>
-            <a:lvl4pPr>
-              <a:spcBef>
-                <a:spcPts val="0"/>
-              </a:spcBef>
-              <a:buSzPct val="100000"/>
-              <a:buNone/>
-              <a:defRPr sz="2000"/>
-            </a:lvl4pPr>
-            <a:lvl5pPr>
-              <a:spcBef>
-                <a:spcPts val="0"/>
-              </a:spcBef>
-              <a:buSzPct val="100000"/>
-              <a:buNone/>
-              <a:defRPr sz="2000"/>
-            </a:lvl5pPr>
-            <a:lvl6pPr>
-              <a:spcBef>
-                <a:spcPts val="0"/>
-              </a:spcBef>
-              <a:buSzPct val="100000"/>
-              <a:buNone/>
-              <a:defRPr sz="2000"/>
-            </a:lvl6pPr>
-            <a:lvl7pPr>
-              <a:spcBef>
-                <a:spcPts val="0"/>
-              </a:spcBef>
-              <a:buSzPct val="100000"/>
-              <a:buNone/>
-              <a:defRPr sz="2000"/>
-            </a:lvl7pPr>
-            <a:lvl8pPr>
-              <a:spcBef>
-                <a:spcPts val="0"/>
-              </a:spcBef>
-              <a:buSzPct val="100000"/>
-              <a:buNone/>
-              <a:defRPr sz="2000"/>
-            </a:lvl8pPr>
-            <a:lvl9pPr>
-              <a:spcBef>
-                <a:spcPts val="0"/>
-              </a:spcBef>
-              <a:buSzPct val="100000"/>
-              <a:buNone/>
-              <a:defRPr sz="2000"/>
-            </a:lvl9pPr>
-          </a:lstStyle>
-          <a:p>
-            <a:endParaRPr/>
-          </a:p>
-        </p:txBody>
-      </p:sp>
-      <p:sp>
-        <p:nvSpPr>
-          <p:cNvPr id="19" name="Shape 19"/>
-          <p:cNvSpPr/>
-          <p:nvPr/>
-        </p:nvSpPr>
-        <p:spPr>
-          <a:xfrm rot="-180223">
-            <a:off x="472457" y="1841105"/>
-            <a:ext cx="498084" cy="337146"/>
-          </a:xfrm>
-          <a:prstGeom prst="star4">
-            <a:avLst>
-              <a:gd name="adj" fmla="val 20046"/>
-            </a:avLst>
-          </a:prstGeom>
-          <a:solidFill>
-            <a:schemeClr val="accent1"/>
-          </a:solidFill>
-          <a:ln>
-            <a:noFill/>
-          </a:ln>
-        </p:spPr>
-        <p:txBody>
-          <a:bodyPr lIns="91425" tIns="45700" rIns="91425" bIns="45700" anchor="ctr" anchorCtr="0">
-            <a:noAutofit/>
-          </a:bodyPr>
-          <a:lstStyle/>
-          <a:p>
-            <a:pPr>
-              <a:spcBef>
-                <a:spcPts val="0"/>
-              </a:spcBef>
-              <a:buNone/>
-            </a:pPr>
-            <a:endParaRPr/>
-          </a:p>
-        </p:txBody>
-      </p:sp>
-      <p:sp>
-        <p:nvSpPr>
-          <p:cNvPr id="20" name="Shape 20"/>
-          <p:cNvSpPr txBox="1">
-            <a:spLocks noGrp="1"/>
-          </p:cNvSpPr>
-          <p:nvPr>
-            <p:ph type="ctrTitle"/>
-          </p:nvPr>
-        </p:nvSpPr>
-        <p:spPr>
-          <a:xfrm rot="-183804">
-            <a:off x="1035602" y="1005108"/>
-            <a:ext cx="7763693" cy="1067996"/>
-          </a:xfrm>
-          <a:prstGeom prst="rect">
-            <a:avLst/>
-          </a:prstGeom>
-        </p:spPr>
-        <p:txBody>
-          <a:bodyPr lIns="91425" tIns="91425" rIns="91425" bIns="91425" anchor="b" anchorCtr="0"/>
-          <a:lstStyle>
-            <a:lvl1pPr>
-              <a:spcBef>
-                <a:spcPts val="0"/>
-              </a:spcBef>
-              <a:buSzPct val="100000"/>
-              <a:defRPr sz="4800" b="1"/>
-            </a:lvl1pPr>
-            <a:lvl2pPr>
-              <a:spcBef>
-                <a:spcPts val="0"/>
-              </a:spcBef>
-              <a:buSzPct val="100000"/>
-              <a:defRPr sz="4800" b="1"/>
-            </a:lvl2pPr>
-            <a:lvl3pPr>
-              <a:spcBef>
-                <a:spcPts val="0"/>
-              </a:spcBef>
-              <a:buSzPct val="100000"/>
-              <a:defRPr sz="4800" b="1"/>
-            </a:lvl3pPr>
-            <a:lvl4pPr>
-              <a:spcBef>
-                <a:spcPts val="0"/>
-              </a:spcBef>
-              <a:buSzPct val="100000"/>
-              <a:defRPr sz="4800" b="1"/>
-            </a:lvl4pPr>
-            <a:lvl5pPr>
-              <a:spcBef>
-                <a:spcPts val="0"/>
-              </a:spcBef>
-              <a:buSzPct val="100000"/>
-              <a:defRPr sz="4800" b="1"/>
-            </a:lvl5pPr>
-            <a:lvl6pPr>
-              <a:spcBef>
-                <a:spcPts val="0"/>
-              </a:spcBef>
-              <a:buSzPct val="100000"/>
-              <a:defRPr sz="4800" b="1"/>
-            </a:lvl6pPr>
-            <a:lvl7pPr>
-              <a:spcBef>
-                <a:spcPts val="0"/>
-              </a:spcBef>
-              <a:buSzPct val="100000"/>
-              <a:defRPr sz="4800" b="1"/>
-            </a:lvl7pPr>
-            <a:lvl8pPr>
-              <a:spcBef>
-                <a:spcPts val="0"/>
-              </a:spcBef>
-              <a:buSzPct val="100000"/>
-              <a:defRPr sz="4800" b="1"/>
-            </a:lvl8pPr>
-            <a:lvl9pPr>
-              <a:spcBef>
-                <a:spcPts val="0"/>
-              </a:spcBef>
-              <a:buSzPct val="100000"/>
-              <a:defRPr sz="4800" b="1"/>
-            </a:lvl9pPr>
-          </a:lstStyle>
-          <a:p>
-            <a:endParaRPr/>
-          </a:p>
-        </p:txBody>
-      </p:sp>
-      <p:sp>
-        <p:nvSpPr>
-          <p:cNvPr id="21" name="Shape 21"/>
-          <p:cNvSpPr/>
-          <p:nvPr/>
-        </p:nvSpPr>
-        <p:spPr>
-          <a:xfrm flipH="1">
-            <a:off x="0" y="2633472"/>
-            <a:ext cx="9143999" cy="2511742"/>
-          </a:xfrm>
-          <a:custGeom>
-            <a:avLst/>
-            <a:gdLst/>
-            <a:ahLst/>
-            <a:cxnLst/>
-            <a:rect l="0" t="0" r="0" b="0"/>
-            <a:pathLst>
-              <a:path w="9144000" h="3429000" extrusionOk="0">
-                <a:moveTo>
-                  <a:pt x="0" y="0"/>
-                </a:moveTo>
-                <a:lnTo>
-                  <a:pt x="0" y="762000"/>
-                </a:lnTo>
-                <a:lnTo>
-                  <a:pt x="0" y="3429000"/>
-                </a:lnTo>
-                <a:lnTo>
-                  <a:pt x="9144000" y="3429000"/>
-                </a:lnTo>
-                <a:lnTo>
-                  <a:pt x="9144000" y="762000"/>
-                </a:lnTo>
-                <a:close/>
-              </a:path>
-            </a:pathLst>
-          </a:custGeom>
-          <a:solidFill>
-            <a:schemeClr val="dk2"/>
-          </a:solidFill>
-          <a:ln>
-            <a:noFill/>
-          </a:ln>
-        </p:spPr>
-        <p:txBody>
-          <a:bodyPr lIns="91425" tIns="45700" rIns="91425" bIns="45700" anchor="ctr" anchorCtr="0">
-            <a:noAutofit/>
-          </a:bodyPr>
-          <a:lstStyle/>
-          <a:p>
-            <a:pPr>
-              <a:spcBef>
-                <a:spcPts val="0"/>
-              </a:spcBef>
-              <a:buNone/>
-            </a:pPr>
-            <a:endParaRPr/>
-          </a:p>
-        </p:txBody>
-      </p:sp>
-      <p:sp>
-        <p:nvSpPr>
-          <p:cNvPr id="22" name="Shape 22"/>
-          <p:cNvSpPr/>
-          <p:nvPr/>
-        </p:nvSpPr>
-        <p:spPr>
-          <a:xfrm rot="-213060">
-            <a:off x="920480" y="2871570"/>
-            <a:ext cx="6010940" cy="216699"/>
-          </a:xfrm>
-          <a:prstGeom prst="rect">
-            <a:avLst/>
-          </a:prstGeom>
-          <a:solidFill>
-            <a:schemeClr val="dk2"/>
-          </a:solidFill>
-          <a:ln>
-            <a:noFill/>
-          </a:ln>
-        </p:spPr>
-        <p:txBody>
-          <a:bodyPr lIns="91425" tIns="45700" rIns="91425" bIns="45700" anchor="ctr" anchorCtr="0">
-            <a:noAutofit/>
-          </a:bodyPr>
-          <a:lstStyle/>
-          <a:p>
-            <a:pPr>
-              <a:spcBef>
-                <a:spcPts val="0"/>
-              </a:spcBef>
-              <a:buNone/>
-            </a:pPr>
-            <a:endParaRPr/>
-          </a:p>
-        </p:txBody>
-      </p:sp>
-      <p:sp>
-        <p:nvSpPr>
-          <p:cNvPr id="23" name="Shape 23"/>
-          <p:cNvSpPr txBox="1">
-            <a:spLocks noGrp="1"/>
-          </p:cNvSpPr>
-          <p:nvPr>
-            <p:ph type="sldNum" idx="12"/>
-          </p:nvPr>
-        </p:nvSpPr>
-        <p:spPr>
-          <a:xfrm>
-            <a:off x="8556791" y="4749850"/>
-            <a:ext cx="548699" cy="393600"/>
-          </a:xfrm>
-          <a:prstGeom prst="rect">
-            <a:avLst/>
-          </a:prstGeom>
-        </p:spPr>
-        <p:txBody>
-          <a:bodyPr lIns="91425" tIns="91425" rIns="91425" bIns="91425" anchor="ctr" anchorCtr="0">
-            <a:noAutofit/>
-          </a:bodyPr>
-          <a:lstStyle>
-            <a:lvl1pPr>
-              <a:spcBef>
-                <a:spcPts val="0"/>
-              </a:spcBef>
-              <a:buNone/>
-              <a:defRPr/>
-            </a:lvl1pPr>
-          </a:lstStyle>
-          <a:p>
-            <a:pPr>
-              <a:spcBef>
-                <a:spcPts val="0"/>
-              </a:spcBef>
-              <a:buNone/>
-            </a:pPr>
-            <a:fld id="{00000000-1234-1234-1234-123412341234}" type="slidenum">
-              <a:rPr lang="en"/>
-              <a:t>‹#›</a:t>
-            </a:fld>
-            <a:endParaRPr lang="en"/>
           </a:p>
         </p:txBody>
       </p:sp>
@@ -2457,15 +1856,15 @@
   <p:clrMapOvr>
     <a:masterClrMapping/>
   </p:clrMapOvr>
-</p:sldLayout>
+</p:notes>
 </file>
 
-<file path=ppt/slideLayouts/slideLayout2.xml><?xml version="1.0" encoding="utf-8"?>
-<p:sldLayout xmlns:a="http://schemas.openxmlformats.org/drawingml/2006/main" xmlns:r="http://schemas.openxmlformats.org/officeDocument/2006/relationships" xmlns:p="http://schemas.openxmlformats.org/presentationml/2006/main" type="tx">
-  <p:cSld name="Title and Body">
+<file path=ppt/notesSlides/notesSlide9.xml><?xml version="1.0" encoding="utf-8"?>
+<p:notes xmlns:a="http://schemas.openxmlformats.org/drawingml/2006/main" xmlns:r="http://schemas.openxmlformats.org/officeDocument/2006/relationships" xmlns:mc="http://schemas.openxmlformats.org/markup-compatibility/2006" xmlns:mv="urn:schemas-microsoft-com:mac:vml" xmlns:p="http://schemas.openxmlformats.org/presentationml/2006/main" xmlns:c="http://schemas.openxmlformats.org/drawingml/2006/chart" xmlns:dgm="http://schemas.openxmlformats.org/drawingml/2006/diagram" xmlns:o="urn:schemas-microsoft-com:office:office" xmlns:v="urn:schemas-microsoft-com:vml" xmlns:pvml="urn:schemas-microsoft-com:office:powerpoint" xmlns:com="http://schemas.openxmlformats.org/drawingml/2006/compatibility" xmlns:p14="http://schemas.microsoft.com/office/powerpoint/2010/main" showMasterPhAnim="0" showMasterSp="0">
+  <p:cSld>
     <p:spTree>
       <p:nvGrpSpPr>
-        <p:cNvPr id="1" name="Shape 24"/>
+        <p:cNvPr id="127" name="Shape 127"/>
         <p:cNvGrpSpPr/>
         <p:nvPr/>
       </p:nvGrpSpPr>
@@ -2479,6 +1878,615 @@
       </p:grpSpPr>
       <p:sp>
         <p:nvSpPr>
+          <p:cNvPr id="128" name="Shape 128"/>
+          <p:cNvSpPr/>
+          <p:nvPr>
+            <p:ph idx="2" type="sldImg"/>
+          </p:nvPr>
+        </p:nvSpPr>
+        <p:spPr>
+          <a:xfrm>
+            <a:off x="381187" y="685800"/>
+            <a:ext cx="6096299" cy="3429000"/>
+          </a:xfrm>
+          <a:custGeom>
+            <a:pathLst>
+              <a:path extrusionOk="0" h="120000" w="120000">
+                <a:moveTo>
+                  <a:pt x="0" y="0"/>
+                </a:moveTo>
+                <a:lnTo>
+                  <a:pt x="120000" y="0"/>
+                </a:lnTo>
+                <a:lnTo>
+                  <a:pt x="120000" y="120000"/>
+                </a:lnTo>
+                <a:lnTo>
+                  <a:pt x="0" y="120000"/>
+                </a:lnTo>
+                <a:close/>
+              </a:path>
+            </a:pathLst>
+          </a:custGeom>
+          <a:noFill/>
+          <a:ln cap="flat" w="9525">
+            <a:solidFill>
+              <a:srgbClr val="000000"/>
+            </a:solidFill>
+            <a:prstDash val="solid"/>
+            <a:round/>
+            <a:headEnd len="med" w="med" type="none"/>
+            <a:tailEnd len="med" w="med" type="none"/>
+          </a:ln>
+        </p:spPr>
+      </p:sp>
+      <p:sp>
+        <p:nvSpPr>
+          <p:cNvPr id="129" name="Shape 129"/>
+          <p:cNvSpPr txBox="1"/>
+          <p:nvPr>
+            <p:ph idx="1" type="body"/>
+          </p:nvPr>
+        </p:nvSpPr>
+        <p:spPr>
+          <a:xfrm>
+            <a:off x="685800" y="4343400"/>
+            <a:ext cx="5486399" cy="4114800"/>
+          </a:xfrm>
+          <a:prstGeom prst="rect">
+            <a:avLst/>
+          </a:prstGeom>
+        </p:spPr>
+        <p:txBody>
+          <a:bodyPr anchorCtr="0" anchor="t" bIns="91425" lIns="91425" rIns="91425" tIns="91425">
+            <a:noAutofit/>
+          </a:bodyPr>
+          <a:lstStyle/>
+          <a:p>
+            <a:pPr>
+              <a:spcBef>
+                <a:spcPts val="0"/>
+              </a:spcBef>
+              <a:buNone/>
+            </a:pPr>
+            <a:r>
+              <a:t/>
+            </a:r>
+            <a:endParaRPr/>
+          </a:p>
+        </p:txBody>
+      </p:sp>
+    </p:spTree>
+  </p:cSld>
+  <p:clrMapOvr>
+    <a:masterClrMapping/>
+  </p:clrMapOvr>
+</p:notes>
+</file>
+
+<file path=ppt/slideLayouts/slideLayout1.xml><?xml version="1.0" encoding="utf-8"?>
+<p:sldLayout xmlns:a="http://schemas.openxmlformats.org/drawingml/2006/main" xmlns:r="http://schemas.openxmlformats.org/officeDocument/2006/relationships" xmlns:mc="http://schemas.openxmlformats.org/markup-compatibility/2006" xmlns:mv="urn:schemas-microsoft-com:mac:vml" xmlns:p="http://schemas.openxmlformats.org/presentationml/2006/main" xmlns:c="http://schemas.openxmlformats.org/drawingml/2006/chart" xmlns:dgm="http://schemas.openxmlformats.org/drawingml/2006/diagram" xmlns:o="urn:schemas-microsoft-com:office:office" xmlns:v="urn:schemas-microsoft-com:vml" xmlns:pvml="urn:schemas-microsoft-com:office:powerpoint" xmlns:com="http://schemas.openxmlformats.org/drawingml/2006/compatibility" xmlns:p14="http://schemas.microsoft.com/office/powerpoint/2010/main" type="title">
+  <p:cSld name="Title Slide">
+    <p:spTree>
+      <p:nvGrpSpPr>
+        <p:cNvPr id="15" name="Shape 15"/>
+        <p:cNvGrpSpPr/>
+        <p:nvPr/>
+      </p:nvGrpSpPr>
+      <p:grpSpPr>
+        <a:xfrm>
+          <a:off x="0" y="0"/>
+          <a:ext cx="0" cy="0"/>
+          <a:chOff x="0" y="0"/>
+          <a:chExt cx="0" cy="0"/>
+        </a:xfrm>
+      </p:grpSpPr>
+      <p:sp>
+        <p:nvSpPr>
+          <p:cNvPr id="16" name="Shape 16"/>
+          <p:cNvSpPr/>
+          <p:nvPr/>
+        </p:nvSpPr>
+        <p:spPr>
+          <a:xfrm flipH="1" rot="10800000">
+            <a:off x="0" y="1541738"/>
+            <a:ext cx="9143999" cy="915711"/>
+          </a:xfrm>
+          <a:custGeom>
+            <a:pathLst>
+              <a:path extrusionOk="0" h="1366734" w="9144000">
+                <a:moveTo>
+                  <a:pt x="0" y="1366734"/>
+                </a:moveTo>
+                <a:lnTo>
+                  <a:pt x="9144000" y="1366734"/>
+                </a:lnTo>
+                <a:lnTo>
+                  <a:pt x="9144000" y="461859"/>
+                </a:lnTo>
+                <a:lnTo>
+                  <a:pt x="4645763" y="157291"/>
+                </a:lnTo>
+                <a:lnTo>
+                  <a:pt x="4638172" y="265851"/>
+                </a:lnTo>
+                <a:lnTo>
+                  <a:pt x="836312" y="0"/>
+                </a:lnTo>
+                <a:lnTo>
+                  <a:pt x="829113" y="102948"/>
+                </a:lnTo>
+                <a:lnTo>
+                  <a:pt x="0" y="44971"/>
+                </a:lnTo>
+                <a:lnTo>
+                  <a:pt x="0" y="461859"/>
+                </a:lnTo>
+                <a:close/>
+              </a:path>
+            </a:pathLst>
+          </a:custGeom>
+          <a:solidFill>
+            <a:schemeClr val="dk2"/>
+          </a:solidFill>
+          <a:ln>
+            <a:noFill/>
+          </a:ln>
+        </p:spPr>
+        <p:txBody>
+          <a:bodyPr anchorCtr="0" anchor="ctr" bIns="45700" lIns="91425" rIns="91425" tIns="45700">
+            <a:noAutofit/>
+          </a:bodyPr>
+          <a:lstStyle/>
+          <a:p>
+            <a:pPr>
+              <a:spcBef>
+                <a:spcPts val="0"/>
+              </a:spcBef>
+              <a:buNone/>
+            </a:pPr>
+            <a:r>
+              <a:t/>
+            </a:r>
+            <a:endParaRPr/>
+          </a:p>
+        </p:txBody>
+      </p:sp>
+      <p:sp>
+        <p:nvSpPr>
+          <p:cNvPr id="17" name="Shape 17"/>
+          <p:cNvSpPr/>
+          <p:nvPr/>
+        </p:nvSpPr>
+        <p:spPr>
+          <a:xfrm>
+            <a:off x="0" y="0"/>
+            <a:ext cx="9144000" cy="1600199"/>
+          </a:xfrm>
+          <a:prstGeom prst="rect">
+            <a:avLst/>
+          </a:prstGeom>
+          <a:solidFill>
+            <a:schemeClr val="dk2"/>
+          </a:solidFill>
+          <a:ln>
+            <a:noFill/>
+          </a:ln>
+        </p:spPr>
+        <p:txBody>
+          <a:bodyPr anchorCtr="0" anchor="ctr" bIns="45700" lIns="91425" rIns="91425" tIns="45700">
+            <a:noAutofit/>
+          </a:bodyPr>
+          <a:lstStyle/>
+          <a:p>
+            <a:pPr>
+              <a:spcBef>
+                <a:spcPts val="0"/>
+              </a:spcBef>
+              <a:buNone/>
+            </a:pPr>
+            <a:r>
+              <a:t/>
+            </a:r>
+            <a:endParaRPr/>
+          </a:p>
+        </p:txBody>
+      </p:sp>
+      <p:sp>
+        <p:nvSpPr>
+          <p:cNvPr id="18" name="Shape 18"/>
+          <p:cNvSpPr txBox="1"/>
+          <p:nvPr>
+            <p:ph idx="1" type="subTitle"/>
+          </p:nvPr>
+        </p:nvSpPr>
+        <p:spPr>
+          <a:xfrm rot="-186991">
+            <a:off x="1102116" y="2348618"/>
+            <a:ext cx="7576304" cy="393946"/>
+          </a:xfrm>
+          <a:prstGeom prst="rect">
+            <a:avLst/>
+          </a:prstGeom>
+        </p:spPr>
+        <p:txBody>
+          <a:bodyPr anchorCtr="0" anchor="ctr" bIns="91425" lIns="91425" rIns="91425" tIns="91425"/>
+          <a:lstStyle>
+            <a:lvl1pPr>
+              <a:spcBef>
+                <a:spcPts val="0"/>
+              </a:spcBef>
+              <a:buSzPct val="100000"/>
+              <a:buNone/>
+              <a:defRPr sz="2000"/>
+            </a:lvl1pPr>
+            <a:lvl2pPr>
+              <a:spcBef>
+                <a:spcPts val="0"/>
+              </a:spcBef>
+              <a:buSzPct val="100000"/>
+              <a:buNone/>
+              <a:defRPr sz="2000"/>
+            </a:lvl2pPr>
+            <a:lvl3pPr>
+              <a:spcBef>
+                <a:spcPts val="0"/>
+              </a:spcBef>
+              <a:buSzPct val="100000"/>
+              <a:buNone/>
+              <a:defRPr sz="2000"/>
+            </a:lvl3pPr>
+            <a:lvl4pPr>
+              <a:spcBef>
+                <a:spcPts val="0"/>
+              </a:spcBef>
+              <a:buSzPct val="100000"/>
+              <a:buNone/>
+              <a:defRPr sz="2000"/>
+            </a:lvl4pPr>
+            <a:lvl5pPr>
+              <a:spcBef>
+                <a:spcPts val="0"/>
+              </a:spcBef>
+              <a:buSzPct val="100000"/>
+              <a:buNone/>
+              <a:defRPr sz="2000"/>
+            </a:lvl5pPr>
+            <a:lvl6pPr>
+              <a:spcBef>
+                <a:spcPts val="0"/>
+              </a:spcBef>
+              <a:buSzPct val="100000"/>
+              <a:buNone/>
+              <a:defRPr sz="2000"/>
+            </a:lvl6pPr>
+            <a:lvl7pPr>
+              <a:spcBef>
+                <a:spcPts val="0"/>
+              </a:spcBef>
+              <a:buSzPct val="100000"/>
+              <a:buNone/>
+              <a:defRPr sz="2000"/>
+            </a:lvl7pPr>
+            <a:lvl8pPr>
+              <a:spcBef>
+                <a:spcPts val="0"/>
+              </a:spcBef>
+              <a:buSzPct val="100000"/>
+              <a:buNone/>
+              <a:defRPr sz="2000"/>
+            </a:lvl8pPr>
+            <a:lvl9pPr>
+              <a:spcBef>
+                <a:spcPts val="0"/>
+              </a:spcBef>
+              <a:buSzPct val="100000"/>
+              <a:buNone/>
+              <a:defRPr sz="2000"/>
+            </a:lvl9pPr>
+          </a:lstStyle>
+          <a:p/>
+        </p:txBody>
+      </p:sp>
+      <p:sp>
+        <p:nvSpPr>
+          <p:cNvPr id="19" name="Shape 19"/>
+          <p:cNvSpPr/>
+          <p:nvPr/>
+        </p:nvSpPr>
+        <p:spPr>
+          <a:xfrm rot="-180223">
+            <a:off x="472457" y="1841105"/>
+            <a:ext cx="498084" cy="337146"/>
+          </a:xfrm>
+          <a:prstGeom prst="star4">
+            <a:avLst>
+              <a:gd fmla="val 20046" name="adj"/>
+            </a:avLst>
+          </a:prstGeom>
+          <a:solidFill>
+            <a:schemeClr val="accent1"/>
+          </a:solidFill>
+          <a:ln>
+            <a:noFill/>
+          </a:ln>
+        </p:spPr>
+        <p:txBody>
+          <a:bodyPr anchorCtr="0" anchor="ctr" bIns="45700" lIns="91425" rIns="91425" tIns="45700">
+            <a:noAutofit/>
+          </a:bodyPr>
+          <a:lstStyle/>
+          <a:p>
+            <a:pPr>
+              <a:spcBef>
+                <a:spcPts val="0"/>
+              </a:spcBef>
+              <a:buNone/>
+            </a:pPr>
+            <a:r>
+              <a:t/>
+            </a:r>
+            <a:endParaRPr/>
+          </a:p>
+        </p:txBody>
+      </p:sp>
+      <p:sp>
+        <p:nvSpPr>
+          <p:cNvPr id="20" name="Shape 20"/>
+          <p:cNvSpPr txBox="1"/>
+          <p:nvPr>
+            <p:ph type="ctrTitle"/>
+          </p:nvPr>
+        </p:nvSpPr>
+        <p:spPr>
+          <a:xfrm rot="-183804">
+            <a:off x="1035602" y="1005108"/>
+            <a:ext cx="7763693" cy="1067996"/>
+          </a:xfrm>
+          <a:prstGeom prst="rect">
+            <a:avLst/>
+          </a:prstGeom>
+        </p:spPr>
+        <p:txBody>
+          <a:bodyPr anchorCtr="0" anchor="b" bIns="91425" lIns="91425" rIns="91425" tIns="91425"/>
+          <a:lstStyle>
+            <a:lvl1pPr>
+              <a:spcBef>
+                <a:spcPts val="0"/>
+              </a:spcBef>
+              <a:buSzPct val="100000"/>
+              <a:defRPr b="1" sz="4800"/>
+            </a:lvl1pPr>
+            <a:lvl2pPr>
+              <a:spcBef>
+                <a:spcPts val="0"/>
+              </a:spcBef>
+              <a:buSzPct val="100000"/>
+              <a:defRPr b="1" sz="4800"/>
+            </a:lvl2pPr>
+            <a:lvl3pPr>
+              <a:spcBef>
+                <a:spcPts val="0"/>
+              </a:spcBef>
+              <a:buSzPct val="100000"/>
+              <a:defRPr b="1" sz="4800"/>
+            </a:lvl3pPr>
+            <a:lvl4pPr>
+              <a:spcBef>
+                <a:spcPts val="0"/>
+              </a:spcBef>
+              <a:buSzPct val="100000"/>
+              <a:defRPr b="1" sz="4800"/>
+            </a:lvl4pPr>
+            <a:lvl5pPr>
+              <a:spcBef>
+                <a:spcPts val="0"/>
+              </a:spcBef>
+              <a:buSzPct val="100000"/>
+              <a:defRPr b="1" sz="4800"/>
+            </a:lvl5pPr>
+            <a:lvl6pPr>
+              <a:spcBef>
+                <a:spcPts val="0"/>
+              </a:spcBef>
+              <a:buSzPct val="100000"/>
+              <a:defRPr b="1" sz="4800"/>
+            </a:lvl6pPr>
+            <a:lvl7pPr>
+              <a:spcBef>
+                <a:spcPts val="0"/>
+              </a:spcBef>
+              <a:buSzPct val="100000"/>
+              <a:defRPr b="1" sz="4800"/>
+            </a:lvl7pPr>
+            <a:lvl8pPr>
+              <a:spcBef>
+                <a:spcPts val="0"/>
+              </a:spcBef>
+              <a:buSzPct val="100000"/>
+              <a:defRPr b="1" sz="4800"/>
+            </a:lvl8pPr>
+            <a:lvl9pPr>
+              <a:spcBef>
+                <a:spcPts val="0"/>
+              </a:spcBef>
+              <a:buSzPct val="100000"/>
+              <a:defRPr b="1" sz="4800"/>
+            </a:lvl9pPr>
+          </a:lstStyle>
+          <a:p/>
+        </p:txBody>
+      </p:sp>
+      <p:sp>
+        <p:nvSpPr>
+          <p:cNvPr id="21" name="Shape 21"/>
+          <p:cNvSpPr/>
+          <p:nvPr/>
+        </p:nvSpPr>
+        <p:spPr>
+          <a:xfrm flipH="1">
+            <a:off x="0" y="2633472"/>
+            <a:ext cx="9143999" cy="2511742"/>
+          </a:xfrm>
+          <a:custGeom>
+            <a:pathLst>
+              <a:path extrusionOk="0" h="3429000" w="9144000">
+                <a:moveTo>
+                  <a:pt x="0" y="0"/>
+                </a:moveTo>
+                <a:lnTo>
+                  <a:pt x="0" y="762000"/>
+                </a:lnTo>
+                <a:lnTo>
+                  <a:pt x="0" y="3429000"/>
+                </a:lnTo>
+                <a:lnTo>
+                  <a:pt x="9144000" y="3429000"/>
+                </a:lnTo>
+                <a:lnTo>
+                  <a:pt x="9144000" y="762000"/>
+                </a:lnTo>
+                <a:close/>
+              </a:path>
+            </a:pathLst>
+          </a:custGeom>
+          <a:solidFill>
+            <a:schemeClr val="dk2"/>
+          </a:solidFill>
+          <a:ln>
+            <a:noFill/>
+          </a:ln>
+        </p:spPr>
+        <p:txBody>
+          <a:bodyPr anchorCtr="0" anchor="ctr" bIns="45700" lIns="91425" rIns="91425" tIns="45700">
+            <a:noAutofit/>
+          </a:bodyPr>
+          <a:lstStyle/>
+          <a:p>
+            <a:pPr>
+              <a:spcBef>
+                <a:spcPts val="0"/>
+              </a:spcBef>
+              <a:buNone/>
+            </a:pPr>
+            <a:r>
+              <a:t/>
+            </a:r>
+            <a:endParaRPr/>
+          </a:p>
+        </p:txBody>
+      </p:sp>
+      <p:sp>
+        <p:nvSpPr>
+          <p:cNvPr id="22" name="Shape 22"/>
+          <p:cNvSpPr/>
+          <p:nvPr/>
+        </p:nvSpPr>
+        <p:spPr>
+          <a:xfrm rot="-213060">
+            <a:off x="920480" y="2871570"/>
+            <a:ext cx="6010940" cy="216699"/>
+          </a:xfrm>
+          <a:prstGeom prst="rect">
+            <a:avLst/>
+          </a:prstGeom>
+          <a:solidFill>
+            <a:schemeClr val="dk2"/>
+          </a:solidFill>
+          <a:ln>
+            <a:noFill/>
+          </a:ln>
+        </p:spPr>
+        <p:txBody>
+          <a:bodyPr anchorCtr="0" anchor="ctr" bIns="45700" lIns="91425" rIns="91425" tIns="45700">
+            <a:noAutofit/>
+          </a:bodyPr>
+          <a:lstStyle/>
+          <a:p>
+            <a:pPr>
+              <a:spcBef>
+                <a:spcPts val="0"/>
+              </a:spcBef>
+              <a:buNone/>
+            </a:pPr>
+            <a:r>
+              <a:t/>
+            </a:r>
+            <a:endParaRPr/>
+          </a:p>
+        </p:txBody>
+      </p:sp>
+      <p:sp>
+        <p:nvSpPr>
+          <p:cNvPr id="23" name="Shape 23"/>
+          <p:cNvSpPr txBox="1"/>
+          <p:nvPr>
+            <p:ph idx="12" type="sldNum"/>
+          </p:nvPr>
+        </p:nvSpPr>
+        <p:spPr>
+          <a:xfrm>
+            <a:off x="8556791" y="4749850"/>
+            <a:ext cx="548699" cy="393600"/>
+          </a:xfrm>
+          <a:prstGeom prst="rect">
+            <a:avLst/>
+          </a:prstGeom>
+        </p:spPr>
+        <p:txBody>
+          <a:bodyPr anchorCtr="0" anchor="ctr" bIns="91425" lIns="91425" rIns="91425" tIns="91425">
+            <a:noAutofit/>
+          </a:bodyPr>
+          <a:lstStyle>
+            <a:lvl1pPr>
+              <a:spcBef>
+                <a:spcPts val="0"/>
+              </a:spcBef>
+              <a:buNone/>
+              <a:defRPr/>
+            </a:lvl1pPr>
+          </a:lstStyle>
+          <a:p>
+            <a:pPr>
+              <a:spcBef>
+                <a:spcPts val="0"/>
+              </a:spcBef>
+              <a:buNone/>
+            </a:pPr>
+            <a:fld id="{00000000-1234-1234-1234-123412341234}" type="slidenum">
+              <a:rPr lang="en"/>
+              <a:t>‹#›</a:t>
+            </a:fld>
+          </a:p>
+        </p:txBody>
+      </p:sp>
+    </p:spTree>
+  </p:cSld>
+  <p:clrMapOvr>
+    <a:masterClrMapping/>
+  </p:clrMapOvr>
+</p:sldLayout>
+</file>
+
+<file path=ppt/slideLayouts/slideLayout2.xml><?xml version="1.0" encoding="utf-8"?>
+<p:sldLayout xmlns:a="http://schemas.openxmlformats.org/drawingml/2006/main" xmlns:r="http://schemas.openxmlformats.org/officeDocument/2006/relationships" xmlns:mc="http://schemas.openxmlformats.org/markup-compatibility/2006" xmlns:mv="urn:schemas-microsoft-com:mac:vml" xmlns:p="http://schemas.openxmlformats.org/presentationml/2006/main" xmlns:c="http://schemas.openxmlformats.org/drawingml/2006/chart" xmlns:dgm="http://schemas.openxmlformats.org/drawingml/2006/diagram" xmlns:o="urn:schemas-microsoft-com:office:office" xmlns:v="urn:schemas-microsoft-com:vml" xmlns:pvml="urn:schemas-microsoft-com:office:powerpoint" xmlns:com="http://schemas.openxmlformats.org/drawingml/2006/compatibility" xmlns:p14="http://schemas.microsoft.com/office/powerpoint/2010/main" type="tx">
+  <p:cSld name="Title and Body">
+    <p:spTree>
+      <p:nvGrpSpPr>
+        <p:cNvPr id="24" name="Shape 24"/>
+        <p:cNvGrpSpPr/>
+        <p:nvPr/>
+      </p:nvGrpSpPr>
+      <p:grpSpPr>
+        <a:xfrm>
+          <a:off x="0" y="0"/>
+          <a:ext cx="0" cy="0"/>
+          <a:chOff x="0" y="0"/>
+          <a:chExt cx="0" cy="0"/>
+        </a:xfrm>
+      </p:grpSpPr>
+      <p:sp>
+        <p:nvSpPr>
           <p:cNvPr id="25" name="Shape 25"/>
           <p:cNvSpPr/>
           <p:nvPr/>
@@ -2489,13 +2497,8 @@
             <a:ext cx="9143999" cy="401193"/>
           </a:xfrm>
           <a:custGeom>
-            <a:avLst/>
-            <a:gdLst/>
-            <a:ahLst/>
-            <a:cxnLst/>
-            <a:rect l="0" t="0" r="0" b="0"/>
             <a:pathLst>
-              <a:path w="9144000" h="990600" extrusionOk="0">
+              <a:path extrusionOk="0" h="990600" w="9144000">
                 <a:moveTo>
                   <a:pt x="0" y="0"/>
                 </a:moveTo>
@@ -2525,7 +2528,7 @@
           </a:ln>
         </p:spPr>
         <p:txBody>
-          <a:bodyPr lIns="91425" tIns="45700" rIns="91425" bIns="45700" anchor="ctr" anchorCtr="0">
+          <a:bodyPr anchorCtr="0" anchor="ctr" bIns="45700" lIns="91425" rIns="91425" tIns="45700">
             <a:noAutofit/>
           </a:bodyPr>
           <a:lstStyle/>
@@ -2536,6 +2539,9 @@
               </a:spcBef>
               <a:buNone/>
             </a:pPr>
+            <a:r>
+              <a:t/>
+            </a:r>
             <a:endParaRPr/>
           </a:p>
         </p:txBody>
@@ -2552,13 +2558,8 @@
             <a:ext cx="7394209" cy="220614"/>
           </a:xfrm>
           <a:custGeom>
-            <a:avLst/>
-            <a:gdLst/>
-            <a:ahLst/>
-            <a:cxnLst/>
-            <a:rect l="0" t="0" r="0" b="0"/>
             <a:pathLst>
-              <a:path w="7391900" h="315950" extrusionOk="0">
+              <a:path extrusionOk="0" h="315950" w="7391900">
                 <a:moveTo>
                   <a:pt x="5410200" y="0"/>
                 </a:moveTo>
@@ -2597,7 +2598,7 @@
           </a:ln>
         </p:spPr>
         <p:txBody>
-          <a:bodyPr lIns="91425" tIns="45700" rIns="91425" bIns="45700" anchor="ctr" anchorCtr="0">
+          <a:bodyPr anchorCtr="0" anchor="ctr" bIns="45700" lIns="91425" rIns="91425" tIns="45700">
             <a:noAutofit/>
           </a:bodyPr>
           <a:lstStyle/>
@@ -2608,6 +2609,9 @@
               </a:spcBef>
               <a:buNone/>
             </a:pPr>
+            <a:r>
+              <a:t/>
+            </a:r>
             <a:endParaRPr/>
           </a:p>
         </p:txBody>
@@ -2619,18 +2623,13 @@
           <p:nvPr/>
         </p:nvSpPr>
         <p:spPr>
-          <a:xfrm rot="10800000" flipH="1">
+          <a:xfrm flipH="1" rot="10800000">
             <a:off x="0" y="-703"/>
             <a:ext cx="9143999" cy="1086553"/>
           </a:xfrm>
           <a:custGeom>
-            <a:avLst/>
-            <a:gdLst/>
-            <a:ahLst/>
-            <a:cxnLst/>
-            <a:rect l="0" t="0" r="0" b="0"/>
             <a:pathLst>
-              <a:path w="9144000" h="1366734" extrusionOk="0">
+              <a:path extrusionOk="0" h="1366734" w="9144000">
                 <a:moveTo>
                   <a:pt x="0" y="1366734"/>
                 </a:moveTo>
@@ -2672,7 +2671,7 @@
           </a:ln>
         </p:spPr>
         <p:txBody>
-          <a:bodyPr lIns="91425" tIns="45700" rIns="91425" bIns="45700" anchor="ctr" anchorCtr="0">
+          <a:bodyPr anchorCtr="0" anchor="ctr" bIns="45700" lIns="91425" rIns="91425" tIns="45700">
             <a:noAutofit/>
           </a:bodyPr>
           <a:lstStyle/>
@@ -2683,6 +2682,9 @@
               </a:spcBef>
               <a:buNone/>
             </a:pPr>
+            <a:r>
+              <a:t/>
+            </a:r>
             <a:endParaRPr/>
           </a:p>
         </p:txBody>
@@ -2694,18 +2696,13 @@
           <p:nvPr/>
         </p:nvSpPr>
         <p:spPr>
-          <a:xfrm rot="10800000" flipH="1">
+          <a:xfrm flipH="1" rot="10800000">
             <a:off x="0" y="0"/>
             <a:ext cx="9143999" cy="1025050"/>
           </a:xfrm>
           <a:custGeom>
-            <a:avLst/>
-            <a:gdLst/>
-            <a:ahLst/>
-            <a:cxnLst/>
-            <a:rect l="0" t="0" r="0" b="0"/>
             <a:pathLst>
-              <a:path w="9144000" h="1366734" extrusionOk="0">
+              <a:path extrusionOk="0" h="1366734" w="9144000">
                 <a:moveTo>
                   <a:pt x="0" y="1366734"/>
                 </a:moveTo>
@@ -2745,7 +2742,7 @@
           </a:ln>
         </p:spPr>
         <p:txBody>
-          <a:bodyPr lIns="91425" tIns="45700" rIns="91425" bIns="45700" anchor="ctr" anchorCtr="0">
+          <a:bodyPr anchorCtr="0" anchor="ctr" bIns="45700" lIns="91425" rIns="91425" tIns="45700">
             <a:noAutofit/>
           </a:bodyPr>
           <a:lstStyle/>
@@ -2756,6 +2753,9 @@
               </a:spcBef>
               <a:buNone/>
             </a:pPr>
+            <a:r>
+              <a:t/>
+            </a:r>
             <a:endParaRPr/>
           </a:p>
         </p:txBody>
@@ -2772,13 +2772,8 @@
             <a:ext cx="9143999" cy="401193"/>
           </a:xfrm>
           <a:custGeom>
-            <a:avLst/>
-            <a:gdLst/>
-            <a:ahLst/>
-            <a:cxnLst/>
-            <a:rect l="0" t="0" r="0" b="0"/>
             <a:pathLst>
-              <a:path w="9144000" h="990600" extrusionOk="0">
+              <a:path extrusionOk="0" h="990600" w="9144000">
                 <a:moveTo>
                   <a:pt x="0" y="0"/>
                 </a:moveTo>
@@ -2806,7 +2801,7 @@
           </a:ln>
         </p:spPr>
         <p:txBody>
-          <a:bodyPr lIns="91425" tIns="45700" rIns="91425" bIns="45700" anchor="ctr" anchorCtr="0">
+          <a:bodyPr anchorCtr="0" anchor="ctr" bIns="45700" lIns="91425" rIns="91425" tIns="45700">
             <a:noAutofit/>
           </a:bodyPr>
           <a:lstStyle/>
@@ -2817,6 +2812,9 @@
               </a:spcBef>
               <a:buNone/>
             </a:pPr>
+            <a:r>
+              <a:t/>
+            </a:r>
             <a:endParaRPr/>
           </a:p>
         </p:txBody>
@@ -2824,9 +2822,7 @@
       <p:sp>
         <p:nvSpPr>
           <p:cNvPr id="30" name="Shape 30"/>
-          <p:cNvSpPr txBox="1">
-            <a:spLocks noGrp="1"/>
-          </p:cNvSpPr>
+          <p:cNvSpPr txBox="1"/>
           <p:nvPr>
             <p:ph type="title"/>
           </p:nvPr>
@@ -2841,7 +2837,7 @@
           </a:prstGeom>
         </p:spPr>
         <p:txBody>
-          <a:bodyPr lIns="91425" tIns="91425" rIns="91425" bIns="91425" anchor="ctr" anchorCtr="0"/>
+          <a:bodyPr anchorCtr="0" anchor="ctr" bIns="91425" lIns="91425" rIns="91425" tIns="91425"/>
           <a:lstStyle>
             <a:lvl1pPr>
               <a:spcBef>
@@ -2898,9 +2894,7 @@
               <a:defRPr/>
             </a:lvl9pPr>
           </a:lstStyle>
-          <a:p>
-            <a:endParaRPr/>
-          </a:p>
+          <a:p/>
         </p:txBody>
       </p:sp>
       <p:sp>
@@ -2916,7 +2910,7 @@
           </a:xfrm>
           <a:prstGeom prst="star4">
             <a:avLst>
-              <a:gd name="adj" fmla="val 20046"/>
+              <a:gd fmla="val 20046" name="adj"/>
             </a:avLst>
           </a:prstGeom>
           <a:solidFill>
@@ -2927,7 +2921,7 @@
           </a:ln>
         </p:spPr>
         <p:txBody>
-          <a:bodyPr lIns="91425" tIns="45700" rIns="91425" bIns="45700" anchor="ctr" anchorCtr="0">
+          <a:bodyPr anchorCtr="0" anchor="ctr" bIns="45700" lIns="91425" rIns="91425" tIns="45700">
             <a:noAutofit/>
           </a:bodyPr>
           <a:lstStyle/>
@@ -2938,6 +2932,9 @@
               </a:spcBef>
               <a:buNone/>
             </a:pPr>
+            <a:r>
+              <a:t/>
+            </a:r>
             <a:endParaRPr/>
           </a:p>
         </p:txBody>
@@ -2954,13 +2951,8 @@
             <a:ext cx="7394209" cy="237220"/>
           </a:xfrm>
           <a:custGeom>
-            <a:avLst/>
-            <a:gdLst/>
-            <a:ahLst/>
-            <a:cxnLst/>
-            <a:rect l="0" t="0" r="0" b="0"/>
             <a:pathLst>
-              <a:path w="7391900" h="315950" extrusionOk="0">
+              <a:path extrusionOk="0" h="315950" w="7391900">
                 <a:moveTo>
                   <a:pt x="5410200" y="0"/>
                 </a:moveTo>
@@ -2997,7 +2989,7 @@
           </a:ln>
         </p:spPr>
         <p:txBody>
-          <a:bodyPr lIns="91425" tIns="45700" rIns="91425" bIns="45700" anchor="ctr" anchorCtr="0">
+          <a:bodyPr anchorCtr="0" anchor="ctr" bIns="45700" lIns="91425" rIns="91425" tIns="45700">
             <a:noAutofit/>
           </a:bodyPr>
           <a:lstStyle/>
@@ -3008,6 +3000,9 @@
               </a:spcBef>
               <a:buNone/>
             </a:pPr>
+            <a:r>
+              <a:t/>
+            </a:r>
             <a:endParaRPr/>
           </a:p>
         </p:txBody>
@@ -3015,11 +3010,9 @@
       <p:sp>
         <p:nvSpPr>
           <p:cNvPr id="33" name="Shape 33"/>
-          <p:cNvSpPr txBox="1">
-            <a:spLocks noGrp="1"/>
-          </p:cNvSpPr>
+          <p:cNvSpPr txBox="1"/>
           <p:nvPr>
-            <p:ph type="body" idx="1"/>
+            <p:ph idx="1" type="body"/>
           </p:nvPr>
         </p:nvSpPr>
         <p:spPr>
@@ -3032,7 +3025,7 @@
           </a:prstGeom>
         </p:spPr>
         <p:txBody>
-          <a:bodyPr lIns="91425" tIns="91425" rIns="91425" bIns="91425" anchor="t" anchorCtr="0"/>
+          <a:bodyPr anchorCtr="0" anchor="t" bIns="91425" lIns="91425" rIns="91425" tIns="91425"/>
           <a:lstStyle>
             <a:lvl1pPr>
               <a:spcBef>
@@ -3089,19 +3082,15 @@
               <a:defRPr/>
             </a:lvl9pPr>
           </a:lstStyle>
-          <a:p>
-            <a:endParaRPr/>
-          </a:p>
+          <a:p/>
         </p:txBody>
       </p:sp>
       <p:sp>
         <p:nvSpPr>
           <p:cNvPr id="34" name="Shape 34"/>
-          <p:cNvSpPr txBox="1">
-            <a:spLocks noGrp="1"/>
-          </p:cNvSpPr>
+          <p:cNvSpPr txBox="1"/>
           <p:nvPr>
-            <p:ph type="sldNum" idx="12"/>
+            <p:ph idx="12" type="sldNum"/>
           </p:nvPr>
         </p:nvSpPr>
         <p:spPr>
@@ -3114,7 +3103,7 @@
           </a:prstGeom>
         </p:spPr>
         <p:txBody>
-          <a:bodyPr lIns="91425" tIns="91425" rIns="91425" bIns="91425" anchor="ctr" anchorCtr="0">
+          <a:bodyPr anchorCtr="0" anchor="ctr" bIns="91425" lIns="91425" rIns="91425" tIns="91425">
             <a:noAutofit/>
           </a:bodyPr>
           <a:lstStyle>
@@ -3137,7 +3126,6 @@
               <a:rPr lang="en"/>
               <a:t>‹#›</a:t>
             </a:fld>
-            <a:endParaRPr lang="en"/>
           </a:p>
         </p:txBody>
       </p:sp>
@@ -3150,11 +3138,11 @@
 </file>
 
 <file path=ppt/slideLayouts/slideLayout3.xml><?xml version="1.0" encoding="utf-8"?>
-<p:sldLayout xmlns:a="http://schemas.openxmlformats.org/drawingml/2006/main" xmlns:r="http://schemas.openxmlformats.org/officeDocument/2006/relationships" xmlns:p="http://schemas.openxmlformats.org/presentationml/2006/main" type="twoColTx">
+<p:sldLayout xmlns:a="http://schemas.openxmlformats.org/drawingml/2006/main" xmlns:r="http://schemas.openxmlformats.org/officeDocument/2006/relationships" xmlns:mc="http://schemas.openxmlformats.org/markup-compatibility/2006" xmlns:mv="urn:schemas-microsoft-com:mac:vml" xmlns:p="http://schemas.openxmlformats.org/presentationml/2006/main" xmlns:c="http://schemas.openxmlformats.org/drawingml/2006/chart" xmlns:dgm="http://schemas.openxmlformats.org/drawingml/2006/diagram" xmlns:o="urn:schemas-microsoft-com:office:office" xmlns:v="urn:schemas-microsoft-com:vml" xmlns:pvml="urn:schemas-microsoft-com:office:powerpoint" xmlns:com="http://schemas.openxmlformats.org/drawingml/2006/compatibility" xmlns:p14="http://schemas.microsoft.com/office/powerpoint/2010/main" type="twoColTx">
   <p:cSld name="Title and Two Columns">
     <p:spTree>
       <p:nvGrpSpPr>
-        <p:cNvPr id="1" name="Shape 35"/>
+        <p:cNvPr id="35" name="Shape 35"/>
         <p:cNvGrpSpPr/>
         <p:nvPr/>
       </p:nvGrpSpPr>
@@ -3178,13 +3166,8 @@
             <a:ext cx="9143999" cy="401193"/>
           </a:xfrm>
           <a:custGeom>
-            <a:avLst/>
-            <a:gdLst/>
-            <a:ahLst/>
-            <a:cxnLst/>
-            <a:rect l="0" t="0" r="0" b="0"/>
             <a:pathLst>
-              <a:path w="9144000" h="990600" extrusionOk="0">
+              <a:path extrusionOk="0" h="990600" w="9144000">
                 <a:moveTo>
                   <a:pt x="0" y="0"/>
                 </a:moveTo>
@@ -3214,7 +3197,7 @@
           </a:ln>
         </p:spPr>
         <p:txBody>
-          <a:bodyPr lIns="91425" tIns="45700" rIns="91425" bIns="45700" anchor="ctr" anchorCtr="0">
+          <a:bodyPr anchorCtr="0" anchor="ctr" bIns="45700" lIns="91425" rIns="91425" tIns="45700">
             <a:noAutofit/>
           </a:bodyPr>
           <a:lstStyle/>
@@ -3225,6 +3208,9 @@
               </a:spcBef>
               <a:buNone/>
             </a:pPr>
+            <a:r>
+              <a:t/>
+            </a:r>
             <a:endParaRPr/>
           </a:p>
         </p:txBody>
@@ -3241,13 +3227,8 @@
             <a:ext cx="7394209" cy="220614"/>
           </a:xfrm>
           <a:custGeom>
-            <a:avLst/>
-            <a:gdLst/>
-            <a:ahLst/>
-            <a:cxnLst/>
-            <a:rect l="0" t="0" r="0" b="0"/>
             <a:pathLst>
-              <a:path w="7391900" h="315950" extrusionOk="0">
+              <a:path extrusionOk="0" h="315950" w="7391900">
                 <a:moveTo>
                   <a:pt x="5410200" y="0"/>
                 </a:moveTo>
@@ -3286,7 +3267,7 @@
           </a:ln>
         </p:spPr>
         <p:txBody>
-          <a:bodyPr lIns="91425" tIns="45700" rIns="91425" bIns="45700" anchor="ctr" anchorCtr="0">
+          <a:bodyPr anchorCtr="0" anchor="ctr" bIns="45700" lIns="91425" rIns="91425" tIns="45700">
             <a:noAutofit/>
           </a:bodyPr>
           <a:lstStyle/>
@@ -3297,6 +3278,9 @@
               </a:spcBef>
               <a:buNone/>
             </a:pPr>
+            <a:r>
+              <a:t/>
+            </a:r>
             <a:endParaRPr/>
           </a:p>
         </p:txBody>
@@ -3308,18 +3292,13 @@
           <p:nvPr/>
         </p:nvSpPr>
         <p:spPr>
-          <a:xfrm rot="10800000" flipH="1">
+          <a:xfrm flipH="1" rot="10800000">
             <a:off x="0" y="-703"/>
             <a:ext cx="9143999" cy="1086553"/>
           </a:xfrm>
           <a:custGeom>
-            <a:avLst/>
-            <a:gdLst/>
-            <a:ahLst/>
-            <a:cxnLst/>
-            <a:rect l="0" t="0" r="0" b="0"/>
             <a:pathLst>
-              <a:path w="9144000" h="1366734" extrusionOk="0">
+              <a:path extrusionOk="0" h="1366734" w="9144000">
                 <a:moveTo>
                   <a:pt x="0" y="1366734"/>
                 </a:moveTo>
@@ -3361,7 +3340,7 @@
           </a:ln>
         </p:spPr>
         <p:txBody>
-          <a:bodyPr lIns="91425" tIns="45700" rIns="91425" bIns="45700" anchor="ctr" anchorCtr="0">
+          <a:bodyPr anchorCtr="0" anchor="ctr" bIns="45700" lIns="91425" rIns="91425" tIns="45700">
             <a:noAutofit/>
           </a:bodyPr>
           <a:lstStyle/>
@@ -3372,6 +3351,9 @@
               </a:spcBef>
               <a:buNone/>
             </a:pPr>
+            <a:r>
+              <a:t/>
+            </a:r>
             <a:endParaRPr/>
           </a:p>
         </p:txBody>
@@ -3383,18 +3365,13 @@
           <p:nvPr/>
         </p:nvSpPr>
         <p:spPr>
-          <a:xfrm rot="10800000" flipH="1">
+          <a:xfrm flipH="1" rot="10800000">
             <a:off x="0" y="0"/>
             <a:ext cx="9143999" cy="1025050"/>
           </a:xfrm>
           <a:custGeom>
-            <a:avLst/>
-            <a:gdLst/>
-            <a:ahLst/>
-            <a:cxnLst/>
-            <a:rect l="0" t="0" r="0" b="0"/>
             <a:pathLst>
-              <a:path w="9144000" h="1366734" extrusionOk="0">
+              <a:path extrusionOk="0" h="1366734" w="9144000">
                 <a:moveTo>
                   <a:pt x="0" y="1366734"/>
                 </a:moveTo>
@@ -3434,7 +3411,7 @@
           </a:ln>
         </p:spPr>
         <p:txBody>
-          <a:bodyPr lIns="91425" tIns="45700" rIns="91425" bIns="45700" anchor="ctr" anchorCtr="0">
+          <a:bodyPr anchorCtr="0" anchor="ctr" bIns="45700" lIns="91425" rIns="91425" tIns="45700">
             <a:noAutofit/>
           </a:bodyPr>
           <a:lstStyle/>
@@ -3445,6 +3422,9 @@
               </a:spcBef>
               <a:buNone/>
             </a:pPr>
+            <a:r>
+              <a:t/>
+            </a:r>
             <a:endParaRPr/>
           </a:p>
         </p:txBody>
@@ -3462,7 +3442,7 @@
           </a:xfrm>
           <a:prstGeom prst="star4">
             <a:avLst>
-              <a:gd name="adj" fmla="val 20046"/>
+              <a:gd fmla="val 20046" name="adj"/>
             </a:avLst>
           </a:prstGeom>
           <a:solidFill>
@@ -3473,7 +3453,7 @@
           </a:ln>
         </p:spPr>
         <p:txBody>
-          <a:bodyPr lIns="91425" tIns="45700" rIns="91425" bIns="45700" anchor="ctr" anchorCtr="0">
+          <a:bodyPr anchorCtr="0" anchor="ctr" bIns="45700" lIns="91425" rIns="91425" tIns="45700">
             <a:noAutofit/>
           </a:bodyPr>
           <a:lstStyle/>
@@ -3484,6 +3464,9 @@
               </a:spcBef>
               <a:buNone/>
             </a:pPr>
+            <a:r>
+              <a:t/>
+            </a:r>
             <a:endParaRPr/>
           </a:p>
         </p:txBody>
@@ -3491,9 +3474,7 @@
       <p:sp>
         <p:nvSpPr>
           <p:cNvPr id="41" name="Shape 41"/>
-          <p:cNvSpPr txBox="1">
-            <a:spLocks noGrp="1"/>
-          </p:cNvSpPr>
+          <p:cNvSpPr txBox="1"/>
           <p:nvPr>
             <p:ph type="title"/>
           </p:nvPr>
@@ -3508,7 +3489,7 @@
           </a:prstGeom>
         </p:spPr>
         <p:txBody>
-          <a:bodyPr lIns="91425" tIns="91425" rIns="91425" bIns="91425" anchor="ctr" anchorCtr="0"/>
+          <a:bodyPr anchorCtr="0" anchor="ctr" bIns="91425" lIns="91425" rIns="91425" tIns="91425"/>
           <a:lstStyle>
             <a:lvl1pPr>
               <a:spcBef>
@@ -3565,9 +3546,7 @@
               <a:defRPr/>
             </a:lvl9pPr>
           </a:lstStyle>
-          <a:p>
-            <a:endParaRPr/>
-          </a:p>
+          <a:p/>
         </p:txBody>
       </p:sp>
       <p:sp>
@@ -3582,13 +3561,8 @@
             <a:ext cx="7394209" cy="237220"/>
           </a:xfrm>
           <a:custGeom>
-            <a:avLst/>
-            <a:gdLst/>
-            <a:ahLst/>
-            <a:cxnLst/>
-            <a:rect l="0" t="0" r="0" b="0"/>
             <a:pathLst>
-              <a:path w="7391900" h="315950" extrusionOk="0">
+              <a:path extrusionOk="0" h="315950" w="7391900">
                 <a:moveTo>
                   <a:pt x="5410200" y="0"/>
                 </a:moveTo>
@@ -3625,7 +3599,7 @@
           </a:ln>
         </p:spPr>
         <p:txBody>
-          <a:bodyPr lIns="91425" tIns="45700" rIns="91425" bIns="45700" anchor="ctr" anchorCtr="0">
+          <a:bodyPr anchorCtr="0" anchor="ctr" bIns="45700" lIns="91425" rIns="91425" tIns="45700">
             <a:noAutofit/>
           </a:bodyPr>
           <a:lstStyle/>
@@ -3636,6 +3610,9 @@
               </a:spcBef>
               <a:buNone/>
             </a:pPr>
+            <a:r>
+              <a:t/>
+            </a:r>
             <a:endParaRPr/>
           </a:p>
         </p:txBody>
@@ -3643,11 +3620,9 @@
       <p:sp>
         <p:nvSpPr>
           <p:cNvPr id="43" name="Shape 43"/>
-          <p:cNvSpPr txBox="1">
-            <a:spLocks noGrp="1"/>
-          </p:cNvSpPr>
+          <p:cNvSpPr txBox="1"/>
           <p:nvPr>
-            <p:ph type="body" idx="1"/>
+            <p:ph idx="1" type="body"/>
           </p:nvPr>
         </p:nvSpPr>
         <p:spPr>
@@ -3660,7 +3635,7 @@
           </a:prstGeom>
         </p:spPr>
         <p:txBody>
-          <a:bodyPr lIns="91425" tIns="91425" rIns="91425" bIns="91425" anchor="t" anchorCtr="0"/>
+          <a:bodyPr anchorCtr="0" anchor="t" bIns="91425" lIns="91425" rIns="91425" tIns="91425"/>
           <a:lstStyle>
             <a:lvl1pPr>
               <a:spcBef>
@@ -3717,19 +3692,15 @@
               <a:defRPr/>
             </a:lvl9pPr>
           </a:lstStyle>
-          <a:p>
-            <a:endParaRPr/>
-          </a:p>
+          <a:p/>
         </p:txBody>
       </p:sp>
       <p:sp>
         <p:nvSpPr>
           <p:cNvPr id="44" name="Shape 44"/>
-          <p:cNvSpPr txBox="1">
-            <a:spLocks noGrp="1"/>
-          </p:cNvSpPr>
+          <p:cNvSpPr txBox="1"/>
           <p:nvPr>
-            <p:ph type="body" idx="2"/>
+            <p:ph idx="2" type="body"/>
           </p:nvPr>
         </p:nvSpPr>
         <p:spPr>
@@ -3742,7 +3713,7 @@
           </a:prstGeom>
         </p:spPr>
         <p:txBody>
-          <a:bodyPr lIns="91425" tIns="91425" rIns="91425" bIns="91425" anchor="t" anchorCtr="0"/>
+          <a:bodyPr anchorCtr="0" anchor="t" bIns="91425" lIns="91425" rIns="91425" tIns="91425"/>
           <a:lstStyle>
             <a:lvl1pPr>
               <a:spcBef>
@@ -3799,9 +3770,7 @@
               <a:defRPr/>
             </a:lvl9pPr>
           </a:lstStyle>
-          <a:p>
-            <a:endParaRPr/>
-          </a:p>
+          <a:p/>
         </p:txBody>
       </p:sp>
       <p:sp>
@@ -3816,13 +3785,8 @@
             <a:ext cx="9143999" cy="401193"/>
           </a:xfrm>
           <a:custGeom>
-            <a:avLst/>
-            <a:gdLst/>
-            <a:ahLst/>
-            <a:cxnLst/>
-            <a:rect l="0" t="0" r="0" b="0"/>
             <a:pathLst>
-              <a:path w="9144000" h="990600" extrusionOk="0">
+              <a:path extrusionOk="0" h="990600" w="9144000">
                 <a:moveTo>
                   <a:pt x="0" y="0"/>
                 </a:moveTo>
@@ -3850,7 +3814,7 @@
           </a:ln>
         </p:spPr>
         <p:txBody>
-          <a:bodyPr lIns="91425" tIns="45700" rIns="91425" bIns="45700" anchor="ctr" anchorCtr="0">
+          <a:bodyPr anchorCtr="0" anchor="ctr" bIns="45700" lIns="91425" rIns="91425" tIns="45700">
             <a:noAutofit/>
           </a:bodyPr>
           <a:lstStyle/>
@@ -3861,6 +3825,9 @@
               </a:spcBef>
               <a:buNone/>
             </a:pPr>
+            <a:r>
+              <a:t/>
+            </a:r>
             <a:endParaRPr/>
           </a:p>
         </p:txBody>
@@ -3868,11 +3835,9 @@
       <p:sp>
         <p:nvSpPr>
           <p:cNvPr id="46" name="Shape 46"/>
-          <p:cNvSpPr txBox="1">
-            <a:spLocks noGrp="1"/>
-          </p:cNvSpPr>
+          <p:cNvSpPr txBox="1"/>
           <p:nvPr>
-            <p:ph type="sldNum" idx="12"/>
+            <p:ph idx="12" type="sldNum"/>
           </p:nvPr>
         </p:nvSpPr>
         <p:spPr>
@@ -3885,7 +3850,7 @@
           </a:prstGeom>
         </p:spPr>
         <p:txBody>
-          <a:bodyPr lIns="91425" tIns="91425" rIns="91425" bIns="91425" anchor="ctr" anchorCtr="0">
+          <a:bodyPr anchorCtr="0" anchor="ctr" bIns="91425" lIns="91425" rIns="91425" tIns="91425">
             <a:noAutofit/>
           </a:bodyPr>
           <a:lstStyle>
@@ -3908,7 +3873,6 @@
               <a:rPr lang="en"/>
               <a:t>‹#›</a:t>
             </a:fld>
-            <a:endParaRPr lang="en"/>
           </a:p>
         </p:txBody>
       </p:sp>
@@ -3921,11 +3885,11 @@
 </file>
 
 <file path=ppt/slideLayouts/slideLayout4.xml><?xml version="1.0" encoding="utf-8"?>
-<p:sldLayout xmlns:a="http://schemas.openxmlformats.org/drawingml/2006/main" xmlns:r="http://schemas.openxmlformats.org/officeDocument/2006/relationships" xmlns:p="http://schemas.openxmlformats.org/presentationml/2006/main" type="titleOnly">
+<p:sldLayout xmlns:a="http://schemas.openxmlformats.org/drawingml/2006/main" xmlns:r="http://schemas.openxmlformats.org/officeDocument/2006/relationships" xmlns:mc="http://schemas.openxmlformats.org/markup-compatibility/2006" xmlns:mv="urn:schemas-microsoft-com:mac:vml" xmlns:p="http://schemas.openxmlformats.org/presentationml/2006/main" xmlns:c="http://schemas.openxmlformats.org/drawingml/2006/chart" xmlns:dgm="http://schemas.openxmlformats.org/drawingml/2006/diagram" xmlns:o="urn:schemas-microsoft-com:office:office" xmlns:v="urn:schemas-microsoft-com:vml" xmlns:pvml="urn:schemas-microsoft-com:office:powerpoint" xmlns:com="http://schemas.openxmlformats.org/drawingml/2006/compatibility" xmlns:p14="http://schemas.microsoft.com/office/powerpoint/2010/main" type="titleOnly">
   <p:cSld name="Title Only">
     <p:spTree>
       <p:nvGrpSpPr>
-        <p:cNvPr id="1" name="Shape 47"/>
+        <p:cNvPr id="47" name="Shape 47"/>
         <p:cNvGrpSpPr/>
         <p:nvPr/>
       </p:nvGrpSpPr>
@@ -3949,13 +3913,8 @@
             <a:ext cx="9143999" cy="401193"/>
           </a:xfrm>
           <a:custGeom>
-            <a:avLst/>
-            <a:gdLst/>
-            <a:ahLst/>
-            <a:cxnLst/>
-            <a:rect l="0" t="0" r="0" b="0"/>
             <a:pathLst>
-              <a:path w="9144000" h="990600" extrusionOk="0">
+              <a:path extrusionOk="0" h="990600" w="9144000">
                 <a:moveTo>
                   <a:pt x="0" y="0"/>
                 </a:moveTo>
@@ -3985,7 +3944,7 @@
           </a:ln>
         </p:spPr>
         <p:txBody>
-          <a:bodyPr lIns="91425" tIns="45700" rIns="91425" bIns="45700" anchor="ctr" anchorCtr="0">
+          <a:bodyPr anchorCtr="0" anchor="ctr" bIns="45700" lIns="91425" rIns="91425" tIns="45700">
             <a:noAutofit/>
           </a:bodyPr>
           <a:lstStyle/>
@@ -3996,6 +3955,9 @@
               </a:spcBef>
               <a:buNone/>
             </a:pPr>
+            <a:r>
+              <a:t/>
+            </a:r>
             <a:endParaRPr/>
           </a:p>
         </p:txBody>
@@ -4012,13 +3974,8 @@
             <a:ext cx="7394209" cy="220614"/>
           </a:xfrm>
           <a:custGeom>
-            <a:avLst/>
-            <a:gdLst/>
-            <a:ahLst/>
-            <a:cxnLst/>
-            <a:rect l="0" t="0" r="0" b="0"/>
             <a:pathLst>
-              <a:path w="7391900" h="315950" extrusionOk="0">
+              <a:path extrusionOk="0" h="315950" w="7391900">
                 <a:moveTo>
                   <a:pt x="5410200" y="0"/>
                 </a:moveTo>
@@ -4057,7 +4014,7 @@
           </a:ln>
         </p:spPr>
         <p:txBody>
-          <a:bodyPr lIns="91425" tIns="45700" rIns="91425" bIns="45700" anchor="ctr" anchorCtr="0">
+          <a:bodyPr anchorCtr="0" anchor="ctr" bIns="45700" lIns="91425" rIns="91425" tIns="45700">
             <a:noAutofit/>
           </a:bodyPr>
           <a:lstStyle/>
@@ -4068,6 +4025,9 @@
               </a:spcBef>
               <a:buNone/>
             </a:pPr>
+            <a:r>
+              <a:t/>
+            </a:r>
             <a:endParaRPr/>
           </a:p>
         </p:txBody>
@@ -4079,18 +4039,13 @@
           <p:nvPr/>
         </p:nvSpPr>
         <p:spPr>
-          <a:xfrm rot="10800000" flipH="1">
+          <a:xfrm flipH="1" rot="10800000">
             <a:off x="0" y="-703"/>
             <a:ext cx="9143999" cy="1086553"/>
           </a:xfrm>
           <a:custGeom>
-            <a:avLst/>
-            <a:gdLst/>
-            <a:ahLst/>
-            <a:cxnLst/>
-            <a:rect l="0" t="0" r="0" b="0"/>
             <a:pathLst>
-              <a:path w="9144000" h="1366734" extrusionOk="0">
+              <a:path extrusionOk="0" h="1366734" w="9144000">
                 <a:moveTo>
                   <a:pt x="0" y="1366734"/>
                 </a:moveTo>
@@ -4132,7 +4087,7 @@
           </a:ln>
         </p:spPr>
         <p:txBody>
-          <a:bodyPr lIns="91425" tIns="45700" rIns="91425" bIns="45700" anchor="ctr" anchorCtr="0">
+          <a:bodyPr anchorCtr="0" anchor="ctr" bIns="45700" lIns="91425" rIns="91425" tIns="45700">
             <a:noAutofit/>
           </a:bodyPr>
           <a:lstStyle/>
@@ -4143,6 +4098,9 @@
               </a:spcBef>
               <a:buNone/>
             </a:pPr>
+            <a:r>
+              <a:t/>
+            </a:r>
             <a:endParaRPr/>
           </a:p>
         </p:txBody>
@@ -4154,18 +4112,13 @@
           <p:nvPr/>
         </p:nvSpPr>
         <p:spPr>
-          <a:xfrm rot="10800000" flipH="1">
+          <a:xfrm flipH="1" rot="10800000">
             <a:off x="0" y="0"/>
             <a:ext cx="9143999" cy="1025050"/>
           </a:xfrm>
           <a:custGeom>
-            <a:avLst/>
-            <a:gdLst/>
-            <a:ahLst/>
-            <a:cxnLst/>
-            <a:rect l="0" t="0" r="0" b="0"/>
             <a:pathLst>
-              <a:path w="9144000" h="1366734" extrusionOk="0">
+              <a:path extrusionOk="0" h="1366734" w="9144000">
                 <a:moveTo>
                   <a:pt x="0" y="1366734"/>
                 </a:moveTo>
@@ -4205,7 +4158,7 @@
           </a:ln>
         </p:spPr>
         <p:txBody>
-          <a:bodyPr lIns="91425" tIns="45700" rIns="91425" bIns="45700" anchor="ctr" anchorCtr="0">
+          <a:bodyPr anchorCtr="0" anchor="ctr" bIns="45700" lIns="91425" rIns="91425" tIns="45700">
             <a:noAutofit/>
           </a:bodyPr>
           <a:lstStyle/>
@@ -4216,6 +4169,9 @@
               </a:spcBef>
               <a:buNone/>
             </a:pPr>
+            <a:r>
+              <a:t/>
+            </a:r>
             <a:endParaRPr/>
           </a:p>
         </p:txBody>
@@ -4233,7 +4189,7 @@
           </a:xfrm>
           <a:prstGeom prst="star4">
             <a:avLst>
-              <a:gd name="adj" fmla="val 20046"/>
+              <a:gd fmla="val 20046" name="adj"/>
             </a:avLst>
           </a:prstGeom>
           <a:solidFill>
@@ -4244,7 +4200,7 @@
           </a:ln>
         </p:spPr>
         <p:txBody>
-          <a:bodyPr lIns="91425" tIns="45700" rIns="91425" bIns="45700" anchor="ctr" anchorCtr="0">
+          <a:bodyPr anchorCtr="0" anchor="ctr" bIns="45700" lIns="91425" rIns="91425" tIns="45700">
             <a:noAutofit/>
           </a:bodyPr>
           <a:lstStyle/>
@@ -4255,6 +4211,9 @@
               </a:spcBef>
               <a:buNone/>
             </a:pPr>
+            <a:r>
+              <a:t/>
+            </a:r>
             <a:endParaRPr/>
           </a:p>
         </p:txBody>
@@ -4262,9 +4221,7 @@
       <p:sp>
         <p:nvSpPr>
           <p:cNvPr id="53" name="Shape 53"/>
-          <p:cNvSpPr txBox="1">
-            <a:spLocks noGrp="1"/>
-          </p:cNvSpPr>
+          <p:cNvSpPr txBox="1"/>
           <p:nvPr>
             <p:ph type="title"/>
           </p:nvPr>
@@ -4279,7 +4236,7 @@
           </a:prstGeom>
         </p:spPr>
         <p:txBody>
-          <a:bodyPr lIns="91425" tIns="91425" rIns="91425" bIns="91425" anchor="ctr" anchorCtr="0"/>
+          <a:bodyPr anchorCtr="0" anchor="ctr" bIns="91425" lIns="91425" rIns="91425" tIns="91425"/>
           <a:lstStyle>
             <a:lvl1pPr>
               <a:spcBef>
@@ -4336,9 +4293,7 @@
               <a:defRPr/>
             </a:lvl9pPr>
           </a:lstStyle>
-          <a:p>
-            <a:endParaRPr/>
-          </a:p>
+          <a:p/>
         </p:txBody>
       </p:sp>
       <p:sp>
@@ -4353,13 +4308,8 @@
             <a:ext cx="7394209" cy="237220"/>
           </a:xfrm>
           <a:custGeom>
-            <a:avLst/>
-            <a:gdLst/>
-            <a:ahLst/>
-            <a:cxnLst/>
-            <a:rect l="0" t="0" r="0" b="0"/>
             <a:pathLst>
-              <a:path w="7391900" h="315950" extrusionOk="0">
+              <a:path extrusionOk="0" h="315950" w="7391900">
                 <a:moveTo>
                   <a:pt x="5410200" y="0"/>
                 </a:moveTo>
@@ -4396,7 +4346,7 @@
           </a:ln>
         </p:spPr>
         <p:txBody>
-          <a:bodyPr lIns="91425" tIns="45700" rIns="91425" bIns="45700" anchor="ctr" anchorCtr="0">
+          <a:bodyPr anchorCtr="0" anchor="ctr" bIns="45700" lIns="91425" rIns="91425" tIns="45700">
             <a:noAutofit/>
           </a:bodyPr>
           <a:lstStyle/>
@@ -4407,6 +4357,9 @@
               </a:spcBef>
               <a:buNone/>
             </a:pPr>
+            <a:r>
+              <a:t/>
+            </a:r>
             <a:endParaRPr/>
           </a:p>
         </p:txBody>
@@ -4423,13 +4376,8 @@
             <a:ext cx="9143999" cy="401193"/>
           </a:xfrm>
           <a:custGeom>
-            <a:avLst/>
-            <a:gdLst/>
-            <a:ahLst/>
-            <a:cxnLst/>
-            <a:rect l="0" t="0" r="0" b="0"/>
             <a:pathLst>
-              <a:path w="9144000" h="990600" extrusionOk="0">
+              <a:path extrusionOk="0" h="990600" w="9144000">
                 <a:moveTo>
                   <a:pt x="0" y="0"/>
                 </a:moveTo>
@@ -4457,7 +4405,7 @@
           </a:ln>
         </p:spPr>
         <p:txBody>
-          <a:bodyPr lIns="91425" tIns="45700" rIns="91425" bIns="45700" anchor="ctr" anchorCtr="0">
+          <a:bodyPr anchorCtr="0" anchor="ctr" bIns="45700" lIns="91425" rIns="91425" tIns="45700">
             <a:noAutofit/>
           </a:bodyPr>
           <a:lstStyle/>
@@ -4468,6 +4416,9 @@
               </a:spcBef>
               <a:buNone/>
             </a:pPr>
+            <a:r>
+              <a:t/>
+            </a:r>
             <a:endParaRPr/>
           </a:p>
         </p:txBody>
@@ -4475,11 +4426,9 @@
       <p:sp>
         <p:nvSpPr>
           <p:cNvPr id="56" name="Shape 56"/>
-          <p:cNvSpPr txBox="1">
-            <a:spLocks noGrp="1"/>
-          </p:cNvSpPr>
+          <p:cNvSpPr txBox="1"/>
           <p:nvPr>
-            <p:ph type="sldNum" idx="12"/>
+            <p:ph idx="12" type="sldNum"/>
           </p:nvPr>
         </p:nvSpPr>
         <p:spPr>
@@ -4492,7 +4441,7 @@
           </a:prstGeom>
         </p:spPr>
         <p:txBody>
-          <a:bodyPr lIns="91425" tIns="91425" rIns="91425" bIns="91425" anchor="ctr" anchorCtr="0">
+          <a:bodyPr anchorCtr="0" anchor="ctr" bIns="91425" lIns="91425" rIns="91425" tIns="91425">
             <a:noAutofit/>
           </a:bodyPr>
           <a:lstStyle>
@@ -4515,7 +4464,6 @@
               <a:rPr lang="en"/>
               <a:t>‹#›</a:t>
             </a:fld>
-            <a:endParaRPr lang="en"/>
           </a:p>
         </p:txBody>
       </p:sp>
@@ -4528,11 +4476,11 @@
 </file>
 
 <file path=ppt/slideLayouts/slideLayout5.xml><?xml version="1.0" encoding="utf-8"?>
-<p:sldLayout xmlns:a="http://schemas.openxmlformats.org/drawingml/2006/main" xmlns:r="http://schemas.openxmlformats.org/officeDocument/2006/relationships" xmlns:p="http://schemas.openxmlformats.org/presentationml/2006/main">
+<p:sldLayout xmlns:a="http://schemas.openxmlformats.org/drawingml/2006/main" xmlns:r="http://schemas.openxmlformats.org/officeDocument/2006/relationships" xmlns:mc="http://schemas.openxmlformats.org/markup-compatibility/2006" xmlns:mv="urn:schemas-microsoft-com:mac:vml" xmlns:p="http://schemas.openxmlformats.org/presentationml/2006/main" xmlns:c="http://schemas.openxmlformats.org/drawingml/2006/chart" xmlns:dgm="http://schemas.openxmlformats.org/drawingml/2006/diagram" xmlns:o="urn:schemas-microsoft-com:office:office" xmlns:v="urn:schemas-microsoft-com:vml" xmlns:pvml="urn:schemas-microsoft-com:office:powerpoint" xmlns:com="http://schemas.openxmlformats.org/drawingml/2006/compatibility" xmlns:p14="http://schemas.microsoft.com/office/powerpoint/2010/main">
   <p:cSld name="Caption">
     <p:spTree>
       <p:nvGrpSpPr>
-        <p:cNvPr id="1" name="Shape 57"/>
+        <p:cNvPr id="57" name="Shape 57"/>
         <p:cNvGrpSpPr/>
         <p:nvPr/>
       </p:nvGrpSpPr>
@@ -4556,13 +4504,8 @@
             <a:ext cx="9143999" cy="401193"/>
           </a:xfrm>
           <a:custGeom>
-            <a:avLst/>
-            <a:gdLst/>
-            <a:ahLst/>
-            <a:cxnLst/>
-            <a:rect l="0" t="0" r="0" b="0"/>
             <a:pathLst>
-              <a:path w="9144000" h="990600" extrusionOk="0">
+              <a:path extrusionOk="0" h="990600" w="9144000">
                 <a:moveTo>
                   <a:pt x="0" y="0"/>
                 </a:moveTo>
@@ -4592,7 +4535,7 @@
           </a:ln>
         </p:spPr>
         <p:txBody>
-          <a:bodyPr lIns="91425" tIns="45700" rIns="91425" bIns="45700" anchor="ctr" anchorCtr="0">
+          <a:bodyPr anchorCtr="0" anchor="ctr" bIns="45700" lIns="91425" rIns="91425" tIns="45700">
             <a:noAutofit/>
           </a:bodyPr>
           <a:lstStyle/>
@@ -4603,6 +4546,9 @@
               </a:spcBef>
               <a:buNone/>
             </a:pPr>
+            <a:r>
+              <a:t/>
+            </a:r>
             <a:endParaRPr/>
           </a:p>
         </p:txBody>
@@ -4619,13 +4565,8 @@
             <a:ext cx="7394209" cy="220614"/>
           </a:xfrm>
           <a:custGeom>
-            <a:avLst/>
-            <a:gdLst/>
-            <a:ahLst/>
-            <a:cxnLst/>
-            <a:rect l="0" t="0" r="0" b="0"/>
             <a:pathLst>
-              <a:path w="7391900" h="315950" extrusionOk="0">
+              <a:path extrusionOk="0" h="315950" w="7391900">
                 <a:moveTo>
                   <a:pt x="5410200" y="0"/>
                 </a:moveTo>
@@ -4664,7 +4605,7 @@
           </a:ln>
         </p:spPr>
         <p:txBody>
-          <a:bodyPr lIns="91425" tIns="45700" rIns="91425" bIns="45700" anchor="ctr" anchorCtr="0">
+          <a:bodyPr anchorCtr="0" anchor="ctr" bIns="45700" lIns="91425" rIns="91425" tIns="45700">
             <a:noAutofit/>
           </a:bodyPr>
           <a:lstStyle/>
@@ -4675,6 +4616,9 @@
               </a:spcBef>
               <a:buNone/>
             </a:pPr>
+            <a:r>
+              <a:t/>
+            </a:r>
             <a:endParaRPr/>
           </a:p>
         </p:txBody>
@@ -4686,18 +4630,13 @@
           <p:nvPr/>
         </p:nvSpPr>
         <p:spPr>
-          <a:xfrm rot="10800000" flipH="1">
+          <a:xfrm flipH="1" rot="10800000">
             <a:off x="0" y="-703"/>
             <a:ext cx="9143999" cy="1086553"/>
           </a:xfrm>
           <a:custGeom>
-            <a:avLst/>
-            <a:gdLst/>
-            <a:ahLst/>
-            <a:cxnLst/>
-            <a:rect l="0" t="0" r="0" b="0"/>
             <a:pathLst>
-              <a:path w="9144000" h="1366734" extrusionOk="0">
+              <a:path extrusionOk="0" h="1366734" w="9144000">
                 <a:moveTo>
                   <a:pt x="0" y="1366734"/>
                 </a:moveTo>
@@ -4739,7 +4678,7 @@
           </a:ln>
         </p:spPr>
         <p:txBody>
-          <a:bodyPr lIns="91425" tIns="45700" rIns="91425" bIns="45700" anchor="ctr" anchorCtr="0">
+          <a:bodyPr anchorCtr="0" anchor="ctr" bIns="45700" lIns="91425" rIns="91425" tIns="45700">
             <a:noAutofit/>
           </a:bodyPr>
           <a:lstStyle/>
@@ -4750,6 +4689,9 @@
               </a:spcBef>
               <a:buNone/>
             </a:pPr>
+            <a:r>
+              <a:t/>
+            </a:r>
             <a:endParaRPr/>
           </a:p>
         </p:txBody>
@@ -4757,11 +4699,9 @@
       <p:sp>
         <p:nvSpPr>
           <p:cNvPr id="61" name="Shape 61"/>
-          <p:cNvSpPr txBox="1">
-            <a:spLocks noGrp="1"/>
-          </p:cNvSpPr>
+          <p:cNvSpPr txBox="1"/>
           <p:nvPr>
-            <p:ph type="body" idx="1"/>
+            <p:ph idx="1" type="body"/>
           </p:nvPr>
         </p:nvSpPr>
         <p:spPr>
@@ -4774,7 +4714,7 @@
           </a:prstGeom>
         </p:spPr>
         <p:txBody>
-          <a:bodyPr lIns="91425" tIns="91425" rIns="91425" bIns="91425" anchor="b" anchorCtr="0"/>
+          <a:bodyPr anchorCtr="0" anchor="b" bIns="91425" lIns="91425" rIns="91425" tIns="91425"/>
           <a:lstStyle>
             <a:lvl1pPr>
               <a:spcBef>
@@ -4785,9 +4725,7 @@
               <a:defRPr sz="1800"/>
             </a:lvl1pPr>
           </a:lstStyle>
-          <a:p>
-            <a:endParaRPr/>
-          </a:p>
+          <a:p/>
         </p:txBody>
       </p:sp>
       <p:sp>
@@ -4797,18 +4735,13 @@
           <p:nvPr/>
         </p:nvSpPr>
         <p:spPr>
-          <a:xfrm rot="10800000" flipH="1">
+          <a:xfrm flipH="1" rot="10800000">
             <a:off x="0" y="0"/>
             <a:ext cx="9143999" cy="1025050"/>
           </a:xfrm>
           <a:custGeom>
-            <a:avLst/>
-            <a:gdLst/>
-            <a:ahLst/>
-            <a:cxnLst/>
-            <a:rect l="0" t="0" r="0" b="0"/>
             <a:pathLst>
-              <a:path w="9144000" h="1366734" extrusionOk="0">
+              <a:path extrusionOk="0" h="1366734" w="9144000">
                 <a:moveTo>
                   <a:pt x="0" y="1366734"/>
                 </a:moveTo>
@@ -4848,7 +4781,7 @@
           </a:ln>
         </p:spPr>
         <p:txBody>
-          <a:bodyPr lIns="91425" tIns="45700" rIns="91425" bIns="45700" anchor="ctr" anchorCtr="0">
+          <a:bodyPr anchorCtr="0" anchor="ctr" bIns="45700" lIns="91425" rIns="91425" tIns="45700">
             <a:noAutofit/>
           </a:bodyPr>
           <a:lstStyle/>
@@ -4859,6 +4792,9 @@
               </a:spcBef>
               <a:buNone/>
             </a:pPr>
+            <a:r>
+              <a:t/>
+            </a:r>
             <a:endParaRPr/>
           </a:p>
         </p:txBody>
@@ -4875,13 +4811,8 @@
             <a:ext cx="7394209" cy="237220"/>
           </a:xfrm>
           <a:custGeom>
-            <a:avLst/>
-            <a:gdLst/>
-            <a:ahLst/>
-            <a:cxnLst/>
-            <a:rect l="0" t="0" r="0" b="0"/>
             <a:pathLst>
-              <a:path w="7391900" h="315950" extrusionOk="0">
+              <a:path extrusionOk="0" h="315950" w="7391900">
                 <a:moveTo>
                   <a:pt x="5410200" y="0"/>
                 </a:moveTo>
@@ -4918,7 +4849,7 @@
           </a:ln>
         </p:spPr>
         <p:txBody>
-          <a:bodyPr lIns="91425" tIns="45700" rIns="91425" bIns="45700" anchor="ctr" anchorCtr="0">
+          <a:bodyPr anchorCtr="0" anchor="ctr" bIns="45700" lIns="91425" rIns="91425" tIns="45700">
             <a:noAutofit/>
           </a:bodyPr>
           <a:lstStyle/>
@@ -4929,6 +4860,9 @@
               </a:spcBef>
               <a:buNone/>
             </a:pPr>
+            <a:r>
+              <a:t/>
+            </a:r>
             <a:endParaRPr/>
           </a:p>
         </p:txBody>
@@ -4945,13 +4879,8 @@
             <a:ext cx="9143999" cy="401193"/>
           </a:xfrm>
           <a:custGeom>
-            <a:avLst/>
-            <a:gdLst/>
-            <a:ahLst/>
-            <a:cxnLst/>
-            <a:rect l="0" t="0" r="0" b="0"/>
             <a:pathLst>
-              <a:path w="9144000" h="990600" extrusionOk="0">
+              <a:path extrusionOk="0" h="990600" w="9144000">
                 <a:moveTo>
                   <a:pt x="0" y="0"/>
                 </a:moveTo>
@@ -4979,7 +4908,7 @@
           </a:ln>
         </p:spPr>
         <p:txBody>
-          <a:bodyPr lIns="91425" tIns="45700" rIns="91425" bIns="45700" anchor="ctr" anchorCtr="0">
+          <a:bodyPr anchorCtr="0" anchor="ctr" bIns="45700" lIns="91425" rIns="91425" tIns="45700">
             <a:noAutofit/>
           </a:bodyPr>
           <a:lstStyle/>
@@ -4990,6 +4919,9 @@
               </a:spcBef>
               <a:buNone/>
             </a:pPr>
+            <a:r>
+              <a:t/>
+            </a:r>
             <a:endParaRPr/>
           </a:p>
         </p:txBody>
@@ -4997,11 +4929,9 @@
       <p:sp>
         <p:nvSpPr>
           <p:cNvPr id="65" name="Shape 65"/>
-          <p:cNvSpPr txBox="1">
-            <a:spLocks noGrp="1"/>
-          </p:cNvSpPr>
+          <p:cNvSpPr txBox="1"/>
           <p:nvPr>
-            <p:ph type="sldNum" idx="12"/>
+            <p:ph idx="12" type="sldNum"/>
           </p:nvPr>
         </p:nvSpPr>
         <p:spPr>
@@ -5014,7 +4944,7 @@
           </a:prstGeom>
         </p:spPr>
         <p:txBody>
-          <a:bodyPr lIns="91425" tIns="91425" rIns="91425" bIns="91425" anchor="ctr" anchorCtr="0">
+          <a:bodyPr anchorCtr="0" anchor="ctr" bIns="91425" lIns="91425" rIns="91425" tIns="91425">
             <a:noAutofit/>
           </a:bodyPr>
           <a:lstStyle>
@@ -5037,7 +4967,6 @@
               <a:rPr lang="en"/>
               <a:t>‹#›</a:t>
             </a:fld>
-            <a:endParaRPr lang="en"/>
           </a:p>
         </p:txBody>
       </p:sp>
@@ -5050,11 +4979,11 @@
 </file>
 
 <file path=ppt/slideLayouts/slideLayout6.xml><?xml version="1.0" encoding="utf-8"?>
-<p:sldLayout xmlns:a="http://schemas.openxmlformats.org/drawingml/2006/main" xmlns:r="http://schemas.openxmlformats.org/officeDocument/2006/relationships" xmlns:p="http://schemas.openxmlformats.org/presentationml/2006/main" type="blank">
+<p:sldLayout xmlns:a="http://schemas.openxmlformats.org/drawingml/2006/main" xmlns:r="http://schemas.openxmlformats.org/officeDocument/2006/relationships" xmlns:mc="http://schemas.openxmlformats.org/markup-compatibility/2006" xmlns:mv="urn:schemas-microsoft-com:mac:vml" xmlns:p="http://schemas.openxmlformats.org/presentationml/2006/main" xmlns:c="http://schemas.openxmlformats.org/drawingml/2006/chart" xmlns:dgm="http://schemas.openxmlformats.org/drawingml/2006/diagram" xmlns:o="urn:schemas-microsoft-com:office:office" xmlns:v="urn:schemas-microsoft-com:vml" xmlns:pvml="urn:schemas-microsoft-com:office:powerpoint" xmlns:com="http://schemas.openxmlformats.org/drawingml/2006/compatibility" xmlns:p14="http://schemas.microsoft.com/office/powerpoint/2010/main" type="blank">
   <p:cSld name="Blank">
     <p:spTree>
       <p:nvGrpSpPr>
-        <p:cNvPr id="1" name="Shape 66"/>
+        <p:cNvPr id="66" name="Shape 66"/>
         <p:cNvGrpSpPr/>
         <p:nvPr/>
       </p:nvGrpSpPr>
@@ -5078,13 +5007,8 @@
             <a:ext cx="9143999" cy="401193"/>
           </a:xfrm>
           <a:custGeom>
-            <a:avLst/>
-            <a:gdLst/>
-            <a:ahLst/>
-            <a:cxnLst/>
-            <a:rect l="0" t="0" r="0" b="0"/>
             <a:pathLst>
-              <a:path w="9144000" h="990600" extrusionOk="0">
+              <a:path extrusionOk="0" h="990600" w="9144000">
                 <a:moveTo>
                   <a:pt x="0" y="0"/>
                 </a:moveTo>
@@ -5114,7 +5038,7 @@
           </a:ln>
         </p:spPr>
         <p:txBody>
-          <a:bodyPr lIns="91425" tIns="45700" rIns="91425" bIns="45700" anchor="ctr" anchorCtr="0">
+          <a:bodyPr anchorCtr="0" anchor="ctr" bIns="45700" lIns="91425" rIns="91425" tIns="45700">
             <a:noAutofit/>
           </a:bodyPr>
           <a:lstStyle/>
@@ -5125,6 +5049,9 @@
               </a:spcBef>
               <a:buNone/>
             </a:pPr>
+            <a:r>
+              <a:t/>
+            </a:r>
             <a:endParaRPr/>
           </a:p>
         </p:txBody>
@@ -5141,13 +5068,8 @@
             <a:ext cx="7394209" cy="220614"/>
           </a:xfrm>
           <a:custGeom>
-            <a:avLst/>
-            <a:gdLst/>
-            <a:ahLst/>
-            <a:cxnLst/>
-            <a:rect l="0" t="0" r="0" b="0"/>
             <a:pathLst>
-              <a:path w="7391900" h="315950" extrusionOk="0">
+              <a:path extrusionOk="0" h="315950" w="7391900">
                 <a:moveTo>
                   <a:pt x="5410200" y="0"/>
                 </a:moveTo>
@@ -5186,7 +5108,7 @@
           </a:ln>
         </p:spPr>
         <p:txBody>
-          <a:bodyPr lIns="91425" tIns="45700" rIns="91425" bIns="45700" anchor="ctr" anchorCtr="0">
+          <a:bodyPr anchorCtr="0" anchor="ctr" bIns="45700" lIns="91425" rIns="91425" tIns="45700">
             <a:noAutofit/>
           </a:bodyPr>
           <a:lstStyle/>
@@ -5197,6 +5119,9 @@
               </a:spcBef>
               <a:buNone/>
             </a:pPr>
+            <a:r>
+              <a:t/>
+            </a:r>
             <a:endParaRPr/>
           </a:p>
         </p:txBody>
@@ -5208,18 +5133,13 @@
           <p:nvPr/>
         </p:nvSpPr>
         <p:spPr>
-          <a:xfrm rot="10800000" flipH="1">
+          <a:xfrm flipH="1" rot="10800000">
             <a:off x="0" y="-703"/>
             <a:ext cx="9143999" cy="1086553"/>
           </a:xfrm>
           <a:custGeom>
-            <a:avLst/>
-            <a:gdLst/>
-            <a:ahLst/>
-            <a:cxnLst/>
-            <a:rect l="0" t="0" r="0" b="0"/>
             <a:pathLst>
-              <a:path w="9144000" h="1366734" extrusionOk="0">
+              <a:path extrusionOk="0" h="1366734" w="9144000">
                 <a:moveTo>
                   <a:pt x="0" y="1366734"/>
                 </a:moveTo>
@@ -5261,7 +5181,7 @@
           </a:ln>
         </p:spPr>
         <p:txBody>
-          <a:bodyPr lIns="91425" tIns="45700" rIns="91425" bIns="45700" anchor="ctr" anchorCtr="0">
+          <a:bodyPr anchorCtr="0" anchor="ctr" bIns="45700" lIns="91425" rIns="91425" tIns="45700">
             <a:noAutofit/>
           </a:bodyPr>
           <a:lstStyle/>
@@ -5272,6 +5192,9 @@
               </a:spcBef>
               <a:buNone/>
             </a:pPr>
+            <a:r>
+              <a:t/>
+            </a:r>
             <a:endParaRPr/>
           </a:p>
         </p:txBody>
@@ -5283,18 +5206,13 @@
           <p:nvPr/>
         </p:nvSpPr>
         <p:spPr>
-          <a:xfrm rot="10800000" flipH="1">
+          <a:xfrm flipH="1" rot="10800000">
             <a:off x="0" y="0"/>
             <a:ext cx="9143999" cy="1025050"/>
           </a:xfrm>
           <a:custGeom>
-            <a:avLst/>
-            <a:gdLst/>
-            <a:ahLst/>
-            <a:cxnLst/>
-            <a:rect l="0" t="0" r="0" b="0"/>
             <a:pathLst>
-              <a:path w="9144000" h="1366734" extrusionOk="0">
+              <a:path extrusionOk="0" h="1366734" w="9144000">
                 <a:moveTo>
                   <a:pt x="0" y="1366734"/>
                 </a:moveTo>
@@ -5334,7 +5252,7 @@
           </a:ln>
         </p:spPr>
         <p:txBody>
-          <a:bodyPr lIns="91425" tIns="45700" rIns="91425" bIns="45700" anchor="ctr" anchorCtr="0">
+          <a:bodyPr anchorCtr="0" anchor="ctr" bIns="45700" lIns="91425" rIns="91425" tIns="45700">
             <a:noAutofit/>
           </a:bodyPr>
           <a:lstStyle/>
@@ -5345,6 +5263,9 @@
               </a:spcBef>
               <a:buNone/>
             </a:pPr>
+            <a:r>
+              <a:t/>
+            </a:r>
             <a:endParaRPr/>
           </a:p>
         </p:txBody>
@@ -5361,13 +5282,8 @@
             <a:ext cx="7394209" cy="237220"/>
           </a:xfrm>
           <a:custGeom>
-            <a:avLst/>
-            <a:gdLst/>
-            <a:ahLst/>
-            <a:cxnLst/>
-            <a:rect l="0" t="0" r="0" b="0"/>
             <a:pathLst>
-              <a:path w="7391900" h="315950" extrusionOk="0">
+              <a:path extrusionOk="0" h="315950" w="7391900">
                 <a:moveTo>
                   <a:pt x="5410200" y="0"/>
                 </a:moveTo>
@@ -5404,7 +5320,7 @@
           </a:ln>
         </p:spPr>
         <p:txBody>
-          <a:bodyPr lIns="91425" tIns="45700" rIns="91425" bIns="45700" anchor="ctr" anchorCtr="0">
+          <a:bodyPr anchorCtr="0" anchor="ctr" bIns="45700" lIns="91425" rIns="91425" tIns="45700">
             <a:noAutofit/>
           </a:bodyPr>
           <a:lstStyle/>
@@ -5415,6 +5331,9 @@
               </a:spcBef>
               <a:buNone/>
             </a:pPr>
+            <a:r>
+              <a:t/>
+            </a:r>
             <a:endParaRPr/>
           </a:p>
         </p:txBody>
@@ -5431,13 +5350,8 @@
             <a:ext cx="9143999" cy="401193"/>
           </a:xfrm>
           <a:custGeom>
-            <a:avLst/>
-            <a:gdLst/>
-            <a:ahLst/>
-            <a:cxnLst/>
-            <a:rect l="0" t="0" r="0" b="0"/>
             <a:pathLst>
-              <a:path w="9144000" h="990600" extrusionOk="0">
+              <a:path extrusionOk="0" h="990600" w="9144000">
                 <a:moveTo>
                   <a:pt x="0" y="0"/>
                 </a:moveTo>
@@ -5465,7 +5379,7 @@
           </a:ln>
         </p:spPr>
         <p:txBody>
-          <a:bodyPr lIns="91425" tIns="45700" rIns="91425" bIns="45700" anchor="ctr" anchorCtr="0">
+          <a:bodyPr anchorCtr="0" anchor="ctr" bIns="45700" lIns="91425" rIns="91425" tIns="45700">
             <a:noAutofit/>
           </a:bodyPr>
           <a:lstStyle/>
@@ -5476,6 +5390,9 @@
               </a:spcBef>
               <a:buNone/>
             </a:pPr>
+            <a:r>
+              <a:t/>
+            </a:r>
             <a:endParaRPr/>
           </a:p>
         </p:txBody>
@@ -5483,11 +5400,9 @@
       <p:sp>
         <p:nvSpPr>
           <p:cNvPr id="73" name="Shape 73"/>
-          <p:cNvSpPr txBox="1">
-            <a:spLocks noGrp="1"/>
-          </p:cNvSpPr>
+          <p:cNvSpPr txBox="1"/>
           <p:nvPr>
-            <p:ph type="sldNum" idx="12"/>
+            <p:ph idx="12" type="sldNum"/>
           </p:nvPr>
         </p:nvSpPr>
         <p:spPr>
@@ -5500,7 +5415,7 @@
           </a:prstGeom>
         </p:spPr>
         <p:txBody>
-          <a:bodyPr lIns="91425" tIns="91425" rIns="91425" bIns="91425" anchor="ctr" anchorCtr="0">
+          <a:bodyPr anchorCtr="0" anchor="ctr" bIns="91425" lIns="91425" rIns="91425" tIns="91425">
             <a:noAutofit/>
           </a:bodyPr>
           <a:lstStyle>
@@ -5523,7 +5438,6 @@
               <a:rPr lang="en"/>
               <a:t>‹#›</a:t>
             </a:fld>
-            <a:endParaRPr lang="en"/>
           </a:p>
         </p:txBody>
       </p:sp>
@@ -5536,7 +5450,7 @@
 </file>
 
 <file path=ppt/slideMasters/slideMaster1.xml><?xml version="1.0" encoding="utf-8"?>
-<p:sldMaster xmlns:a="http://schemas.openxmlformats.org/drawingml/2006/main" xmlns:r="http://schemas.openxmlformats.org/officeDocument/2006/relationships" xmlns:p="http://schemas.openxmlformats.org/presentationml/2006/main">
+<p:sldMaster xmlns:a="http://schemas.openxmlformats.org/drawingml/2006/main" xmlns:r="http://schemas.openxmlformats.org/officeDocument/2006/relationships" xmlns:mc="http://schemas.openxmlformats.org/markup-compatibility/2006" xmlns:mv="urn:schemas-microsoft-com:mac:vml" xmlns:p="http://schemas.openxmlformats.org/presentationml/2006/main" xmlns:c="http://schemas.openxmlformats.org/drawingml/2006/chart" xmlns:dgm="http://schemas.openxmlformats.org/drawingml/2006/diagram" xmlns:o="urn:schemas-microsoft-com:office:office" xmlns:v="urn:schemas-microsoft-com:vml" xmlns:pvml="urn:schemas-microsoft-com:office:powerpoint" xmlns:com="http://schemas.openxmlformats.org/drawingml/2006/compatibility" xmlns:p14="http://schemas.microsoft.com/office/powerpoint/2010/main">
   <p:cSld>
     <p:bg>
       <p:bgPr>
@@ -5551,12 +5465,11 @@
           </a:gsLst>
           <a:lin ang="5400000" scaled="0"/>
         </a:gradFill>
-        <a:effectLst/>
       </p:bgPr>
     </p:bg>
     <p:spTree>
       <p:nvGrpSpPr>
-        <p:cNvPr id="1" name="Shape 4"/>
+        <p:cNvPr id="4" name="Shape 4"/>
         <p:cNvGrpSpPr/>
         <p:nvPr/>
       </p:nvGrpSpPr>
@@ -5583,14 +5496,14 @@
             <a:avLst/>
           </a:prstGeom>
           <a:noFill/>
-          <a:ln w="107950" cap="flat">
+          <a:ln cap="flat" w="107950">
             <a:solidFill>
               <a:srgbClr val="D23927"/>
             </a:solidFill>
             <a:prstDash val="solid"/>
             <a:round/>
-            <a:headEnd type="none" w="med" len="med"/>
-            <a:tailEnd type="none" w="med" len="med"/>
+            <a:headEnd len="med" w="med" type="none"/>
+            <a:tailEnd len="med" w="med" type="none"/>
           </a:ln>
         </p:spPr>
       </p:cxnSp>
@@ -5609,14 +5522,14 @@
             <a:avLst/>
           </a:prstGeom>
           <a:noFill/>
-          <a:ln w="114300" cap="flat">
+          <a:ln cap="flat" w="114300">
             <a:solidFill>
               <a:srgbClr val="D23927"/>
             </a:solidFill>
             <a:prstDash val="solid"/>
             <a:round/>
-            <a:headEnd type="none" w="med" len="med"/>
-            <a:tailEnd type="none" w="med" len="med"/>
+            <a:headEnd len="med" w="med" type="none"/>
+            <a:tailEnd len="med" w="med" type="none"/>
           </a:ln>
         </p:spPr>
       </p:cxnSp>
@@ -5635,14 +5548,14 @@
             <a:avLst/>
           </a:prstGeom>
           <a:noFill/>
-          <a:ln w="69850" cap="flat">
+          <a:ln cap="flat" w="69850">
             <a:solidFill>
               <a:srgbClr val="D23927"/>
             </a:solidFill>
             <a:prstDash val="solid"/>
             <a:round/>
-            <a:headEnd type="none" w="med" len="med"/>
-            <a:tailEnd type="none" w="med" len="med"/>
+            <a:headEnd len="med" w="med" type="none"/>
+            <a:tailEnd len="med" w="med" type="none"/>
           </a:ln>
         </p:spPr>
       </p:cxnSp>
@@ -5661,14 +5574,14 @@
             <a:avLst/>
           </a:prstGeom>
           <a:noFill/>
-          <a:ln w="152400" cap="flat">
+          <a:ln cap="flat" w="152400">
             <a:solidFill>
               <a:srgbClr val="D23927"/>
             </a:solidFill>
             <a:prstDash val="solid"/>
             <a:round/>
-            <a:headEnd type="none" w="med" len="med"/>
-            <a:tailEnd type="none" w="med" len="med"/>
+            <a:headEnd len="med" w="med" type="none"/>
+            <a:tailEnd len="med" w="med" type="none"/>
           </a:ln>
         </p:spPr>
       </p:cxnSp>
@@ -5684,13 +5597,8 @@
             <a:ext cx="1698625" cy="4972047"/>
           </a:xfrm>
           <a:custGeom>
-            <a:avLst/>
-            <a:gdLst/>
-            <a:ahLst/>
-            <a:cxnLst/>
-            <a:rect l="0" t="0" r="0" b="0"/>
             <a:pathLst>
-              <a:path w="1070" h="4154" extrusionOk="0">
+              <a:path extrusionOk="0" h="4154" w="1070">
                 <a:moveTo>
                   <a:pt x="4" y="0"/>
                 </a:moveTo>
@@ -5872,18 +5780,18 @@
             </a:pathLst>
           </a:custGeom>
           <a:noFill/>
-          <a:ln w="25400" cap="flat">
+          <a:ln cap="flat" w="25400">
             <a:solidFill>
               <a:srgbClr val="D23927"/>
             </a:solidFill>
             <a:prstDash val="solid"/>
             <a:round/>
-            <a:headEnd type="none" w="med" len="med"/>
-            <a:tailEnd type="none" w="med" len="med"/>
+            <a:headEnd len="med" w="med" type="none"/>
+            <a:tailEnd len="med" w="med" type="none"/>
           </a:ln>
         </p:spPr>
         <p:txBody>
-          <a:bodyPr lIns="91425" tIns="45700" rIns="91425" bIns="45700" anchor="t" anchorCtr="0">
+          <a:bodyPr anchorCtr="0" anchor="t" bIns="45700" lIns="91425" rIns="91425" tIns="45700">
             <a:noAutofit/>
           </a:bodyPr>
           <a:lstStyle/>
@@ -5894,6 +5802,9 @@
               </a:spcBef>
               <a:buNone/>
             </a:pPr>
+            <a:r>
+              <a:t/>
+            </a:r>
             <a:endParaRPr/>
           </a:p>
         </p:txBody>
@@ -5910,13 +5821,8 @@
             <a:ext cx="1181100" cy="597693"/>
           </a:xfrm>
           <a:custGeom>
-            <a:avLst/>
-            <a:gdLst/>
-            <a:ahLst/>
-            <a:cxnLst/>
-            <a:rect l="0" t="0" r="0" b="0"/>
             <a:pathLst>
-              <a:path w="744" h="502" extrusionOk="0">
+              <a:path extrusionOk="0" h="502" w="744">
                 <a:moveTo>
                   <a:pt x="0" y="502"/>
                 </a:moveTo>
@@ -5999,18 +5905,18 @@
             </a:pathLst>
           </a:custGeom>
           <a:noFill/>
-          <a:ln w="25400" cap="flat">
+          <a:ln cap="flat" w="25400">
             <a:solidFill>
               <a:srgbClr val="CB2813"/>
             </a:solidFill>
             <a:prstDash val="solid"/>
             <a:round/>
-            <a:headEnd type="none" w="med" len="med"/>
-            <a:tailEnd type="none" w="med" len="med"/>
+            <a:headEnd len="med" w="med" type="none"/>
+            <a:tailEnd len="med" w="med" type="none"/>
           </a:ln>
         </p:spPr>
         <p:txBody>
-          <a:bodyPr lIns="91425" tIns="45700" rIns="91425" bIns="45700" anchor="t" anchorCtr="0">
+          <a:bodyPr anchorCtr="0" anchor="t" bIns="45700" lIns="91425" rIns="91425" tIns="45700">
             <a:noAutofit/>
           </a:bodyPr>
           <a:lstStyle/>
@@ -6021,6 +5927,9 @@
               </a:spcBef>
               <a:buNone/>
             </a:pPr>
+            <a:r>
+              <a:t/>
+            </a:r>
             <a:endParaRPr/>
           </a:p>
         </p:txBody>
@@ -6037,13 +5946,8 @@
             <a:ext cx="777875" cy="1955006"/>
           </a:xfrm>
           <a:custGeom>
-            <a:avLst/>
-            <a:gdLst/>
-            <a:ahLst/>
-            <a:cxnLst/>
-            <a:rect l="0" t="0" r="0" b="0"/>
             <a:pathLst>
-              <a:path w="490" h="1642" extrusionOk="0">
+              <a:path extrusionOk="0" h="1642" w="490">
                 <a:moveTo>
                   <a:pt x="0" y="1642"/>
                 </a:moveTo>
@@ -6132,18 +6036,18 @@
             </a:pathLst>
           </a:custGeom>
           <a:noFill/>
-          <a:ln w="25400" cap="flat">
+          <a:ln cap="flat" w="25400">
             <a:solidFill>
               <a:srgbClr val="D0331F"/>
             </a:solidFill>
             <a:prstDash val="solid"/>
             <a:round/>
-            <a:headEnd type="none" w="med" len="med"/>
-            <a:tailEnd type="none" w="med" len="med"/>
+            <a:headEnd len="med" w="med" type="none"/>
+            <a:tailEnd len="med" w="med" type="none"/>
           </a:ln>
         </p:spPr>
         <p:txBody>
-          <a:bodyPr lIns="91425" tIns="45700" rIns="91425" bIns="45700" anchor="t" anchorCtr="0">
+          <a:bodyPr anchorCtr="0" anchor="t" bIns="45700" lIns="91425" rIns="91425" tIns="45700">
             <a:noAutofit/>
           </a:bodyPr>
           <a:lstStyle/>
@@ -6154,6 +6058,9 @@
               </a:spcBef>
               <a:buNone/>
             </a:pPr>
+            <a:r>
+              <a:t/>
+            </a:r>
             <a:endParaRPr/>
           </a:p>
         </p:txBody>
@@ -6161,9 +6068,7 @@
       <p:sp>
         <p:nvSpPr>
           <p:cNvPr id="12" name="Shape 12"/>
-          <p:cNvSpPr txBox="1">
-            <a:spLocks noGrp="1"/>
-          </p:cNvSpPr>
+          <p:cNvSpPr txBox="1"/>
           <p:nvPr>
             <p:ph type="title"/>
           </p:nvPr>
@@ -6182,7 +6087,7 @@
           </a:ln>
         </p:spPr>
         <p:txBody>
-          <a:bodyPr lIns="91425" tIns="91425" rIns="91425" bIns="91425" anchor="ctr" anchorCtr="0"/>
+          <a:bodyPr anchorCtr="0" anchor="ctr" bIns="91425" lIns="91425" rIns="91425" tIns="91425"/>
           <a:lstStyle>
             <a:lvl1pPr>
               <a:spcBef>
@@ -6365,19 +6270,15 @@
               </a:defRPr>
             </a:lvl9pPr>
           </a:lstStyle>
-          <a:p>
-            <a:endParaRPr/>
-          </a:p>
+          <a:p/>
         </p:txBody>
       </p:sp>
       <p:sp>
         <p:nvSpPr>
           <p:cNvPr id="13" name="Shape 13"/>
-          <p:cNvSpPr txBox="1">
-            <a:spLocks noGrp="1"/>
-          </p:cNvSpPr>
+          <p:cNvSpPr txBox="1"/>
           <p:nvPr>
-            <p:ph type="body" idx="1"/>
+            <p:ph idx="1" type="body"/>
           </p:nvPr>
         </p:nvSpPr>
         <p:spPr>
@@ -6394,7 +6295,7 @@
           </a:ln>
         </p:spPr>
         <p:txBody>
-          <a:bodyPr lIns="91425" tIns="91425" rIns="91425" bIns="91425" anchor="t" anchorCtr="0"/>
+          <a:bodyPr anchorCtr="0" anchor="t" bIns="91425" lIns="91425" rIns="91425" tIns="91425"/>
           <a:lstStyle>
             <a:lvl1pPr>
               <a:spcBef>
@@ -6568,19 +6469,15 @@
               </a:defRPr>
             </a:lvl9pPr>
           </a:lstStyle>
-          <a:p>
-            <a:endParaRPr/>
-          </a:p>
+          <a:p/>
         </p:txBody>
       </p:sp>
       <p:sp>
         <p:nvSpPr>
           <p:cNvPr id="14" name="Shape 14"/>
-          <p:cNvSpPr txBox="1">
-            <a:spLocks noGrp="1"/>
-          </p:cNvSpPr>
+          <p:cNvSpPr txBox="1"/>
           <p:nvPr>
-            <p:ph type="sldNum" idx="12"/>
+            <p:ph idx="12" type="sldNum"/>
           </p:nvPr>
         </p:nvSpPr>
         <p:spPr>
@@ -6597,7 +6494,7 @@
           </a:ln>
         </p:spPr>
         <p:txBody>
-          <a:bodyPr lIns="91425" tIns="91425" rIns="91425" bIns="91425" anchor="ctr" anchorCtr="0">
+          <a:bodyPr anchorCtr="0" anchor="ctr" bIns="91425" lIns="91425" rIns="91425" tIns="91425">
             <a:noAutofit/>
           </a:bodyPr>
           <a:lstStyle>
@@ -6628,13 +6525,12 @@
               <a:rPr lang="en"/>
               <a:t>‹#›</a:t>
             </a:fld>
-            <a:endParaRPr lang="en"/>
           </a:p>
         </p:txBody>
       </p:sp>
     </p:spTree>
   </p:cSld>
-  <p:clrMap bg1="lt1" tx1="dk1" bg2="dk2" tx2="lt2" accent1="accent1" accent2="accent2" accent3="accent3" accent4="accent4" accent5="accent5" accent6="accent6" hlink="hlink" folHlink="folHlink"/>
+  <p:clrMap accent1="accent1" accent2="accent2" accent3="accent3" accent4="accent4" accent5="accent5" accent6="accent6" bg1="lt1" bg2="dk2" tx1="dk1" tx2="lt2" folHlink="folHlink" hlink="hlink"/>
   <p:sldLayoutIdLst>
     <p:sldLayoutId id="2147483648" r:id="rId1"/>
     <p:sldLayoutId id="2147483649" r:id="rId2"/>
@@ -6643,10 +6539,10 @@
     <p:sldLayoutId id="2147483652" r:id="rId5"/>
     <p:sldLayoutId id="2147483653" r:id="rId6"/>
   </p:sldLayoutIdLst>
-  <p:hf sldNum="0" hdr="0" ftr="0" dt="0"/>
+  <p:hf dt="0" ftr="0" hdr="0" sldNum="0"/>
   <p:txStyles>
     <p:titleStyle>
-      <a:defPPr marR="0" algn="l" rtl="0">
+      <a:defPPr marR="0" rtl="0" algn="l">
         <a:lnSpc>
           <a:spcPct val="100000"/>
         </a:lnSpc>
@@ -6657,7 +6553,7 @@
           <a:spcPts val="0"/>
         </a:spcAft>
       </a:defPPr>
-      <a:lvl1pPr marR="0" algn="l" rtl="0">
+      <a:lvl1pPr marR="0" rtl="0" algn="l">
         <a:lnSpc>
           <a:spcPct val="100000"/>
         </a:lnSpc>
@@ -6668,7 +6564,7 @@
           <a:spcPts val="0"/>
         </a:spcAft>
         <a:buNone/>
-        <a:defRPr sz="1400" b="0" i="0" u="none" strike="noStrike" cap="none" baseline="0">
+        <a:defRPr b="0" baseline="0" i="0" sz="1400" u="none" cap="none" strike="noStrike">
           <a:solidFill>
             <a:srgbClr val="000000"/>
           </a:solidFill>
@@ -6679,7 +6575,7 @@
           <a:rtl val="0"/>
         </a:defRPr>
       </a:lvl1pPr>
-      <a:lvl2pPr marR="0" algn="l" rtl="0">
+      <a:lvl2pPr marR="0" rtl="0" algn="l">
         <a:lnSpc>
           <a:spcPct val="100000"/>
         </a:lnSpc>
@@ -6690,7 +6586,7 @@
           <a:spcPts val="0"/>
         </a:spcAft>
         <a:buNone/>
-        <a:defRPr sz="1400" b="0" i="0" u="none" strike="noStrike" cap="none" baseline="0">
+        <a:defRPr b="0" baseline="0" i="0" sz="1400" u="none" cap="none" strike="noStrike">
           <a:solidFill>
             <a:srgbClr val="000000"/>
           </a:solidFill>
@@ -6703,7 +6599,7 @@
       </a:lvl2pPr>
     </p:titleStyle>
     <p:bodyStyle>
-      <a:defPPr marR="0" algn="l" rtl="0">
+      <a:defPPr marR="0" rtl="0" algn="l">
         <a:lnSpc>
           <a:spcPct val="100000"/>
         </a:lnSpc>
@@ -6714,7 +6610,7 @@
           <a:spcPts val="0"/>
         </a:spcAft>
       </a:defPPr>
-      <a:lvl1pPr marR="0" algn="l" rtl="0">
+      <a:lvl1pPr marR="0" rtl="0" algn="l">
         <a:lnSpc>
           <a:spcPct val="100000"/>
         </a:lnSpc>
@@ -6725,7 +6621,7 @@
           <a:spcPts val="0"/>
         </a:spcAft>
         <a:buNone/>
-        <a:defRPr sz="1400" b="0" i="0" u="none" strike="noStrike" cap="none" baseline="0">
+        <a:defRPr b="0" baseline="0" i="0" sz="1400" u="none" cap="none" strike="noStrike">
           <a:solidFill>
             <a:srgbClr val="000000"/>
           </a:solidFill>
@@ -6736,7 +6632,7 @@
           <a:rtl val="0"/>
         </a:defRPr>
       </a:lvl1pPr>
-      <a:lvl2pPr marR="0" algn="l" rtl="0">
+      <a:lvl2pPr marR="0" rtl="0" algn="l">
         <a:lnSpc>
           <a:spcPct val="100000"/>
         </a:lnSpc>
@@ -6747,7 +6643,7 @@
           <a:spcPts val="0"/>
         </a:spcAft>
         <a:buNone/>
-        <a:defRPr sz="1400" b="0" i="0" u="none" strike="noStrike" cap="none" baseline="0">
+        <a:defRPr b="0" baseline="0" i="0" sz="1400" u="none" cap="none" strike="noStrike">
           <a:solidFill>
             <a:srgbClr val="000000"/>
           </a:solidFill>
@@ -6758,7 +6654,7 @@
           <a:rtl val="0"/>
         </a:defRPr>
       </a:lvl2pPr>
-      <a:lvl3pPr marR="0" algn="l" rtl="0">
+      <a:lvl3pPr marR="0" rtl="0" algn="l">
         <a:lnSpc>
           <a:spcPct val="100000"/>
         </a:lnSpc>
@@ -6769,7 +6665,7 @@
           <a:spcPts val="0"/>
         </a:spcAft>
         <a:buNone/>
-        <a:defRPr sz="1400" b="0" i="0" u="none" strike="noStrike" cap="none" baseline="0">
+        <a:defRPr b="0" baseline="0" i="0" sz="1400" u="none" cap="none" strike="noStrike">
           <a:solidFill>
             <a:srgbClr val="000000"/>
           </a:solidFill>
@@ -6780,7 +6676,7 @@
           <a:rtl val="0"/>
         </a:defRPr>
       </a:lvl3pPr>
-      <a:lvl4pPr marR="0" algn="l" rtl="0">
+      <a:lvl4pPr marR="0" rtl="0" algn="l">
         <a:lnSpc>
           <a:spcPct val="100000"/>
         </a:lnSpc>
@@ -6791,7 +6687,7 @@
           <a:spcPts val="0"/>
         </a:spcAft>
         <a:buNone/>
-        <a:defRPr sz="1400" b="0" i="0" u="none" strike="noStrike" cap="none" baseline="0">
+        <a:defRPr b="0" baseline="0" i="0" sz="1400" u="none" cap="none" strike="noStrike">
           <a:solidFill>
             <a:srgbClr val="000000"/>
           </a:solidFill>
@@ -6802,7 +6698,7 @@
           <a:rtl val="0"/>
         </a:defRPr>
       </a:lvl4pPr>
-      <a:lvl5pPr marR="0" algn="l" rtl="0">
+      <a:lvl5pPr marR="0" rtl="0" algn="l">
         <a:lnSpc>
           <a:spcPct val="100000"/>
         </a:lnSpc>
@@ -6813,7 +6709,7 @@
           <a:spcPts val="0"/>
         </a:spcAft>
         <a:buNone/>
-        <a:defRPr sz="1400" b="0" i="0" u="none" strike="noStrike" cap="none" baseline="0">
+        <a:defRPr b="0" baseline="0" i="0" sz="1400" u="none" cap="none" strike="noStrike">
           <a:solidFill>
             <a:srgbClr val="000000"/>
           </a:solidFill>
@@ -6824,7 +6720,7 @@
           <a:rtl val="0"/>
         </a:defRPr>
       </a:lvl5pPr>
-      <a:lvl6pPr marR="0" algn="l" rtl="0">
+      <a:lvl6pPr marR="0" rtl="0" algn="l">
         <a:lnSpc>
           <a:spcPct val="100000"/>
         </a:lnSpc>
@@ -6835,7 +6731,7 @@
           <a:spcPts val="0"/>
         </a:spcAft>
         <a:buNone/>
-        <a:defRPr sz="1400" b="0" i="0" u="none" strike="noStrike" cap="none" baseline="0">
+        <a:defRPr b="0" baseline="0" i="0" sz="1400" u="none" cap="none" strike="noStrike">
           <a:solidFill>
             <a:srgbClr val="000000"/>
           </a:solidFill>
@@ -6846,7 +6742,7 @@
           <a:rtl val="0"/>
         </a:defRPr>
       </a:lvl6pPr>
-      <a:lvl7pPr marR="0" algn="l" rtl="0">
+      <a:lvl7pPr marR="0" rtl="0" algn="l">
         <a:lnSpc>
           <a:spcPct val="100000"/>
         </a:lnSpc>
@@ -6857,7 +6753,7 @@
           <a:spcPts val="0"/>
         </a:spcAft>
         <a:buNone/>
-        <a:defRPr sz="1400" b="0" i="0" u="none" strike="noStrike" cap="none" baseline="0">
+        <a:defRPr b="0" baseline="0" i="0" sz="1400" u="none" cap="none" strike="noStrike">
           <a:solidFill>
             <a:srgbClr val="000000"/>
           </a:solidFill>
@@ -6868,7 +6764,7 @@
           <a:rtl val="0"/>
         </a:defRPr>
       </a:lvl7pPr>
-      <a:lvl8pPr marR="0" algn="l" rtl="0">
+      <a:lvl8pPr marR="0" rtl="0" algn="l">
         <a:lnSpc>
           <a:spcPct val="100000"/>
         </a:lnSpc>
@@ -6879,7 +6775,7 @@
           <a:spcPts val="0"/>
         </a:spcAft>
         <a:buNone/>
-        <a:defRPr sz="1400" b="0" i="0" u="none" strike="noStrike" cap="none" baseline="0">
+        <a:defRPr b="0" baseline="0" i="0" sz="1400" u="none" cap="none" strike="noStrike">
           <a:solidFill>
             <a:srgbClr val="000000"/>
           </a:solidFill>
@@ -6890,7 +6786,7 @@
           <a:rtl val="0"/>
         </a:defRPr>
       </a:lvl8pPr>
-      <a:lvl9pPr marR="0" algn="l" rtl="0">
+      <a:lvl9pPr marR="0" rtl="0" algn="l">
         <a:lnSpc>
           <a:spcPct val="100000"/>
         </a:lnSpc>
@@ -6901,7 +6797,7 @@
           <a:spcPts val="0"/>
         </a:spcAft>
         <a:buNone/>
-        <a:defRPr sz="1400" b="0" i="0" u="none" strike="noStrike" cap="none" baseline="0">
+        <a:defRPr b="0" baseline="0" i="0" sz="1400" u="none" cap="none" strike="noStrike">
           <a:solidFill>
             <a:srgbClr val="000000"/>
           </a:solidFill>
@@ -6914,7 +6810,7 @@
       </a:lvl9pPr>
     </p:bodyStyle>
     <p:otherStyle>
-      <a:defPPr marR="0" algn="l" rtl="0">
+      <a:defPPr marR="0" rtl="0" algn="l">
         <a:lnSpc>
           <a:spcPct val="100000"/>
         </a:lnSpc>
@@ -6925,7 +6821,7 @@
           <a:spcPts val="0"/>
         </a:spcAft>
       </a:defPPr>
-      <a:lvl1pPr marR="0" algn="l" rtl="0">
+      <a:lvl1pPr marR="0" rtl="0" algn="l">
         <a:lnSpc>
           <a:spcPct val="100000"/>
         </a:lnSpc>
@@ -6936,7 +6832,7 @@
           <a:spcPts val="0"/>
         </a:spcAft>
         <a:buNone/>
-        <a:defRPr sz="1400" b="0" i="0" u="none" strike="noStrike" cap="none" baseline="0">
+        <a:defRPr b="0" baseline="0" i="0" sz="1400" u="none" cap="none" strike="noStrike">
           <a:solidFill>
             <a:srgbClr val="000000"/>
           </a:solidFill>
@@ -6947,7 +6843,7 @@
           <a:rtl val="0"/>
         </a:defRPr>
       </a:lvl1pPr>
-      <a:lvl2pPr marR="0" algn="l" rtl="0">
+      <a:lvl2pPr marR="0" rtl="0" algn="l">
         <a:lnSpc>
           <a:spcPct val="100000"/>
         </a:lnSpc>
@@ -6958,7 +6854,7 @@
           <a:spcPts val="0"/>
         </a:spcAft>
         <a:buNone/>
-        <a:defRPr sz="1400" b="0" i="0" u="none" strike="noStrike" cap="none" baseline="0">
+        <a:defRPr b="0" baseline="0" i="0" sz="1400" u="none" cap="none" strike="noStrike">
           <a:solidFill>
             <a:srgbClr val="000000"/>
           </a:solidFill>
@@ -6969,7 +6865,7 @@
           <a:rtl val="0"/>
         </a:defRPr>
       </a:lvl2pPr>
-      <a:lvl3pPr marR="0" algn="l" rtl="0">
+      <a:lvl3pPr marR="0" rtl="0" algn="l">
         <a:lnSpc>
           <a:spcPct val="100000"/>
         </a:lnSpc>
@@ -6980,7 +6876,7 @@
           <a:spcPts val="0"/>
         </a:spcAft>
         <a:buNone/>
-        <a:defRPr sz="1400" b="0" i="0" u="none" strike="noStrike" cap="none" baseline="0">
+        <a:defRPr b="0" baseline="0" i="0" sz="1400" u="none" cap="none" strike="noStrike">
           <a:solidFill>
             <a:srgbClr val="000000"/>
           </a:solidFill>
@@ -6991,7 +6887,7 @@
           <a:rtl val="0"/>
         </a:defRPr>
       </a:lvl3pPr>
-      <a:lvl4pPr marR="0" algn="l" rtl="0">
+      <a:lvl4pPr marR="0" rtl="0" algn="l">
         <a:lnSpc>
           <a:spcPct val="100000"/>
         </a:lnSpc>
@@ -7002,7 +6898,7 @@
           <a:spcPts val="0"/>
         </a:spcAft>
         <a:buNone/>
-        <a:defRPr sz="1400" b="0" i="0" u="none" strike="noStrike" cap="none" baseline="0">
+        <a:defRPr b="0" baseline="0" i="0" sz="1400" u="none" cap="none" strike="noStrike">
           <a:solidFill>
             <a:srgbClr val="000000"/>
           </a:solidFill>
@@ -7013,7 +6909,7 @@
           <a:rtl val="0"/>
         </a:defRPr>
       </a:lvl4pPr>
-      <a:lvl5pPr marR="0" algn="l" rtl="0">
+      <a:lvl5pPr marR="0" rtl="0" algn="l">
         <a:lnSpc>
           <a:spcPct val="100000"/>
         </a:lnSpc>
@@ -7024,7 +6920,7 @@
           <a:spcPts val="0"/>
         </a:spcAft>
         <a:buNone/>
-        <a:defRPr sz="1400" b="0" i="0" u="none" strike="noStrike" cap="none" baseline="0">
+        <a:defRPr b="0" baseline="0" i="0" sz="1400" u="none" cap="none" strike="noStrike">
           <a:solidFill>
             <a:srgbClr val="000000"/>
           </a:solidFill>
@@ -7035,7 +6931,7 @@
           <a:rtl val="0"/>
         </a:defRPr>
       </a:lvl5pPr>
-      <a:lvl6pPr marR="0" algn="l" rtl="0">
+      <a:lvl6pPr marR="0" rtl="0" algn="l">
         <a:lnSpc>
           <a:spcPct val="100000"/>
         </a:lnSpc>
@@ -7046,7 +6942,7 @@
           <a:spcPts val="0"/>
         </a:spcAft>
         <a:buNone/>
-        <a:defRPr sz="1400" b="0" i="0" u="none" strike="noStrike" cap="none" baseline="0">
+        <a:defRPr b="0" baseline="0" i="0" sz="1400" u="none" cap="none" strike="noStrike">
           <a:solidFill>
             <a:srgbClr val="000000"/>
           </a:solidFill>
@@ -7057,7 +6953,7 @@
           <a:rtl val="0"/>
         </a:defRPr>
       </a:lvl6pPr>
-      <a:lvl7pPr marR="0" algn="l" rtl="0">
+      <a:lvl7pPr marR="0" rtl="0" algn="l">
         <a:lnSpc>
           <a:spcPct val="100000"/>
         </a:lnSpc>
@@ -7068,7 +6964,7 @@
           <a:spcPts val="0"/>
         </a:spcAft>
         <a:buNone/>
-        <a:defRPr sz="1400" b="0" i="0" u="none" strike="noStrike" cap="none" baseline="0">
+        <a:defRPr b="0" baseline="0" i="0" sz="1400" u="none" cap="none" strike="noStrike">
           <a:solidFill>
             <a:srgbClr val="000000"/>
           </a:solidFill>
@@ -7079,7 +6975,7 @@
           <a:rtl val="0"/>
         </a:defRPr>
       </a:lvl7pPr>
-      <a:lvl8pPr marR="0" algn="l" rtl="0">
+      <a:lvl8pPr marR="0" rtl="0" algn="l">
         <a:lnSpc>
           <a:spcPct val="100000"/>
         </a:lnSpc>
@@ -7090,7 +6986,7 @@
           <a:spcPts val="0"/>
         </a:spcAft>
         <a:buNone/>
-        <a:defRPr sz="1400" b="0" i="0" u="none" strike="noStrike" cap="none" baseline="0">
+        <a:defRPr b="0" baseline="0" i="0" sz="1400" u="none" cap="none" strike="noStrike">
           <a:solidFill>
             <a:srgbClr val="000000"/>
           </a:solidFill>
@@ -7101,7 +6997,7 @@
           <a:rtl val="0"/>
         </a:defRPr>
       </a:lvl8pPr>
-      <a:lvl9pPr marR="0" algn="l" rtl="0">
+      <a:lvl9pPr marR="0" rtl="0" algn="l">
         <a:lnSpc>
           <a:spcPct val="100000"/>
         </a:lnSpc>
@@ -7112,7 +7008,7 @@
           <a:spcPts val="0"/>
         </a:spcAft>
         <a:buNone/>
-        <a:defRPr sz="1400" b="0" i="0" u="none" strike="noStrike" cap="none" baseline="0">
+        <a:defRPr b="0" baseline="0" i="0" sz="1400" u="none" cap="none" strike="noStrike">
           <a:solidFill>
             <a:srgbClr val="000000"/>
           </a:solidFill>
@@ -7129,11 +7025,11 @@
 </file>
 
 <file path=ppt/slides/slide1.xml><?xml version="1.0" encoding="utf-8"?>
-<p:sld xmlns:a="http://schemas.openxmlformats.org/drawingml/2006/main" xmlns:r="http://schemas.openxmlformats.org/officeDocument/2006/relationships" xmlns:p="http://schemas.openxmlformats.org/presentationml/2006/main">
+<p:sld xmlns:a="http://schemas.openxmlformats.org/drawingml/2006/main" xmlns:r="http://schemas.openxmlformats.org/officeDocument/2006/relationships" xmlns:mc="http://schemas.openxmlformats.org/markup-compatibility/2006" xmlns:mv="urn:schemas-microsoft-com:mac:vml" xmlns:p="http://schemas.openxmlformats.org/presentationml/2006/main" xmlns:c="http://schemas.openxmlformats.org/drawingml/2006/chart" xmlns:dgm="http://schemas.openxmlformats.org/drawingml/2006/diagram" xmlns:o="urn:schemas-microsoft-com:office:office" xmlns:v="urn:schemas-microsoft-com:vml" xmlns:pvml="urn:schemas-microsoft-com:office:powerpoint" xmlns:com="http://schemas.openxmlformats.org/drawingml/2006/compatibility" xmlns:p14="http://schemas.microsoft.com/office/powerpoint/2010/main">
   <p:cSld>
     <p:spTree>
       <p:nvGrpSpPr>
-        <p:cNvPr id="1" name="Shape 74"/>
+        <p:cNvPr id="74" name="Shape 74"/>
         <p:cNvGrpSpPr/>
         <p:nvPr/>
       </p:nvGrpSpPr>
@@ -7148,9 +7044,7 @@
       <p:sp>
         <p:nvSpPr>
           <p:cNvPr id="75" name="Shape 75"/>
-          <p:cNvSpPr txBox="1">
-            <a:spLocks noGrp="1"/>
-          </p:cNvSpPr>
+          <p:cNvSpPr txBox="1"/>
           <p:nvPr>
             <p:ph type="ctrTitle"/>
           </p:nvPr>
@@ -7165,7 +7059,7 @@
           </a:prstGeom>
         </p:spPr>
         <p:txBody>
-          <a:bodyPr lIns="91425" tIns="91425" rIns="91425" bIns="91425" anchor="b" anchorCtr="0">
+          <a:bodyPr anchorCtr="0" anchor="b" bIns="91425" lIns="91425" rIns="91425" tIns="91425">
             <a:noAutofit/>
           </a:bodyPr>
           <a:lstStyle/>
@@ -7186,11 +7080,9 @@
       <p:sp>
         <p:nvSpPr>
           <p:cNvPr id="76" name="Shape 76"/>
-          <p:cNvSpPr txBox="1">
-            <a:spLocks noGrp="1"/>
-          </p:cNvSpPr>
+          <p:cNvSpPr txBox="1"/>
           <p:nvPr>
-            <p:ph type="subTitle" idx="1"/>
+            <p:ph idx="1" type="subTitle"/>
           </p:nvPr>
         </p:nvSpPr>
         <p:spPr>
@@ -7203,7 +7095,7 @@
           </a:prstGeom>
         </p:spPr>
         <p:txBody>
-          <a:bodyPr lIns="91425" tIns="91425" rIns="91425" bIns="91425" anchor="ctr" anchorCtr="0">
+          <a:bodyPr anchorCtr="0" anchor="ctr" bIns="91425" lIns="91425" rIns="91425" tIns="91425">
             <a:noAutofit/>
           </a:bodyPr>
           <a:lstStyle/>
@@ -7241,22 +7133,15 @@
   <p:transition spd="slow">
     <p:cut/>
   </p:transition>
-  <p:timing>
-    <p:tnLst>
-      <p:par>
-        <p:cTn id="1" dur="indefinite" restart="never" nodeType="tmRoot"/>
-      </p:par>
-    </p:tnLst>
-  </p:timing>
 </p:sld>
 </file>
 
 <file path=ppt/slides/slide10.xml><?xml version="1.0" encoding="utf-8"?>
-<p:sld xmlns:a="http://schemas.openxmlformats.org/drawingml/2006/main" xmlns:r="http://schemas.openxmlformats.org/officeDocument/2006/relationships" xmlns:p="http://schemas.openxmlformats.org/presentationml/2006/main">
+<p:sld xmlns:a="http://schemas.openxmlformats.org/drawingml/2006/main" xmlns:r="http://schemas.openxmlformats.org/officeDocument/2006/relationships" xmlns:mc="http://schemas.openxmlformats.org/markup-compatibility/2006" xmlns:mv="urn:schemas-microsoft-com:mac:vml" xmlns:p="http://schemas.openxmlformats.org/presentationml/2006/main" xmlns:c="http://schemas.openxmlformats.org/drawingml/2006/chart" xmlns:dgm="http://schemas.openxmlformats.org/drawingml/2006/diagram" xmlns:o="urn:schemas-microsoft-com:office:office" xmlns:v="urn:schemas-microsoft-com:vml" xmlns:pvml="urn:schemas-microsoft-com:office:powerpoint" xmlns:com="http://schemas.openxmlformats.org/drawingml/2006/compatibility" xmlns:p14="http://schemas.microsoft.com/office/powerpoint/2010/main">
   <p:cSld>
     <p:spTree>
       <p:nvGrpSpPr>
-        <p:cNvPr id="1" name="Shape 130"/>
+        <p:cNvPr id="130" name="Shape 130"/>
         <p:cNvGrpSpPr/>
         <p:nvPr/>
       </p:nvGrpSpPr>
@@ -7271,9 +7156,7 @@
       <p:sp>
         <p:nvSpPr>
           <p:cNvPr id="131" name="Shape 131"/>
-          <p:cNvSpPr txBox="1">
-            <a:spLocks noGrp="1"/>
-          </p:cNvSpPr>
+          <p:cNvSpPr txBox="1"/>
           <p:nvPr>
             <p:ph type="title"/>
           </p:nvPr>
@@ -7288,7 +7171,7 @@
           </a:prstGeom>
         </p:spPr>
         <p:txBody>
-          <a:bodyPr lIns="91425" tIns="91425" rIns="91425" bIns="91425" anchor="ctr" anchorCtr="0">
+          <a:bodyPr anchorCtr="0" anchor="ctr" bIns="91425" lIns="91425" rIns="91425" tIns="91425">
             <a:noAutofit/>
           </a:bodyPr>
           <a:lstStyle/>
@@ -7301,7 +7184,7 @@
             </a:pPr>
             <a:r>
               <a:rPr lang="en"/>
-              <a:t>Zinseszins Code-Snippet</a:t>
+              <a:t>Beispiel: Julia als Taschenrechner</a:t>
             </a:r>
           </a:p>
         </p:txBody>
@@ -7309,11 +7192,9 @@
       <p:sp>
         <p:nvSpPr>
           <p:cNvPr id="132" name="Shape 132"/>
-          <p:cNvSpPr txBox="1">
-            <a:spLocks noGrp="1"/>
-          </p:cNvSpPr>
+          <p:cNvSpPr txBox="1"/>
           <p:nvPr>
-            <p:ph type="body" idx="1"/>
+            <p:ph idx="1" type="body"/>
           </p:nvPr>
         </p:nvSpPr>
         <p:spPr>
@@ -7326,24 +7207,380 @@
           </a:prstGeom>
         </p:spPr>
         <p:txBody>
-          <a:bodyPr lIns="91425" tIns="91425" rIns="91425" bIns="91425" anchor="t" anchorCtr="0">
+          <a:bodyPr anchorCtr="0" anchor="t" bIns="91425" lIns="91425" rIns="91425" tIns="91425">
             <a:noAutofit/>
           </a:bodyPr>
           <a:lstStyle/>
           <a:p>
+            <a:pPr lvl="0" rtl="0">
+              <a:spcBef>
+                <a:spcPts val="0"/>
+              </a:spcBef>
+              <a:buClr>
+                <a:schemeClr val="dk2"/>
+              </a:buClr>
+              <a:buSzPct val="36666"/>
+              <a:buFont typeface="Arial"/>
+              <a:buNone/>
+            </a:pPr>
+            <a:r>
+              <a:rPr lang="en"/>
+              <a:t>In [6]: A = 1+1+10000</a:t>
+            </a:r>
+          </a:p>
+          <a:p>
+            <a:pPr lvl="0" rtl="0">
+              <a:lnSpc>
+                <a:spcPct val="115000"/>
+              </a:lnSpc>
+              <a:spcBef>
+                <a:spcPts val="0"/>
+              </a:spcBef>
+              <a:buClr>
+                <a:schemeClr val="dk2"/>
+              </a:buClr>
+              <a:buSzPct val="36666"/>
+              <a:buFont typeface="Arial"/>
+              <a:buNone/>
+            </a:pPr>
+            <a:r>
+              <a:rPr lang="en"/>
+              <a:t>Out[6]: 10002</a:t>
+            </a:r>
+          </a:p>
+          <a:p>
+            <a:pPr lvl="0" rtl="0">
+              <a:lnSpc>
+                <a:spcPct val="115000"/>
+              </a:lnSpc>
+              <a:spcBef>
+                <a:spcPts val="0"/>
+              </a:spcBef>
+              <a:buClr>
+                <a:schemeClr val="dk2"/>
+              </a:buClr>
+              <a:buSzPct val="36666"/>
+              <a:buFont typeface="Arial"/>
+              <a:buNone/>
+            </a:pPr>
+            <a:r>
+              <a:rPr lang="en"/>
+              <a:t>Die anderen Operatoren</a:t>
+            </a:r>
+          </a:p>
+          <a:p>
+            <a:pPr lvl="0" rtl="0">
+              <a:lnSpc>
+                <a:spcPct val="115000"/>
+              </a:lnSpc>
+              <a:spcBef>
+                <a:spcPts val="0"/>
+              </a:spcBef>
+              <a:buClr>
+                <a:schemeClr val="dk2"/>
+              </a:buClr>
+              <a:buSzPct val="36666"/>
+              <a:buFont typeface="Arial"/>
+              <a:buNone/>
+            </a:pPr>
+            <a:r>
+              <a:rPr lang="en"/>
+              <a:t>* → 5*5 = 25</a:t>
+            </a:r>
+          </a:p>
+          <a:p>
+            <a:pPr lvl="0" rtl="0">
+              <a:lnSpc>
+                <a:spcPct val="115000"/>
+              </a:lnSpc>
+              <a:spcBef>
+                <a:spcPts val="0"/>
+              </a:spcBef>
+              <a:buClr>
+                <a:schemeClr val="dk2"/>
+              </a:buClr>
+              <a:buSzPct val="36666"/>
+              <a:buFont typeface="Arial"/>
+              <a:buNone/>
+            </a:pPr>
+            <a:r>
+              <a:rPr lang="en"/>
+              <a:t>/ → 5 / 5 = 1</a:t>
+            </a:r>
+          </a:p>
+          <a:p>
+            <a:pPr indent="-419100" lvl="0" marL="457200" rtl="0">
+              <a:lnSpc>
+                <a:spcPct val="115000"/>
+              </a:lnSpc>
+              <a:spcBef>
+                <a:spcPts val="0"/>
+              </a:spcBef>
+              <a:buClr>
+                <a:schemeClr val="lt2"/>
+              </a:buClr>
+              <a:buSzPct val="100000"/>
+              <a:buFont typeface="Trebuchet MS"/>
+              <a:buChar char="-"/>
+            </a:pPr>
+            <a:r>
+              <a:rPr lang="en"/>
+              <a:t>→ 5-5 = 0 </a:t>
+            </a:r>
+          </a:p>
+          <a:p>
             <a:pPr>
               <a:spcBef>
                 <a:spcPts val="0"/>
               </a:spcBef>
               <a:buNone/>
             </a:pPr>
+            <a:r>
+              <a:t/>
+            </a:r>
+            <a:endParaRPr/>
+          </a:p>
+        </p:txBody>
+      </p:sp>
+    </p:spTree>
+  </p:cSld>
+  <p:clrMapOvr>
+    <a:masterClrMapping/>
+  </p:clrMapOvr>
+  <p:transition spd="slow">
+    <p:cut/>
+  </p:transition>
+</p:sld>
+</file>
+
+<file path=ppt/slides/slide11.xml><?xml version="1.0" encoding="utf-8"?>
+<p:sld xmlns:a="http://schemas.openxmlformats.org/drawingml/2006/main" xmlns:r="http://schemas.openxmlformats.org/officeDocument/2006/relationships" xmlns:mc="http://schemas.openxmlformats.org/markup-compatibility/2006" xmlns:mv="urn:schemas-microsoft-com:mac:vml" xmlns:p="http://schemas.openxmlformats.org/presentationml/2006/main" xmlns:c="http://schemas.openxmlformats.org/drawingml/2006/chart" xmlns:dgm="http://schemas.openxmlformats.org/drawingml/2006/diagram" xmlns:o="urn:schemas-microsoft-com:office:office" xmlns:v="urn:schemas-microsoft-com:vml" xmlns:pvml="urn:schemas-microsoft-com:office:powerpoint" xmlns:com="http://schemas.openxmlformats.org/drawingml/2006/compatibility" xmlns:p14="http://schemas.microsoft.com/office/powerpoint/2010/main">
+  <p:cSld>
+    <p:spTree>
+      <p:nvGrpSpPr>
+        <p:cNvPr id="136" name="Shape 136"/>
+        <p:cNvGrpSpPr/>
+        <p:nvPr/>
+      </p:nvGrpSpPr>
+      <p:grpSpPr>
+        <a:xfrm>
+          <a:off x="0" y="0"/>
+          <a:ext cx="0" cy="0"/>
+          <a:chOff x="0" y="0"/>
+          <a:chExt cx="0" cy="0"/>
+        </a:xfrm>
+      </p:grpSpPr>
+      <p:sp>
+        <p:nvSpPr>
+          <p:cNvPr id="137" name="Shape 137"/>
+          <p:cNvSpPr txBox="1"/>
+          <p:nvPr>
+            <p:ph type="title"/>
+          </p:nvPr>
+        </p:nvSpPr>
+        <p:spPr>
+          <a:xfrm rot="-228134">
+            <a:off x="1184357" y="-16296"/>
+            <a:ext cx="8215583" cy="859729"/>
+          </a:xfrm>
+          <a:prstGeom prst="rect">
+            <a:avLst/>
+          </a:prstGeom>
+        </p:spPr>
+        <p:txBody>
+          <a:bodyPr anchorCtr="0" anchor="ctr" bIns="91425" lIns="91425" rIns="91425" tIns="91425">
+            <a:noAutofit/>
+          </a:bodyPr>
+          <a:lstStyle/>
+          <a:p>
+            <a:pPr>
+              <a:spcBef>
+                <a:spcPts val="0"/>
+              </a:spcBef>
+              <a:buNone/>
+            </a:pPr>
+            <a:r>
+              <a:rPr lang="en"/>
+              <a:t>Zinseszinsformel</a:t>
+            </a:r>
+          </a:p>
+        </p:txBody>
+      </p:sp>
+      <p:sp>
+        <p:nvSpPr>
+          <p:cNvPr id="138" name="Shape 138"/>
+          <p:cNvSpPr txBox="1"/>
+          <p:nvPr>
+            <p:ph idx="1" type="body"/>
+          </p:nvPr>
+        </p:nvSpPr>
+        <p:spPr>
+          <a:xfrm>
+            <a:off x="457200" y="1200150"/>
+            <a:ext cx="8229600" cy="3394500"/>
+          </a:xfrm>
+          <a:prstGeom prst="rect">
+            <a:avLst/>
+          </a:prstGeom>
+        </p:spPr>
+        <p:txBody>
+          <a:bodyPr anchorCtr="0" anchor="t" bIns="91425" lIns="91425" rIns="91425" tIns="91425">
+            <a:noAutofit/>
+          </a:bodyPr>
+          <a:lstStyle/>
+          <a:p>
+            <a:pPr rtl="0">
+              <a:spcBef>
+                <a:spcPts val="0"/>
+              </a:spcBef>
+              <a:buNone/>
+            </a:pPr>
+            <a:r>
+              <a:rPr lang="en"/>
+              <a:t>* $ S = P(1+\frac{j}{n})^{(n*t)} $</a:t>
+            </a:r>
+          </a:p>
+          <a:p>
+            <a:pPr rtl="0">
+              <a:spcBef>
+                <a:spcPts val="0"/>
+              </a:spcBef>
+              <a:buNone/>
+            </a:pPr>
+            <a:r>
+              <a:t/>
+            </a:r>
+            <a:endParaRPr/>
+          </a:p>
+          <a:p>
+            <a:pPr rtl="0">
+              <a:spcBef>
+                <a:spcPts val="0"/>
+              </a:spcBef>
+              <a:buNone/>
+            </a:pPr>
+            <a:r>
+              <a:rPr lang="en"/>
+              <a:t>Der folgende Zellentyp muss ausgewählt werden, damit Eingaben schön als Formel dargestellt werden können</a:t>
+            </a:r>
+          </a:p>
+          <a:p>
+            <a:pPr>
+              <a:spcBef>
+                <a:spcPts val="0"/>
+              </a:spcBef>
+              <a:buNone/>
+            </a:pPr>
+            <a:r>
+              <a:rPr lang="en"/>
+              <a:t>→ Cell / Celltype / Markdown</a:t>
+            </a:r>
+          </a:p>
+        </p:txBody>
+      </p:sp>
+    </p:spTree>
+  </p:cSld>
+  <p:clrMapOvr>
+    <a:masterClrMapping/>
+  </p:clrMapOvr>
+  <p:transition spd="slow">
+    <p:cut/>
+  </p:transition>
+</p:sld>
+</file>
+
+<file path=ppt/slides/slide12.xml><?xml version="1.0" encoding="utf-8"?>
+<p:sld xmlns:a="http://schemas.openxmlformats.org/drawingml/2006/main" xmlns:r="http://schemas.openxmlformats.org/officeDocument/2006/relationships" xmlns:mc="http://schemas.openxmlformats.org/markup-compatibility/2006" xmlns:mv="urn:schemas-microsoft-com:mac:vml" xmlns:p="http://schemas.openxmlformats.org/presentationml/2006/main" xmlns:c="http://schemas.openxmlformats.org/drawingml/2006/chart" xmlns:dgm="http://schemas.openxmlformats.org/drawingml/2006/diagram" xmlns:o="urn:schemas-microsoft-com:office:office" xmlns:v="urn:schemas-microsoft-com:vml" xmlns:pvml="urn:schemas-microsoft-com:office:powerpoint" xmlns:com="http://schemas.openxmlformats.org/drawingml/2006/compatibility" xmlns:p14="http://schemas.microsoft.com/office/powerpoint/2010/main">
+  <p:cSld>
+    <p:spTree>
+      <p:nvGrpSpPr>
+        <p:cNvPr id="142" name="Shape 142"/>
+        <p:cNvGrpSpPr/>
+        <p:nvPr/>
+      </p:nvGrpSpPr>
+      <p:grpSpPr>
+        <a:xfrm>
+          <a:off x="0" y="0"/>
+          <a:ext cx="0" cy="0"/>
+          <a:chOff x="0" y="0"/>
+          <a:chExt cx="0" cy="0"/>
+        </a:xfrm>
+      </p:grpSpPr>
+      <p:sp>
+        <p:nvSpPr>
+          <p:cNvPr id="143" name="Shape 143"/>
+          <p:cNvSpPr txBox="1"/>
+          <p:nvPr>
+            <p:ph type="title"/>
+          </p:nvPr>
+        </p:nvSpPr>
+        <p:spPr>
+          <a:xfrm rot="-228134">
+            <a:off x="1184357" y="-16296"/>
+            <a:ext cx="8215583" cy="859729"/>
+          </a:xfrm>
+          <a:prstGeom prst="rect">
+            <a:avLst/>
+          </a:prstGeom>
+        </p:spPr>
+        <p:txBody>
+          <a:bodyPr anchorCtr="0" anchor="ctr" bIns="91425" lIns="91425" rIns="91425" tIns="91425">
+            <a:noAutofit/>
+          </a:bodyPr>
+          <a:lstStyle/>
+          <a:p>
+            <a:pPr>
+              <a:spcBef>
+                <a:spcPts val="0"/>
+              </a:spcBef>
+              <a:buNone/>
+            </a:pPr>
+            <a:r>
+              <a:rPr lang="en"/>
+              <a:t>Zinseszins Code-Snippet</a:t>
+            </a:r>
+          </a:p>
+        </p:txBody>
+      </p:sp>
+      <p:sp>
+        <p:nvSpPr>
+          <p:cNvPr id="144" name="Shape 144"/>
+          <p:cNvSpPr txBox="1"/>
+          <p:nvPr>
+            <p:ph idx="1" type="body"/>
+          </p:nvPr>
+        </p:nvSpPr>
+        <p:spPr>
+          <a:xfrm>
+            <a:off x="457200" y="1200150"/>
+            <a:ext cx="8229600" cy="3394500"/>
+          </a:xfrm>
+          <a:prstGeom prst="rect">
+            <a:avLst/>
+          </a:prstGeom>
+        </p:spPr>
+        <p:txBody>
+          <a:bodyPr anchorCtr="0" anchor="t" bIns="91425" lIns="91425" rIns="91425" tIns="91425">
+            <a:noAutofit/>
+          </a:bodyPr>
+          <a:lstStyle/>
+          <a:p>
+            <a:pPr>
+              <a:spcBef>
+                <a:spcPts val="0"/>
+              </a:spcBef>
+              <a:buNone/>
+            </a:pPr>
+            <a:r>
+              <a:t/>
+            </a:r>
             <a:endParaRPr/>
           </a:p>
         </p:txBody>
       </p:sp>
       <p:pic>
         <p:nvPicPr>
-          <p:cNvPr id="133" name="Shape 133"/>
+          <p:cNvPr id="145" name="Shape 145"/>
           <p:cNvPicPr preferRelativeResize="0"/>
           <p:nvPr/>
         </p:nvPicPr>
@@ -7377,22 +7614,15 @@
   <p:transition spd="slow">
     <p:cut/>
   </p:transition>
-  <p:timing>
-    <p:tnLst>
-      <p:par>
-        <p:cTn id="1" dur="indefinite" restart="never" nodeType="tmRoot"/>
-      </p:par>
-    </p:tnLst>
-  </p:timing>
 </p:sld>
 </file>
 
-<file path=ppt/slides/slide11.xml><?xml version="1.0" encoding="utf-8"?>
-<p:sld xmlns:a="http://schemas.openxmlformats.org/drawingml/2006/main" xmlns:r="http://schemas.openxmlformats.org/officeDocument/2006/relationships" xmlns:p="http://schemas.openxmlformats.org/presentationml/2006/main">
+<file path=ppt/slides/slide13.xml><?xml version="1.0" encoding="utf-8"?>
+<p:sld xmlns:a="http://schemas.openxmlformats.org/drawingml/2006/main" xmlns:r="http://schemas.openxmlformats.org/officeDocument/2006/relationships" xmlns:mc="http://schemas.openxmlformats.org/markup-compatibility/2006" xmlns:mv="urn:schemas-microsoft-com:mac:vml" xmlns:p="http://schemas.openxmlformats.org/presentationml/2006/main" xmlns:c="http://schemas.openxmlformats.org/drawingml/2006/chart" xmlns:dgm="http://schemas.openxmlformats.org/drawingml/2006/diagram" xmlns:o="urn:schemas-microsoft-com:office:office" xmlns:v="urn:schemas-microsoft-com:vml" xmlns:pvml="urn:schemas-microsoft-com:office:powerpoint" xmlns:com="http://schemas.openxmlformats.org/drawingml/2006/compatibility" xmlns:p14="http://schemas.microsoft.com/office/powerpoint/2010/main">
   <p:cSld>
     <p:spTree>
       <p:nvGrpSpPr>
-        <p:cNvPr id="1" name="Shape 137"/>
+        <p:cNvPr id="149" name="Shape 149"/>
         <p:cNvGrpSpPr/>
         <p:nvPr/>
       </p:nvGrpSpPr>
@@ -7406,12 +7636,10 @@
       </p:grpSpPr>
       <p:sp>
         <p:nvSpPr>
-          <p:cNvPr id="138" name="Shape 138"/>
-          <p:cNvSpPr txBox="1">
-            <a:spLocks noGrp="1"/>
-          </p:cNvSpPr>
+          <p:cNvPr id="150" name="Shape 150"/>
+          <p:cNvSpPr txBox="1"/>
           <p:nvPr>
-            <p:ph type="body" idx="1"/>
+            <p:ph idx="1" type="body"/>
           </p:nvPr>
         </p:nvSpPr>
         <p:spPr>
@@ -7424,7 +7652,7 @@
           </a:prstGeom>
         </p:spPr>
         <p:txBody>
-          <a:bodyPr lIns="91425" tIns="91425" rIns="91425" bIns="91425" anchor="t" anchorCtr="0">
+          <a:bodyPr anchorCtr="0" anchor="t" bIns="91425" lIns="91425" rIns="91425" tIns="91425">
             <a:noAutofit/>
           </a:bodyPr>
           <a:lstStyle/>
@@ -7435,16 +7663,17 @@
               </a:spcBef>
               <a:buNone/>
             </a:pPr>
+            <a:r>
+              <a:t/>
+            </a:r>
             <a:endParaRPr/>
           </a:p>
         </p:txBody>
       </p:sp>
       <p:sp>
         <p:nvSpPr>
-          <p:cNvPr id="139" name="Shape 139"/>
-          <p:cNvSpPr txBox="1">
-            <a:spLocks noGrp="1"/>
-          </p:cNvSpPr>
+          <p:cNvPr id="151" name="Shape 151"/>
+          <p:cNvSpPr txBox="1"/>
           <p:nvPr>
             <p:ph type="title"/>
           </p:nvPr>
@@ -7459,7 +7688,7 @@
           </a:prstGeom>
         </p:spPr>
         <p:txBody>
-          <a:bodyPr lIns="91425" tIns="91425" rIns="91425" bIns="91425" anchor="ctr" anchorCtr="0">
+          <a:bodyPr anchorCtr="0" anchor="ctr" bIns="91425" lIns="91425" rIns="91425" tIns="91425">
             <a:noAutofit/>
           </a:bodyPr>
           <a:lstStyle/>
@@ -7479,7 +7708,7 @@
       </p:sp>
       <p:pic>
         <p:nvPicPr>
-          <p:cNvPr id="140" name="Shape 140"/>
+          <p:cNvPr id="152" name="Shape 152"/>
           <p:cNvPicPr preferRelativeResize="0"/>
           <p:nvPr/>
         </p:nvPicPr>
@@ -7513,22 +7742,15 @@
   <p:transition spd="slow">
     <p:cut/>
   </p:transition>
-  <p:timing>
-    <p:tnLst>
-      <p:par>
-        <p:cTn id="1" dur="indefinite" restart="never" nodeType="tmRoot"/>
-      </p:par>
-    </p:tnLst>
-  </p:timing>
 </p:sld>
 </file>
 
-<file path=ppt/slides/slide12.xml><?xml version="1.0" encoding="utf-8"?>
-<p:sld xmlns:a="http://schemas.openxmlformats.org/drawingml/2006/main" xmlns:r="http://schemas.openxmlformats.org/officeDocument/2006/relationships" xmlns:p="http://schemas.openxmlformats.org/presentationml/2006/main">
+<file path=ppt/slides/slide14.xml><?xml version="1.0" encoding="utf-8"?>
+<p:sld xmlns:a="http://schemas.openxmlformats.org/drawingml/2006/main" xmlns:r="http://schemas.openxmlformats.org/officeDocument/2006/relationships" xmlns:mc="http://schemas.openxmlformats.org/markup-compatibility/2006" xmlns:mv="urn:schemas-microsoft-com:mac:vml" xmlns:p="http://schemas.openxmlformats.org/presentationml/2006/main" xmlns:c="http://schemas.openxmlformats.org/drawingml/2006/chart" xmlns:dgm="http://schemas.openxmlformats.org/drawingml/2006/diagram" xmlns:o="urn:schemas-microsoft-com:office:office" xmlns:v="urn:schemas-microsoft-com:vml" xmlns:pvml="urn:schemas-microsoft-com:office:powerpoint" xmlns:com="http://schemas.openxmlformats.org/drawingml/2006/compatibility" xmlns:p14="http://schemas.microsoft.com/office/powerpoint/2010/main">
   <p:cSld>
     <p:spTree>
       <p:nvGrpSpPr>
-        <p:cNvPr id="1" name="Shape 144"/>
+        <p:cNvPr id="156" name="Shape 156"/>
         <p:cNvGrpSpPr/>
         <p:nvPr/>
       </p:nvGrpSpPr>
@@ -7542,10 +7764,8 @@
       </p:grpSpPr>
       <p:sp>
         <p:nvSpPr>
-          <p:cNvPr id="145" name="Shape 145"/>
-          <p:cNvSpPr txBox="1">
-            <a:spLocks noGrp="1"/>
-          </p:cNvSpPr>
+          <p:cNvPr id="157" name="Shape 157"/>
+          <p:cNvSpPr txBox="1"/>
           <p:nvPr>
             <p:ph type="title"/>
           </p:nvPr>
@@ -7560,7 +7780,7 @@
           </a:prstGeom>
         </p:spPr>
         <p:txBody>
-          <a:bodyPr lIns="91425" tIns="91425" rIns="91425" bIns="91425" anchor="ctr" anchorCtr="0">
+          <a:bodyPr anchorCtr="0" anchor="ctr" bIns="91425" lIns="91425" rIns="91425" tIns="91425">
             <a:noAutofit/>
           </a:bodyPr>
           <a:lstStyle/>
@@ -7580,12 +7800,10 @@
       </p:sp>
       <p:sp>
         <p:nvSpPr>
-          <p:cNvPr id="146" name="Shape 146"/>
-          <p:cNvSpPr txBox="1">
-            <a:spLocks noGrp="1"/>
-          </p:cNvSpPr>
+          <p:cNvPr id="158" name="Shape 158"/>
+          <p:cNvSpPr txBox="1"/>
           <p:nvPr>
-            <p:ph type="body" idx="1"/>
+            <p:ph idx="1" type="body"/>
           </p:nvPr>
         </p:nvSpPr>
         <p:spPr>
@@ -7598,7 +7816,7 @@
           </a:prstGeom>
         </p:spPr>
         <p:txBody>
-          <a:bodyPr lIns="91425" tIns="91425" rIns="91425" bIns="91425" anchor="t" anchorCtr="0">
+          <a:bodyPr anchorCtr="0" anchor="t" bIns="91425" lIns="91425" rIns="91425" tIns="91425">
             <a:noAutofit/>
           </a:bodyPr>
           <a:lstStyle/>
@@ -7609,13 +7827,16 @@
               </a:spcBef>
               <a:buNone/>
             </a:pPr>
+            <a:r>
+              <a:t/>
+            </a:r>
             <a:endParaRPr/>
           </a:p>
         </p:txBody>
       </p:sp>
       <p:pic>
         <p:nvPicPr>
-          <p:cNvPr id="147" name="Shape 147"/>
+          <p:cNvPr id="159" name="Shape 159"/>
           <p:cNvPicPr preferRelativeResize="0"/>
           <p:nvPr/>
         </p:nvPicPr>
@@ -7629,8 +7850,8 @@
         </p:blipFill>
         <p:spPr>
           <a:xfrm>
-            <a:off x="1619672" y="920574"/>
-            <a:ext cx="6266277" cy="4222926"/>
+            <a:off x="2307525" y="920574"/>
+            <a:ext cx="5578424" cy="3841074"/>
           </a:xfrm>
           <a:prstGeom prst="rect">
             <a:avLst/>
@@ -7649,22 +7870,15 @@
   <p:transition spd="slow">
     <p:cut/>
   </p:transition>
-  <p:timing>
-    <p:tnLst>
-      <p:par>
-        <p:cTn id="1" dur="indefinite" restart="never" nodeType="tmRoot"/>
-      </p:par>
-    </p:tnLst>
-  </p:timing>
 </p:sld>
 </file>
 
-<file path=ppt/slides/slide13.xml><?xml version="1.0" encoding="utf-8"?>
-<p:sld xmlns:a="http://schemas.openxmlformats.org/drawingml/2006/main" xmlns:r="http://schemas.openxmlformats.org/officeDocument/2006/relationships" xmlns:p="http://schemas.openxmlformats.org/presentationml/2006/main">
+<file path=ppt/slides/slide15.xml><?xml version="1.0" encoding="utf-8"?>
+<p:sld xmlns:a="http://schemas.openxmlformats.org/drawingml/2006/main" xmlns:r="http://schemas.openxmlformats.org/officeDocument/2006/relationships" xmlns:mc="http://schemas.openxmlformats.org/markup-compatibility/2006" xmlns:mv="urn:schemas-microsoft-com:mac:vml" xmlns:p="http://schemas.openxmlformats.org/presentationml/2006/main" xmlns:c="http://schemas.openxmlformats.org/drawingml/2006/chart" xmlns:dgm="http://schemas.openxmlformats.org/drawingml/2006/diagram" xmlns:o="urn:schemas-microsoft-com:office:office" xmlns:v="urn:schemas-microsoft-com:vml" xmlns:pvml="urn:schemas-microsoft-com:office:powerpoint" xmlns:com="http://schemas.openxmlformats.org/drawingml/2006/compatibility" xmlns:p14="http://schemas.microsoft.com/office/powerpoint/2010/main">
   <p:cSld>
     <p:spTree>
       <p:nvGrpSpPr>
-        <p:cNvPr id="1" name="Shape 151"/>
+        <p:cNvPr id="163" name="Shape 163"/>
         <p:cNvGrpSpPr/>
         <p:nvPr/>
       </p:nvGrpSpPr>
@@ -7678,10 +7892,8 @@
       </p:grpSpPr>
       <p:sp>
         <p:nvSpPr>
-          <p:cNvPr id="152" name="Shape 152"/>
-          <p:cNvSpPr txBox="1">
-            <a:spLocks noGrp="1"/>
-          </p:cNvSpPr>
+          <p:cNvPr id="164" name="Shape 164"/>
+          <p:cNvSpPr txBox="1"/>
           <p:nvPr>
             <p:ph type="title"/>
           </p:nvPr>
@@ -7696,7 +7908,7 @@
           </a:prstGeom>
         </p:spPr>
         <p:txBody>
-          <a:bodyPr lIns="91425" tIns="91425" rIns="91425" bIns="91425" anchor="ctr" anchorCtr="0">
+          <a:bodyPr anchorCtr="0" anchor="ctr" bIns="91425" lIns="91425" rIns="91425" tIns="91425">
             <a:noAutofit/>
           </a:bodyPr>
           <a:lstStyle/>
@@ -7716,12 +7928,10 @@
       </p:sp>
       <p:sp>
         <p:nvSpPr>
-          <p:cNvPr id="153" name="Shape 153"/>
-          <p:cNvSpPr txBox="1">
-            <a:spLocks noGrp="1"/>
-          </p:cNvSpPr>
+          <p:cNvPr id="165" name="Shape 165"/>
+          <p:cNvSpPr txBox="1"/>
           <p:nvPr>
-            <p:ph type="body" idx="1"/>
+            <p:ph idx="1" type="body"/>
           </p:nvPr>
         </p:nvSpPr>
         <p:spPr>
@@ -7734,7 +7944,7 @@
           </a:prstGeom>
         </p:spPr>
         <p:txBody>
-          <a:bodyPr lIns="91425" tIns="91425" rIns="91425" bIns="91425" anchor="t" anchorCtr="0">
+          <a:bodyPr anchorCtr="0" anchor="t" bIns="91425" lIns="91425" rIns="91425" tIns="91425">
             <a:noAutofit/>
           </a:bodyPr>
           <a:lstStyle/>
@@ -7760,22 +7970,15 @@
   <p:transition spd="slow">
     <p:cut/>
   </p:transition>
-  <p:timing>
-    <p:tnLst>
-      <p:par>
-        <p:cTn id="1" dur="indefinite" restart="never" nodeType="tmRoot"/>
-      </p:par>
-    </p:tnLst>
-  </p:timing>
 </p:sld>
 </file>
 
 <file path=ppt/slides/slide2.xml><?xml version="1.0" encoding="utf-8"?>
-<p:sld xmlns:a="http://schemas.openxmlformats.org/drawingml/2006/main" xmlns:r="http://schemas.openxmlformats.org/officeDocument/2006/relationships" xmlns:p="http://schemas.openxmlformats.org/presentationml/2006/main">
+<p:sld xmlns:a="http://schemas.openxmlformats.org/drawingml/2006/main" xmlns:r="http://schemas.openxmlformats.org/officeDocument/2006/relationships" xmlns:mc="http://schemas.openxmlformats.org/markup-compatibility/2006" xmlns:mv="urn:schemas-microsoft-com:mac:vml" xmlns:p="http://schemas.openxmlformats.org/presentationml/2006/main" xmlns:c="http://schemas.openxmlformats.org/drawingml/2006/chart" xmlns:dgm="http://schemas.openxmlformats.org/drawingml/2006/diagram" xmlns:o="urn:schemas-microsoft-com:office:office" xmlns:v="urn:schemas-microsoft-com:vml" xmlns:pvml="urn:schemas-microsoft-com:office:powerpoint" xmlns:com="http://schemas.openxmlformats.org/drawingml/2006/compatibility" xmlns:p14="http://schemas.microsoft.com/office/powerpoint/2010/main">
   <p:cSld>
     <p:spTree>
       <p:nvGrpSpPr>
-        <p:cNvPr id="1" name="Shape 80"/>
+        <p:cNvPr id="80" name="Shape 80"/>
         <p:cNvGrpSpPr/>
         <p:nvPr/>
       </p:nvGrpSpPr>
@@ -7790,9 +7993,7 @@
       <p:sp>
         <p:nvSpPr>
           <p:cNvPr id="81" name="Shape 81"/>
-          <p:cNvSpPr txBox="1">
-            <a:spLocks noGrp="1"/>
-          </p:cNvSpPr>
+          <p:cNvSpPr txBox="1"/>
           <p:nvPr>
             <p:ph type="title"/>
           </p:nvPr>
@@ -7807,7 +8008,7 @@
           </a:prstGeom>
         </p:spPr>
         <p:txBody>
-          <a:bodyPr lIns="91425" tIns="91425" rIns="91425" bIns="91425" anchor="ctr" anchorCtr="0">
+          <a:bodyPr anchorCtr="0" anchor="ctr" bIns="91425" lIns="91425" rIns="91425" tIns="91425">
             <a:noAutofit/>
           </a:bodyPr>
           <a:lstStyle/>
@@ -7828,11 +8029,9 @@
       <p:sp>
         <p:nvSpPr>
           <p:cNvPr id="82" name="Shape 82"/>
-          <p:cNvSpPr txBox="1">
-            <a:spLocks noGrp="1"/>
-          </p:cNvSpPr>
+          <p:cNvSpPr txBox="1"/>
           <p:nvPr>
-            <p:ph type="body" idx="1"/>
+            <p:ph idx="1" type="body"/>
           </p:nvPr>
         </p:nvSpPr>
         <p:spPr>
@@ -7845,12 +8044,12 @@
           </a:prstGeom>
         </p:spPr>
         <p:txBody>
-          <a:bodyPr lIns="91425" tIns="91425" rIns="91425" bIns="91425" anchor="t" anchorCtr="0">
+          <a:bodyPr anchorCtr="0" anchor="t" bIns="91425" lIns="91425" rIns="91425" tIns="91425">
             <a:noAutofit/>
           </a:bodyPr>
           <a:lstStyle/>
           <a:p>
-            <a:pPr marL="457200" lvl="0" indent="-419100" rtl="0">
+            <a:pPr indent="-419100" lvl="0" marL="457200" rtl="0">
               <a:spcBef>
                 <a:spcPts val="0"/>
               </a:spcBef>
@@ -7862,12 +8061,12 @@
               <a:buAutoNum type="arabicPeriod"/>
             </a:pPr>
             <a:r>
-              <a:rPr lang="en" dirty="0"/>
+              <a:rPr lang="en"/>
               <a:t>Schleifen (Visuell)</a:t>
             </a:r>
           </a:p>
           <a:p>
-            <a:pPr marL="457200" lvl="0" indent="-419100" rtl="0">
+            <a:pPr indent="-419100" lvl="0" marL="457200" rtl="0">
               <a:spcBef>
                 <a:spcPts val="0"/>
               </a:spcBef>
@@ -7879,12 +8078,12 @@
               <a:buAutoNum type="arabicPeriod"/>
             </a:pPr>
             <a:r>
-              <a:rPr lang="en" dirty="0"/>
+              <a:rPr lang="en"/>
               <a:t>Kurzüberblick Julia-Umgebung</a:t>
             </a:r>
           </a:p>
           <a:p>
-            <a:pPr marL="457200" lvl="0" indent="-419100" rtl="0">
+            <a:pPr indent="-419100" lvl="0" marL="457200" rtl="0">
               <a:spcBef>
                 <a:spcPts val="0"/>
               </a:spcBef>
@@ -7896,7 +8095,7 @@
               <a:buAutoNum type="arabicPeriod"/>
             </a:pPr>
             <a:r>
-              <a:rPr lang="en" dirty="0"/>
+              <a:rPr lang="en"/>
               <a:t>Schleifen mit Julia anhand Zinseszinsformel</a:t>
             </a:r>
           </a:p>
@@ -7907,7 +8106,10 @@
               </a:spcBef>
               <a:buNone/>
             </a:pPr>
-            <a:endParaRPr dirty="0"/>
+            <a:r>
+              <a:t/>
+            </a:r>
+            <a:endParaRPr/>
           </a:p>
           <a:p>
             <a:pPr lvl="0" rtl="0">
@@ -7925,7 +8127,7 @@
               <a:buNone/>
             </a:pPr>
             <a:r>
-              <a:rPr lang="en" dirty="0" smtClean="0">
+              <a:rPr lang="en">
                 <a:solidFill>
                   <a:srgbClr val="FFFFFF"/>
                 </a:solidFill>
@@ -7934,54 +8136,41 @@
             </a:r>
           </a:p>
           <a:p>
-            <a:pPr lvl="0">
+            <a:pPr lvl="0" rtl="0">
               <a:lnSpc>
                 <a:spcPct val="115000"/>
               </a:lnSpc>
+              <a:spcBef>
+                <a:spcPts val="0"/>
+              </a:spcBef>
               <a:buClr>
                 <a:schemeClr val="dk2"/>
               </a:buClr>
               <a:buSzPct val="36666"/>
-            </a:pPr>
-            <a:r>
-              <a:rPr lang="en-US" dirty="0">
+              <a:buFont typeface="Arial"/>
+              <a:buNone/>
+            </a:pPr>
+            <a:r>
+              <a:rPr lang="en" u="sng">
                 <a:solidFill>
-                  <a:srgbClr val="FFFFFF"/>
+                  <a:schemeClr val="hlink"/>
                 </a:solidFill>
                 <a:hlinkClick r:id="rId3"/>
               </a:rPr>
-              <a:t>https://</a:t>
-            </a:r>
-            <a:r>
-              <a:rPr lang="en-US" dirty="0" smtClean="0">
-                <a:solidFill>
-                  <a:srgbClr val="FFFFFF"/>
-                </a:solidFill>
-                <a:hlinkClick r:id="rId3"/>
-              </a:rPr>
-              <a:t>github.com/stibe26/Schleifen_mit_Julia</a:t>
-            </a:r>
-            <a:endParaRPr lang="en-US" dirty="0" smtClean="0">
-              <a:solidFill>
-                <a:srgbClr val="FFFFFF"/>
-              </a:solidFill>
-            </a:endParaRPr>
+              <a:t>https://github.com/stibe26/Schleifen_mit_Julia</a:t>
+            </a:r>
           </a:p>
           <a:p>
             <a:pPr lvl="0">
-              <a:lnSpc>
-                <a:spcPct val="115000"/>
-              </a:lnSpc>
-              <a:buClr>
-                <a:schemeClr val="dk2"/>
-              </a:buClr>
-              <a:buSzPct val="36666"/>
-            </a:pPr>
-            <a:endParaRPr lang="en" dirty="0">
-              <a:solidFill>
-                <a:srgbClr val="FFFFFF"/>
-              </a:solidFill>
-            </a:endParaRPr>
+              <a:spcBef>
+                <a:spcPts val="0"/>
+              </a:spcBef>
+              <a:buNone/>
+            </a:pPr>
+            <a:r>
+              <a:t/>
+            </a:r>
+            <a:endParaRPr/>
           </a:p>
         </p:txBody>
       </p:sp>
@@ -7993,22 +8182,15 @@
   <p:transition spd="slow">
     <p:cut/>
   </p:transition>
-  <p:timing>
-    <p:tnLst>
-      <p:par>
-        <p:cTn id="1" dur="indefinite" restart="never" nodeType="tmRoot"/>
-      </p:par>
-    </p:tnLst>
-  </p:timing>
 </p:sld>
 </file>
 
 <file path=ppt/slides/slide3.xml><?xml version="1.0" encoding="utf-8"?>
-<p:sld xmlns:a="http://schemas.openxmlformats.org/drawingml/2006/main" xmlns:r="http://schemas.openxmlformats.org/officeDocument/2006/relationships" xmlns:p="http://schemas.openxmlformats.org/presentationml/2006/main">
+<p:sld xmlns:a="http://schemas.openxmlformats.org/drawingml/2006/main" xmlns:r="http://schemas.openxmlformats.org/officeDocument/2006/relationships" xmlns:mc="http://schemas.openxmlformats.org/markup-compatibility/2006" xmlns:mv="urn:schemas-microsoft-com:mac:vml" xmlns:p="http://schemas.openxmlformats.org/presentationml/2006/main" xmlns:c="http://schemas.openxmlformats.org/drawingml/2006/chart" xmlns:dgm="http://schemas.openxmlformats.org/drawingml/2006/diagram" xmlns:o="urn:schemas-microsoft-com:office:office" xmlns:v="urn:schemas-microsoft-com:vml" xmlns:pvml="urn:schemas-microsoft-com:office:powerpoint" xmlns:com="http://schemas.openxmlformats.org/drawingml/2006/compatibility" xmlns:p14="http://schemas.microsoft.com/office/powerpoint/2010/main">
   <p:cSld>
     <p:spTree>
       <p:nvGrpSpPr>
-        <p:cNvPr id="1" name="Shape 86"/>
+        <p:cNvPr id="86" name="Shape 86"/>
         <p:cNvGrpSpPr/>
         <p:nvPr/>
       </p:nvGrpSpPr>
@@ -8023,9 +8205,7 @@
       <p:sp>
         <p:nvSpPr>
           <p:cNvPr id="87" name="Shape 87"/>
-          <p:cNvSpPr txBox="1">
-            <a:spLocks noGrp="1"/>
-          </p:cNvSpPr>
+          <p:cNvSpPr txBox="1"/>
           <p:nvPr>
             <p:ph type="title"/>
           </p:nvPr>
@@ -8040,7 +8220,7 @@
           </a:prstGeom>
         </p:spPr>
         <p:txBody>
-          <a:bodyPr lIns="91425" tIns="91425" rIns="91425" bIns="91425" anchor="ctr" anchorCtr="0">
+          <a:bodyPr anchorCtr="0" anchor="ctr" bIns="91425" lIns="91425" rIns="91425" tIns="91425">
             <a:noAutofit/>
           </a:bodyPr>
           <a:lstStyle/>
@@ -8094,22 +8274,15 @@
   <p:transition spd="slow">
     <p:cut/>
   </p:transition>
-  <p:timing>
-    <p:tnLst>
-      <p:par>
-        <p:cTn id="1" dur="indefinite" restart="never" nodeType="tmRoot"/>
-      </p:par>
-    </p:tnLst>
-  </p:timing>
 </p:sld>
 </file>
 
 <file path=ppt/slides/slide4.xml><?xml version="1.0" encoding="utf-8"?>
-<p:sld xmlns:a="http://schemas.openxmlformats.org/drawingml/2006/main" xmlns:r="http://schemas.openxmlformats.org/officeDocument/2006/relationships" xmlns:p="http://schemas.openxmlformats.org/presentationml/2006/main">
+<p:sld xmlns:a="http://schemas.openxmlformats.org/drawingml/2006/main" xmlns:r="http://schemas.openxmlformats.org/officeDocument/2006/relationships" xmlns:mc="http://schemas.openxmlformats.org/markup-compatibility/2006" xmlns:mv="urn:schemas-microsoft-com:mac:vml" xmlns:p="http://schemas.openxmlformats.org/presentationml/2006/main" xmlns:c="http://schemas.openxmlformats.org/drawingml/2006/chart" xmlns:dgm="http://schemas.openxmlformats.org/drawingml/2006/diagram" xmlns:o="urn:schemas-microsoft-com:office:office" xmlns:v="urn:schemas-microsoft-com:vml" xmlns:pvml="urn:schemas-microsoft-com:office:powerpoint" xmlns:com="http://schemas.openxmlformats.org/drawingml/2006/compatibility" xmlns:p14="http://schemas.microsoft.com/office/powerpoint/2010/main">
   <p:cSld>
     <p:spTree>
       <p:nvGrpSpPr>
-        <p:cNvPr id="1" name="Shape 92"/>
+        <p:cNvPr id="92" name="Shape 92"/>
         <p:cNvGrpSpPr/>
         <p:nvPr/>
       </p:nvGrpSpPr>
@@ -8124,9 +8297,7 @@
       <p:sp>
         <p:nvSpPr>
           <p:cNvPr id="93" name="Shape 93"/>
-          <p:cNvSpPr txBox="1">
-            <a:spLocks noGrp="1"/>
-          </p:cNvSpPr>
+          <p:cNvSpPr txBox="1"/>
           <p:nvPr>
             <p:ph type="title"/>
           </p:nvPr>
@@ -8141,7 +8312,7 @@
           </a:prstGeom>
         </p:spPr>
         <p:txBody>
-          <a:bodyPr lIns="91425" tIns="91425" rIns="91425" bIns="91425" anchor="ctr" anchorCtr="0">
+          <a:bodyPr anchorCtr="0" anchor="ctr" bIns="91425" lIns="91425" rIns="91425" tIns="91425">
             <a:noAutofit/>
           </a:bodyPr>
           <a:lstStyle/>
@@ -8154,7 +8325,7 @@
             </a:pPr>
             <a:r>
               <a:rPr lang="en"/>
-              <a:t>Eine Schleife in Julia</a:t>
+              <a:t>Beispiele für Schleifen</a:t>
             </a:r>
           </a:p>
         </p:txBody>
@@ -8162,11 +8333,9 @@
       <p:sp>
         <p:nvSpPr>
           <p:cNvPr id="94" name="Shape 94"/>
-          <p:cNvSpPr txBox="1">
-            <a:spLocks noGrp="1"/>
-          </p:cNvSpPr>
+          <p:cNvSpPr txBox="1"/>
           <p:nvPr>
-            <p:ph type="body" idx="1"/>
+            <p:ph idx="1" type="body"/>
           </p:nvPr>
         </p:nvSpPr>
         <p:spPr>
@@ -8179,146 +8348,59 @@
           </a:prstGeom>
         </p:spPr>
         <p:txBody>
-          <a:bodyPr lIns="91425" tIns="91425" rIns="91425" bIns="91425" anchor="t" anchorCtr="0">
+          <a:bodyPr anchorCtr="0" anchor="t" bIns="91425" lIns="91425" rIns="91425" tIns="91425">
             <a:noAutofit/>
           </a:bodyPr>
           <a:lstStyle/>
           <a:p>
-            <a:pPr lvl="0" rtl="0">
+            <a:pPr indent="-419100" lvl="0" marL="457200" rtl="0">
               <a:spcBef>
                 <a:spcPts val="0"/>
               </a:spcBef>
               <a:buClr>
-                <a:schemeClr val="dk2"/>
+                <a:schemeClr val="lt2"/>
               </a:buClr>
-              <a:buSzPct val="36666"/>
+              <a:buSzPct val="100000"/>
               <a:buFont typeface="Arial"/>
-              <a:buNone/>
+              <a:buChar char="●"/>
             </a:pPr>
             <a:r>
               <a:rPr lang="en"/>
-              <a:t>for i=1:5</a:t>
-            </a:r>
-          </a:p>
-          <a:p>
-            <a:pPr lvl="0" rtl="0">
+              <a:t>Ich gehe von hier zum Badischen Bahnhof (linkes Bein bewegen, rechtes Bein bewegen)</a:t>
+            </a:r>
+          </a:p>
+          <a:p>
+            <a:pPr indent="-419100" lvl="0" marL="457200" rtl="0">
               <a:spcBef>
                 <a:spcPts val="0"/>
               </a:spcBef>
               <a:buClr>
-                <a:schemeClr val="dk2"/>
+                <a:schemeClr val="lt2"/>
               </a:buClr>
-              <a:buSzPct val="36666"/>
+              <a:buSzPct val="100000"/>
               <a:buFont typeface="Arial"/>
-              <a:buNone/>
+              <a:buChar char="●"/>
             </a:pPr>
             <a:r>
               <a:rPr lang="en"/>
-              <a:t>	println(i)</a:t>
-            </a:r>
-          </a:p>
-          <a:p>
-            <a:pPr rtl="0">
-              <a:spcBef>
-                <a:spcPts val="0"/>
-              </a:spcBef>
-              <a:buNone/>
+              <a:t>Winken </a:t>
+            </a:r>
+          </a:p>
+          <a:p>
+            <a:pPr indent="-419100" lvl="0" marL="457200">
+              <a:spcBef>
+                <a:spcPts val="0"/>
+              </a:spcBef>
+              <a:buClr>
+                <a:schemeClr val="lt2"/>
+              </a:buClr>
+              <a:buSzPct val="100000"/>
+              <a:buFont typeface="Arial"/>
+              <a:buChar char="●"/>
             </a:pPr>
             <a:r>
               <a:rPr lang="en"/>
-              <a:t>end</a:t>
-            </a:r>
-          </a:p>
-          <a:p>
-            <a:pPr lvl="0" rtl="0">
-              <a:spcBef>
-                <a:spcPts val="0"/>
-              </a:spcBef>
-              <a:buNone/>
-            </a:pPr>
-            <a:r>
-              <a:rPr lang="en" sz="1600"/>
-              <a:t>output: </a:t>
-            </a:r>
-          </a:p>
-          <a:p>
-            <a:pPr lvl="0" rtl="0">
-              <a:spcBef>
-                <a:spcPts val="0"/>
-              </a:spcBef>
-              <a:buClr>
-                <a:schemeClr val="dk2"/>
-              </a:buClr>
-              <a:buSzPct val="61111"/>
-              <a:buFont typeface="Arial"/>
-              <a:buNone/>
-            </a:pPr>
-            <a:r>
-              <a:rPr lang="en" sz="1800" b="1"/>
-              <a:t>1</a:t>
-            </a:r>
-          </a:p>
-          <a:p>
-            <a:pPr lvl="0" rtl="0">
-              <a:spcBef>
-                <a:spcPts val="0"/>
-              </a:spcBef>
-              <a:buClr>
-                <a:schemeClr val="dk2"/>
-              </a:buClr>
-              <a:buSzPct val="61111"/>
-              <a:buFont typeface="Arial"/>
-              <a:buNone/>
-            </a:pPr>
-            <a:r>
-              <a:rPr lang="en" sz="1800" b="1"/>
-              <a:t>2</a:t>
-            </a:r>
-          </a:p>
-          <a:p>
-            <a:pPr lvl="0" rtl="0">
-              <a:spcBef>
-                <a:spcPts val="0"/>
-              </a:spcBef>
-              <a:buClr>
-                <a:schemeClr val="dk2"/>
-              </a:buClr>
-              <a:buSzPct val="61111"/>
-              <a:buFont typeface="Arial"/>
-              <a:buNone/>
-            </a:pPr>
-            <a:r>
-              <a:rPr lang="en" sz="1800" b="1"/>
-              <a:t>3</a:t>
-            </a:r>
-          </a:p>
-          <a:p>
-            <a:pPr lvl="0" rtl="0">
-              <a:spcBef>
-                <a:spcPts val="0"/>
-              </a:spcBef>
-              <a:buClr>
-                <a:schemeClr val="dk2"/>
-              </a:buClr>
-              <a:buSzPct val="61111"/>
-              <a:buFont typeface="Arial"/>
-              <a:buNone/>
-            </a:pPr>
-            <a:r>
-              <a:rPr lang="en" sz="1800" b="1"/>
-              <a:t>4</a:t>
-            </a:r>
-          </a:p>
-          <a:p>
-            <a:pPr>
-              <a:spcBef>
-                <a:spcPts val="0"/>
-              </a:spcBef>
-              <a:buNone/>
-            </a:pPr>
-            <a:r>
-              <a:rPr lang="en" sz="1800" b="1"/>
-              <a:t>5</a:t>
+              <a:t>...</a:t>
             </a:r>
           </a:p>
         </p:txBody>
@@ -8331,22 +8413,15 @@
   <p:transition spd="slow">
     <p:cut/>
   </p:transition>
-  <p:timing>
-    <p:tnLst>
-      <p:par>
-        <p:cTn id="1" dur="indefinite" restart="never" nodeType="tmRoot"/>
-      </p:par>
-    </p:tnLst>
-  </p:timing>
 </p:sld>
 </file>
 
 <file path=ppt/slides/slide5.xml><?xml version="1.0" encoding="utf-8"?>
-<p:sld xmlns:a="http://schemas.openxmlformats.org/drawingml/2006/main" xmlns:r="http://schemas.openxmlformats.org/officeDocument/2006/relationships" xmlns:p="http://schemas.openxmlformats.org/presentationml/2006/main">
+<p:sld xmlns:a="http://schemas.openxmlformats.org/drawingml/2006/main" xmlns:r="http://schemas.openxmlformats.org/officeDocument/2006/relationships" xmlns:mc="http://schemas.openxmlformats.org/markup-compatibility/2006" xmlns:mv="urn:schemas-microsoft-com:mac:vml" xmlns:p="http://schemas.openxmlformats.org/presentationml/2006/main" xmlns:c="http://schemas.openxmlformats.org/drawingml/2006/chart" xmlns:dgm="http://schemas.openxmlformats.org/drawingml/2006/diagram" xmlns:o="urn:schemas-microsoft-com:office:office" xmlns:v="urn:schemas-microsoft-com:vml" xmlns:pvml="urn:schemas-microsoft-com:office:powerpoint" xmlns:com="http://schemas.openxmlformats.org/drawingml/2006/compatibility" xmlns:p14="http://schemas.microsoft.com/office/powerpoint/2010/main">
   <p:cSld>
     <p:spTree>
       <p:nvGrpSpPr>
-        <p:cNvPr id="1" name="Shape 98"/>
+        <p:cNvPr id="98" name="Shape 98"/>
         <p:cNvGrpSpPr/>
         <p:nvPr/>
       </p:nvGrpSpPr>
@@ -8361,9 +8436,7 @@
       <p:sp>
         <p:nvSpPr>
           <p:cNvPr id="99" name="Shape 99"/>
-          <p:cNvSpPr txBox="1">
-            <a:spLocks noGrp="1"/>
-          </p:cNvSpPr>
+          <p:cNvSpPr txBox="1"/>
           <p:nvPr>
             <p:ph type="title"/>
           </p:nvPr>
@@ -8378,7 +8451,7 @@
           </a:prstGeom>
         </p:spPr>
         <p:txBody>
-          <a:bodyPr lIns="91425" tIns="91425" rIns="91425" bIns="91425" anchor="ctr" anchorCtr="0">
+          <a:bodyPr anchorCtr="0" anchor="ctr" bIns="91425" lIns="91425" rIns="91425" tIns="91425">
             <a:noAutofit/>
           </a:bodyPr>
           <a:lstStyle/>
@@ -8391,7 +8464,7 @@
             </a:pPr>
             <a:r>
               <a:rPr lang="en"/>
-              <a:t>???</a:t>
+              <a:t>Eine Schleife in Julia</a:t>
             </a:r>
           </a:p>
         </p:txBody>
@@ -8399,11 +8472,9 @@
       <p:sp>
         <p:nvSpPr>
           <p:cNvPr id="100" name="Shape 100"/>
-          <p:cNvSpPr txBox="1">
-            <a:spLocks noGrp="1"/>
-          </p:cNvSpPr>
+          <p:cNvSpPr txBox="1"/>
           <p:nvPr>
-            <p:ph type="body" idx="1"/>
+            <p:ph idx="1" type="body"/>
           </p:nvPr>
         </p:nvSpPr>
         <p:spPr>
@@ -8416,11 +8487,137 @@
           </a:prstGeom>
         </p:spPr>
         <p:txBody>
-          <a:bodyPr lIns="91425" tIns="91425" rIns="91425" bIns="91425" anchor="t" anchorCtr="0">
+          <a:bodyPr anchorCtr="0" anchor="t" bIns="91425" lIns="91425" rIns="91425" tIns="91425">
             <a:noAutofit/>
           </a:bodyPr>
           <a:lstStyle/>
           <a:p>
+            <a:pPr lvl="0" rtl="0">
+              <a:spcBef>
+                <a:spcPts val="0"/>
+              </a:spcBef>
+              <a:buClr>
+                <a:schemeClr val="dk2"/>
+              </a:buClr>
+              <a:buSzPct val="36666"/>
+              <a:buFont typeface="Arial"/>
+              <a:buNone/>
+            </a:pPr>
+            <a:r>
+              <a:rPr lang="en"/>
+              <a:t>for i=1:5</a:t>
+            </a:r>
+          </a:p>
+          <a:p>
+            <a:pPr lvl="0" rtl="0">
+              <a:spcBef>
+                <a:spcPts val="0"/>
+              </a:spcBef>
+              <a:buClr>
+                <a:schemeClr val="dk2"/>
+              </a:buClr>
+              <a:buSzPct val="36666"/>
+              <a:buFont typeface="Arial"/>
+              <a:buNone/>
+            </a:pPr>
+            <a:r>
+              <a:rPr lang="en"/>
+              <a:t>	println(i)</a:t>
+            </a:r>
+          </a:p>
+          <a:p>
+            <a:pPr rtl="0">
+              <a:spcBef>
+                <a:spcPts val="0"/>
+              </a:spcBef>
+              <a:buNone/>
+            </a:pPr>
+            <a:r>
+              <a:rPr lang="en"/>
+              <a:t>end</a:t>
+            </a:r>
+          </a:p>
+          <a:p>
+            <a:pPr lvl="0" rtl="0">
+              <a:spcBef>
+                <a:spcPts val="0"/>
+              </a:spcBef>
+              <a:buNone/>
+            </a:pPr>
+            <a:r>
+              <a:rPr lang="en" sz="1600"/>
+              <a:t>output: </a:t>
+            </a:r>
+          </a:p>
+          <a:p>
+            <a:pPr lvl="0" rtl="0">
+              <a:spcBef>
+                <a:spcPts val="0"/>
+              </a:spcBef>
+              <a:buClr>
+                <a:schemeClr val="dk2"/>
+              </a:buClr>
+              <a:buSzPct val="61111"/>
+              <a:buFont typeface="Arial"/>
+              <a:buNone/>
+            </a:pPr>
+            <a:r>
+              <a:rPr b="1" lang="en" sz="1800"/>
+              <a:t>1</a:t>
+            </a:r>
+          </a:p>
+          <a:p>
+            <a:pPr lvl="0" rtl="0">
+              <a:spcBef>
+                <a:spcPts val="0"/>
+              </a:spcBef>
+              <a:buClr>
+                <a:schemeClr val="dk2"/>
+              </a:buClr>
+              <a:buSzPct val="61111"/>
+              <a:buFont typeface="Arial"/>
+              <a:buNone/>
+            </a:pPr>
+            <a:r>
+              <a:rPr b="1" lang="en" sz="1800"/>
+              <a:t>2</a:t>
+            </a:r>
+          </a:p>
+          <a:p>
+            <a:pPr lvl="0" rtl="0">
+              <a:spcBef>
+                <a:spcPts val="0"/>
+              </a:spcBef>
+              <a:buClr>
+                <a:schemeClr val="dk2"/>
+              </a:buClr>
+              <a:buSzPct val="61111"/>
+              <a:buFont typeface="Arial"/>
+              <a:buNone/>
+            </a:pPr>
+            <a:r>
+              <a:rPr b="1" lang="en" sz="1800"/>
+              <a:t>3</a:t>
+            </a:r>
+          </a:p>
+          <a:p>
+            <a:pPr lvl="0" rtl="0">
+              <a:spcBef>
+                <a:spcPts val="0"/>
+              </a:spcBef>
+              <a:buClr>
+                <a:schemeClr val="dk2"/>
+              </a:buClr>
+              <a:buSzPct val="61111"/>
+              <a:buFont typeface="Arial"/>
+              <a:buNone/>
+            </a:pPr>
+            <a:r>
+              <a:rPr b="1" lang="en" sz="1800"/>
+              <a:t>4</a:t>
+            </a:r>
+          </a:p>
+          <a:p>
             <a:pPr>
               <a:spcBef>
                 <a:spcPts val="0"/>
@@ -8428,8 +8625,8 @@
               <a:buNone/>
             </a:pPr>
             <a:r>
-              <a:rPr lang="en"/>
-              <a:t>Wie müsste das Beispiel von vorher aussehen, wenn man anstatt von 1-5 alle Zahlen von 1-10 haben möchte?</a:t>
+              <a:rPr b="1" lang="en" sz="1800"/>
+              <a:t>5</a:t>
             </a:r>
           </a:p>
         </p:txBody>
@@ -8442,22 +8639,15 @@
   <p:transition spd="slow">
     <p:cut/>
   </p:transition>
-  <p:timing>
-    <p:tnLst>
-      <p:par>
-        <p:cTn id="1" dur="indefinite" restart="never" nodeType="tmRoot"/>
-      </p:par>
-    </p:tnLst>
-  </p:timing>
 </p:sld>
 </file>
 
 <file path=ppt/slides/slide6.xml><?xml version="1.0" encoding="utf-8"?>
-<p:sld xmlns:a="http://schemas.openxmlformats.org/drawingml/2006/main" xmlns:r="http://schemas.openxmlformats.org/officeDocument/2006/relationships" xmlns:p="http://schemas.openxmlformats.org/presentationml/2006/main">
+<p:sld xmlns:a="http://schemas.openxmlformats.org/drawingml/2006/main" xmlns:r="http://schemas.openxmlformats.org/officeDocument/2006/relationships" xmlns:mc="http://schemas.openxmlformats.org/markup-compatibility/2006" xmlns:mv="urn:schemas-microsoft-com:mac:vml" xmlns:p="http://schemas.openxmlformats.org/presentationml/2006/main" xmlns:c="http://schemas.openxmlformats.org/drawingml/2006/chart" xmlns:dgm="http://schemas.openxmlformats.org/drawingml/2006/diagram" xmlns:o="urn:schemas-microsoft-com:office:office" xmlns:v="urn:schemas-microsoft-com:vml" xmlns:pvml="urn:schemas-microsoft-com:office:powerpoint" xmlns:com="http://schemas.openxmlformats.org/drawingml/2006/compatibility" xmlns:p14="http://schemas.microsoft.com/office/powerpoint/2010/main">
   <p:cSld>
     <p:spTree>
       <p:nvGrpSpPr>
-        <p:cNvPr id="1" name="Shape 104"/>
+        <p:cNvPr id="104" name="Shape 104"/>
         <p:cNvGrpSpPr/>
         <p:nvPr/>
       </p:nvGrpSpPr>
@@ -8472,9 +8662,7 @@
       <p:sp>
         <p:nvSpPr>
           <p:cNvPr id="105" name="Shape 105"/>
-          <p:cNvSpPr txBox="1">
-            <a:spLocks noGrp="1"/>
-          </p:cNvSpPr>
+          <p:cNvSpPr txBox="1"/>
           <p:nvPr>
             <p:ph type="title"/>
           </p:nvPr>
@@ -8489,7 +8677,7 @@
           </a:prstGeom>
         </p:spPr>
         <p:txBody>
-          <a:bodyPr lIns="91425" tIns="91425" rIns="91425" bIns="91425" anchor="ctr" anchorCtr="0">
+          <a:bodyPr anchorCtr="0" anchor="ctr" bIns="91425" lIns="91425" rIns="91425" tIns="91425">
             <a:noAutofit/>
           </a:bodyPr>
           <a:lstStyle/>
@@ -8502,7 +8690,7 @@
             </a:pPr>
             <a:r>
               <a:rPr lang="en"/>
-              <a:t>Wer oder was ist Julia?</a:t>
+              <a:t>???</a:t>
             </a:r>
           </a:p>
         </p:txBody>
@@ -8510,11 +8698,9 @@
       <p:sp>
         <p:nvSpPr>
           <p:cNvPr id="106" name="Shape 106"/>
-          <p:cNvSpPr txBox="1">
-            <a:spLocks noGrp="1"/>
-          </p:cNvSpPr>
+          <p:cNvSpPr txBox="1"/>
           <p:nvPr>
-            <p:ph type="body" idx="1"/>
+            <p:ph idx="1" type="body"/>
           </p:nvPr>
         </p:nvSpPr>
         <p:spPr>
@@ -8527,70 +8713,11 @@
           </a:prstGeom>
         </p:spPr>
         <p:txBody>
-          <a:bodyPr lIns="91425" tIns="91425" rIns="91425" bIns="91425" anchor="t" anchorCtr="0">
+          <a:bodyPr anchorCtr="0" anchor="t" bIns="91425" lIns="91425" rIns="91425" tIns="91425">
             <a:noAutofit/>
           </a:bodyPr>
           <a:lstStyle/>
           <a:p>
-            <a:pPr rtl="0">
-              <a:spcBef>
-                <a:spcPts val="0"/>
-              </a:spcBef>
-              <a:buNone/>
-            </a:pPr>
-            <a:r>
-              <a:rPr lang="en" dirty="0"/>
-              <a:t>Homepage: </a:t>
-            </a:r>
-            <a:r>
-              <a:rPr lang="en" u="sng" dirty="0">
-                <a:solidFill>
-                  <a:schemeClr val="hlink"/>
-                </a:solidFill>
-                <a:hlinkClick r:id="rId3"/>
-              </a:rPr>
-              <a:t>http://julialang.org/</a:t>
-            </a:r>
-          </a:p>
-          <a:p>
-            <a:pPr rtl="0">
-              <a:spcBef>
-                <a:spcPts val="0"/>
-              </a:spcBef>
-              <a:buNone/>
-            </a:pPr>
-            <a:endParaRPr dirty="0"/>
-          </a:p>
-          <a:p>
-            <a:pPr rtl="0">
-              <a:spcBef>
-                <a:spcPts val="0"/>
-              </a:spcBef>
-              <a:buNone/>
-            </a:pPr>
-            <a:r>
-              <a:rPr lang="en" dirty="0"/>
-              <a:t>Direkt nutzbar ohne irgend etwas installieren zu müssen (nur ein Google Account nötig)</a:t>
-            </a:r>
-          </a:p>
-          <a:p>
-            <a:pPr rtl="0">
-              <a:spcBef>
-                <a:spcPts val="0"/>
-              </a:spcBef>
-              <a:buNone/>
-            </a:pPr>
-            <a:r>
-              <a:rPr lang="en" u="sng" dirty="0">
-                <a:solidFill>
-                  <a:schemeClr val="lt1"/>
-                </a:solidFill>
-                <a:hlinkClick r:id="rId4"/>
-              </a:rPr>
-              <a:t>https://www.juliabox.org/</a:t>
-            </a:r>
-          </a:p>
-          <a:p>
             <a:pPr>
               <a:spcBef>
                 <a:spcPts val="0"/>
@@ -8598,8 +8725,8 @@
               <a:buNone/>
             </a:pPr>
             <a:r>
-              <a:rPr lang="en" sz="1800" dirty="0"/>
-              <a:t>Man könnte es auch lokal installieren und dann auf dem Browser ausführen lassen</a:t>
+              <a:rPr lang="en"/>
+              <a:t>Wie müsste das Beispiel von vorher aussehen, wenn man anstatt von 1-5 alle Zahlen von 1-10 haben möchte?</a:t>
             </a:r>
           </a:p>
         </p:txBody>
@@ -8612,22 +8739,15 @@
   <p:transition spd="slow">
     <p:cut/>
   </p:transition>
-  <p:timing>
-    <p:tnLst>
-      <p:par>
-        <p:cTn id="1" dur="indefinite" restart="never" nodeType="tmRoot"/>
-      </p:par>
-    </p:tnLst>
-  </p:timing>
 </p:sld>
 </file>
 
 <file path=ppt/slides/slide7.xml><?xml version="1.0" encoding="utf-8"?>
-<p:sld xmlns:a="http://schemas.openxmlformats.org/drawingml/2006/main" xmlns:r="http://schemas.openxmlformats.org/officeDocument/2006/relationships" xmlns:p="http://schemas.openxmlformats.org/presentationml/2006/main">
+<p:sld xmlns:a="http://schemas.openxmlformats.org/drawingml/2006/main" xmlns:r="http://schemas.openxmlformats.org/officeDocument/2006/relationships" xmlns:mc="http://schemas.openxmlformats.org/markup-compatibility/2006" xmlns:mv="urn:schemas-microsoft-com:mac:vml" xmlns:p="http://schemas.openxmlformats.org/presentationml/2006/main" xmlns:c="http://schemas.openxmlformats.org/drawingml/2006/chart" xmlns:dgm="http://schemas.openxmlformats.org/drawingml/2006/diagram" xmlns:o="urn:schemas-microsoft-com:office:office" xmlns:v="urn:schemas-microsoft-com:vml" xmlns:pvml="urn:schemas-microsoft-com:office:powerpoint" xmlns:com="http://schemas.openxmlformats.org/drawingml/2006/compatibility" xmlns:p14="http://schemas.microsoft.com/office/powerpoint/2010/main">
   <p:cSld>
     <p:spTree>
       <p:nvGrpSpPr>
-        <p:cNvPr id="1" name="Shape 110"/>
+        <p:cNvPr id="110" name="Shape 110"/>
         <p:cNvGrpSpPr/>
         <p:nvPr/>
       </p:nvGrpSpPr>
@@ -8642,9 +8762,7 @@
       <p:sp>
         <p:nvSpPr>
           <p:cNvPr id="111" name="Shape 111"/>
-          <p:cNvSpPr txBox="1">
-            <a:spLocks noGrp="1"/>
-          </p:cNvSpPr>
+          <p:cNvSpPr txBox="1"/>
           <p:nvPr>
             <p:ph type="title"/>
           </p:nvPr>
@@ -8659,7 +8777,7 @@
           </a:prstGeom>
         </p:spPr>
         <p:txBody>
-          <a:bodyPr lIns="91425" tIns="91425" rIns="91425" bIns="91425" anchor="ctr" anchorCtr="0">
+          <a:bodyPr anchorCtr="0" anchor="ctr" bIns="91425" lIns="91425" rIns="91425" tIns="91425">
             <a:noAutofit/>
           </a:bodyPr>
           <a:lstStyle/>
@@ -8670,18 +8788,19 @@
               </a:spcBef>
               <a:buNone/>
             </a:pPr>
-            <a:endParaRPr/>
+            <a:r>
+              <a:rPr lang="en"/>
+              <a:t>Wer oder was ist Julia?</a:t>
+            </a:r>
           </a:p>
         </p:txBody>
       </p:sp>
       <p:sp>
         <p:nvSpPr>
           <p:cNvPr id="112" name="Shape 112"/>
-          <p:cNvSpPr txBox="1">
-            <a:spLocks noGrp="1"/>
-          </p:cNvSpPr>
+          <p:cNvSpPr txBox="1"/>
           <p:nvPr>
-            <p:ph type="body" idx="1"/>
+            <p:ph idx="1" type="body"/>
           </p:nvPr>
         </p:nvSpPr>
         <p:spPr>
@@ -8694,24 +8813,357 @@
           </a:prstGeom>
         </p:spPr>
         <p:txBody>
-          <a:bodyPr lIns="91425" tIns="91425" rIns="91425" bIns="91425" anchor="t" anchorCtr="0">
+          <a:bodyPr anchorCtr="0" anchor="t" bIns="91425" lIns="91425" rIns="91425" tIns="91425">
             <a:noAutofit/>
           </a:bodyPr>
           <a:lstStyle/>
           <a:p>
+            <a:pPr rtl="0">
+              <a:spcBef>
+                <a:spcPts val="0"/>
+              </a:spcBef>
+              <a:buNone/>
+            </a:pPr>
+            <a:r>
+              <a:rPr lang="en"/>
+              <a:t>Kombiniert die folgenden Elemente interaktiv in einem Dokument:</a:t>
+            </a:r>
+          </a:p>
+          <a:p>
+            <a:pPr indent="-419100" lvl="0" marL="457200" rtl="0">
+              <a:spcBef>
+                <a:spcPts val="0"/>
+              </a:spcBef>
+              <a:buClr>
+                <a:schemeClr val="lt2"/>
+              </a:buClr>
+              <a:buSzPct val="100000"/>
+              <a:buFont typeface="Arial"/>
+              <a:buChar char="●"/>
+            </a:pPr>
+            <a:r>
+              <a:rPr lang="en"/>
+              <a:t>Code</a:t>
+            </a:r>
+          </a:p>
+          <a:p>
+            <a:pPr indent="-419100" lvl="0" marL="457200" rtl="0">
+              <a:spcBef>
+                <a:spcPts val="0"/>
+              </a:spcBef>
+              <a:buClr>
+                <a:schemeClr val="lt2"/>
+              </a:buClr>
+              <a:buSzPct val="100000"/>
+              <a:buFont typeface="Arial"/>
+              <a:buChar char="●"/>
+            </a:pPr>
+            <a:r>
+              <a:rPr lang="en"/>
+              <a:t>Formatierten Text</a:t>
+            </a:r>
+          </a:p>
+          <a:p>
+            <a:pPr indent="-419100" lvl="0" marL="457200" rtl="0">
+              <a:spcBef>
+                <a:spcPts val="0"/>
+              </a:spcBef>
+              <a:buClr>
+                <a:schemeClr val="lt2"/>
+              </a:buClr>
+              <a:buSzPct val="100000"/>
+              <a:buFont typeface="Arial"/>
+              <a:buChar char="●"/>
+            </a:pPr>
+            <a:r>
+              <a:rPr lang="en"/>
+              <a:t>Mathematik</a:t>
+            </a:r>
+          </a:p>
+          <a:p>
+            <a:pPr indent="-419100" lvl="0" marL="457200">
+              <a:spcBef>
+                <a:spcPts val="0"/>
+              </a:spcBef>
+              <a:buClr>
+                <a:schemeClr val="lt2"/>
+              </a:buClr>
+              <a:buSzPct val="100000"/>
+              <a:buFont typeface="Arial"/>
+              <a:buChar char="●"/>
+            </a:pPr>
+            <a:r>
+              <a:rPr lang="en"/>
+              <a:t>Multimedia</a:t>
+            </a:r>
+          </a:p>
+        </p:txBody>
+      </p:sp>
+    </p:spTree>
+  </p:cSld>
+  <p:clrMapOvr>
+    <a:masterClrMapping/>
+  </p:clrMapOvr>
+  <p:transition spd="slow">
+    <p:cut/>
+  </p:transition>
+</p:sld>
+</file>
+
+<file path=ppt/slides/slide8.xml><?xml version="1.0" encoding="utf-8"?>
+<p:sld xmlns:a="http://schemas.openxmlformats.org/drawingml/2006/main" xmlns:r="http://schemas.openxmlformats.org/officeDocument/2006/relationships" xmlns:mc="http://schemas.openxmlformats.org/markup-compatibility/2006" xmlns:mv="urn:schemas-microsoft-com:mac:vml" xmlns:p="http://schemas.openxmlformats.org/presentationml/2006/main" xmlns:c="http://schemas.openxmlformats.org/drawingml/2006/chart" xmlns:dgm="http://schemas.openxmlformats.org/drawingml/2006/diagram" xmlns:o="urn:schemas-microsoft-com:office:office" xmlns:v="urn:schemas-microsoft-com:vml" xmlns:pvml="urn:schemas-microsoft-com:office:powerpoint" xmlns:com="http://schemas.openxmlformats.org/drawingml/2006/compatibility" xmlns:p14="http://schemas.microsoft.com/office/powerpoint/2010/main">
+  <p:cSld>
+    <p:spTree>
+      <p:nvGrpSpPr>
+        <p:cNvPr id="116" name="Shape 116"/>
+        <p:cNvGrpSpPr/>
+        <p:nvPr/>
+      </p:nvGrpSpPr>
+      <p:grpSpPr>
+        <a:xfrm>
+          <a:off x="0" y="0"/>
+          <a:ext cx="0" cy="0"/>
+          <a:chOff x="0" y="0"/>
+          <a:chExt cx="0" cy="0"/>
+        </a:xfrm>
+      </p:grpSpPr>
+      <p:sp>
+        <p:nvSpPr>
+          <p:cNvPr id="117" name="Shape 117"/>
+          <p:cNvSpPr txBox="1"/>
+          <p:nvPr>
+            <p:ph type="title"/>
+          </p:nvPr>
+        </p:nvSpPr>
+        <p:spPr>
+          <a:xfrm rot="-228134">
+            <a:off x="1184357" y="-16296"/>
+            <a:ext cx="8215583" cy="859729"/>
+          </a:xfrm>
+          <a:prstGeom prst="rect">
+            <a:avLst/>
+          </a:prstGeom>
+        </p:spPr>
+        <p:txBody>
+          <a:bodyPr anchorCtr="0" anchor="ctr" bIns="91425" lIns="91425" rIns="91425" tIns="91425">
+            <a:noAutofit/>
+          </a:bodyPr>
+          <a:lstStyle/>
+          <a:p>
             <a:pPr>
               <a:spcBef>
                 <a:spcPts val="0"/>
               </a:spcBef>
               <a:buNone/>
             </a:pPr>
+            <a:r>
+              <a:rPr lang="en"/>
+              <a:t>Infos </a:t>
+            </a:r>
+          </a:p>
+        </p:txBody>
+      </p:sp>
+      <p:sp>
+        <p:nvSpPr>
+          <p:cNvPr id="118" name="Shape 118"/>
+          <p:cNvSpPr txBox="1"/>
+          <p:nvPr>
+            <p:ph idx="1" type="body"/>
+          </p:nvPr>
+        </p:nvSpPr>
+        <p:spPr>
+          <a:xfrm>
+            <a:off x="457200" y="1200150"/>
+            <a:ext cx="8229600" cy="3394500"/>
+          </a:xfrm>
+          <a:prstGeom prst="rect">
+            <a:avLst/>
+          </a:prstGeom>
+        </p:spPr>
+        <p:txBody>
+          <a:bodyPr anchorCtr="0" anchor="t" bIns="91425" lIns="91425" rIns="91425" tIns="91425">
+            <a:noAutofit/>
+          </a:bodyPr>
+          <a:lstStyle/>
+          <a:p>
+            <a:pPr rtl="0">
+              <a:spcBef>
+                <a:spcPts val="0"/>
+              </a:spcBef>
+              <a:buNone/>
+            </a:pPr>
+            <a:r>
+              <a:rPr lang="en"/>
+              <a:t>Homepage: </a:t>
+            </a:r>
+            <a:r>
+              <a:rPr lang="en" u="sng">
+                <a:solidFill>
+                  <a:schemeClr val="hlink"/>
+                </a:solidFill>
+                <a:hlinkClick r:id="rId3"/>
+              </a:rPr>
+              <a:t>http://julialang.org/</a:t>
+            </a:r>
+          </a:p>
+          <a:p>
+            <a:pPr rtl="0">
+              <a:spcBef>
+                <a:spcPts val="0"/>
+              </a:spcBef>
+              <a:buNone/>
+            </a:pPr>
+            <a:r>
+              <a:t/>
+            </a:r>
             <a:endParaRPr/>
           </a:p>
-        </p:txBody>
-      </p:sp>
-      <p:sp>
-        <p:nvSpPr>
-          <p:cNvPr id="113" name="Shape 113"/>
+          <a:p>
+            <a:pPr rtl="0">
+              <a:spcBef>
+                <a:spcPts val="0"/>
+              </a:spcBef>
+              <a:buNone/>
+            </a:pPr>
+            <a:r>
+              <a:rPr lang="en"/>
+              <a:t>Direkt nutzbar ohne irgend etwas installieren zu müssen (nur ein Google Account nötig)</a:t>
+            </a:r>
+          </a:p>
+          <a:p>
+            <a:pPr rtl="0">
+              <a:spcBef>
+                <a:spcPts val="0"/>
+              </a:spcBef>
+              <a:buNone/>
+            </a:pPr>
+            <a:r>
+              <a:rPr lang="en" u="sng">
+                <a:solidFill>
+                  <a:schemeClr val="lt1"/>
+                </a:solidFill>
+                <a:hlinkClick r:id="rId4"/>
+              </a:rPr>
+              <a:t>https://www.juliabox.org/</a:t>
+            </a:r>
+          </a:p>
+          <a:p>
+            <a:pPr>
+              <a:spcBef>
+                <a:spcPts val="0"/>
+              </a:spcBef>
+              <a:buNone/>
+            </a:pPr>
+            <a:r>
+              <a:rPr lang="en" sz="1800"/>
+              <a:t>Man könnte es auch lokal installieren und dann auf dem Browser ausführen lassen</a:t>
+            </a:r>
+          </a:p>
+        </p:txBody>
+      </p:sp>
+    </p:spTree>
+  </p:cSld>
+  <p:clrMapOvr>
+    <a:masterClrMapping/>
+  </p:clrMapOvr>
+  <p:transition spd="slow">
+    <p:cut/>
+  </p:transition>
+</p:sld>
+</file>
+
+<file path=ppt/slides/slide9.xml><?xml version="1.0" encoding="utf-8"?>
+<p:sld xmlns:a="http://schemas.openxmlformats.org/drawingml/2006/main" xmlns:r="http://schemas.openxmlformats.org/officeDocument/2006/relationships" xmlns:mc="http://schemas.openxmlformats.org/markup-compatibility/2006" xmlns:mv="urn:schemas-microsoft-com:mac:vml" xmlns:p="http://schemas.openxmlformats.org/presentationml/2006/main" xmlns:c="http://schemas.openxmlformats.org/drawingml/2006/chart" xmlns:dgm="http://schemas.openxmlformats.org/drawingml/2006/diagram" xmlns:o="urn:schemas-microsoft-com:office:office" xmlns:v="urn:schemas-microsoft-com:vml" xmlns:pvml="urn:schemas-microsoft-com:office:powerpoint" xmlns:com="http://schemas.openxmlformats.org/drawingml/2006/compatibility" xmlns:p14="http://schemas.microsoft.com/office/powerpoint/2010/main">
+  <p:cSld>
+    <p:spTree>
+      <p:nvGrpSpPr>
+        <p:cNvPr id="122" name="Shape 122"/>
+        <p:cNvGrpSpPr/>
+        <p:nvPr/>
+      </p:nvGrpSpPr>
+      <p:grpSpPr>
+        <a:xfrm>
+          <a:off x="0" y="0"/>
+          <a:ext cx="0" cy="0"/>
+          <a:chOff x="0" y="0"/>
+          <a:chExt cx="0" cy="0"/>
+        </a:xfrm>
+      </p:grpSpPr>
+      <p:sp>
+        <p:nvSpPr>
+          <p:cNvPr id="123" name="Shape 123"/>
+          <p:cNvSpPr txBox="1"/>
+          <p:nvPr>
+            <p:ph type="title"/>
+          </p:nvPr>
+        </p:nvSpPr>
+        <p:spPr>
+          <a:xfrm rot="-228134">
+            <a:off x="1184357" y="-16296"/>
+            <a:ext cx="8215583" cy="859729"/>
+          </a:xfrm>
+          <a:prstGeom prst="rect">
+            <a:avLst/>
+          </a:prstGeom>
+        </p:spPr>
+        <p:txBody>
+          <a:bodyPr anchorCtr="0" anchor="ctr" bIns="91425" lIns="91425" rIns="91425" tIns="91425">
+            <a:noAutofit/>
+          </a:bodyPr>
+          <a:lstStyle/>
+          <a:p>
+            <a:pPr>
+              <a:spcBef>
+                <a:spcPts val="0"/>
+              </a:spcBef>
+              <a:buNone/>
+            </a:pPr>
+            <a:r>
+              <a:t/>
+            </a:r>
+            <a:endParaRPr/>
+          </a:p>
+        </p:txBody>
+      </p:sp>
+      <p:sp>
+        <p:nvSpPr>
+          <p:cNvPr id="124" name="Shape 124"/>
+          <p:cNvSpPr txBox="1"/>
+          <p:nvPr>
+            <p:ph idx="1" type="body"/>
+          </p:nvPr>
+        </p:nvSpPr>
+        <p:spPr>
+          <a:xfrm>
+            <a:off x="457200" y="1200150"/>
+            <a:ext cx="8229600" cy="3394500"/>
+          </a:xfrm>
+          <a:prstGeom prst="rect">
+            <a:avLst/>
+          </a:prstGeom>
+        </p:spPr>
+        <p:txBody>
+          <a:bodyPr anchorCtr="0" anchor="t" bIns="91425" lIns="91425" rIns="91425" tIns="91425">
+            <a:noAutofit/>
+          </a:bodyPr>
+          <a:lstStyle/>
+          <a:p>
+            <a:pPr>
+              <a:spcBef>
+                <a:spcPts val="0"/>
+              </a:spcBef>
+              <a:buNone/>
+            </a:pPr>
+            <a:r>
+              <a:t/>
+            </a:r>
+            <a:endParaRPr/>
+          </a:p>
+        </p:txBody>
+      </p:sp>
+      <p:sp>
+        <p:nvSpPr>
+          <p:cNvPr id="125" name="Shape 125"/>
           <p:cNvSpPr txBox="1"/>
           <p:nvPr/>
         </p:nvSpPr>
@@ -8729,7 +9181,7 @@
           </a:ln>
         </p:spPr>
         <p:txBody>
-          <a:bodyPr lIns="91425" tIns="91425" rIns="91425" bIns="91425" anchor="t" anchorCtr="0">
+          <a:bodyPr anchorCtr="0" anchor="t" bIns="91425" lIns="91425" rIns="91425" tIns="91425">
             <a:noAutofit/>
           </a:bodyPr>
           <a:lstStyle/>
@@ -8740,13 +9192,16 @@
               </a:spcBef>
               <a:buNone/>
             </a:pPr>
+            <a:r>
+              <a:t/>
+            </a:r>
             <a:endParaRPr/>
           </a:p>
         </p:txBody>
       </p:sp>
       <p:pic>
         <p:nvPicPr>
-          <p:cNvPr id="114" name="Shape 114"/>
+          <p:cNvPr id="126" name="Shape 126"/>
           <p:cNvPicPr preferRelativeResize="0"/>
           <p:nvPr/>
         </p:nvPicPr>
@@ -8780,387 +9235,288 @@
   <p:transition spd="slow">
     <p:cut/>
   </p:transition>
-  <p:timing>
-    <p:tnLst>
-      <p:par>
-        <p:cTn id="1" dur="indefinite" restart="never" nodeType="tmRoot"/>
-      </p:par>
-    </p:tnLst>
-  </p:timing>
-</p:sld>
-</file>
-
-<file path=ppt/slides/slide8.xml><?xml version="1.0" encoding="utf-8"?>
-<p:sld xmlns:a="http://schemas.openxmlformats.org/drawingml/2006/main" xmlns:r="http://schemas.openxmlformats.org/officeDocument/2006/relationships" xmlns:p="http://schemas.openxmlformats.org/presentationml/2006/main">
-  <p:cSld>
-    <p:spTree>
-      <p:nvGrpSpPr>
-        <p:cNvPr id="1" name="Shape 118"/>
-        <p:cNvGrpSpPr/>
-        <p:nvPr/>
-      </p:nvGrpSpPr>
-      <p:grpSpPr>
-        <a:xfrm>
-          <a:off x="0" y="0"/>
-          <a:ext cx="0" cy="0"/>
-          <a:chOff x="0" y="0"/>
-          <a:chExt cx="0" cy="0"/>
-        </a:xfrm>
-      </p:grpSpPr>
-      <p:sp>
-        <p:nvSpPr>
-          <p:cNvPr id="119" name="Shape 119"/>
-          <p:cNvSpPr txBox="1">
-            <a:spLocks noGrp="1"/>
-          </p:cNvSpPr>
-          <p:nvPr>
-            <p:ph type="title"/>
-          </p:nvPr>
-        </p:nvSpPr>
-        <p:spPr>
-          <a:xfrm rot="-228134">
-            <a:off x="1184357" y="-16296"/>
-            <a:ext cx="8215583" cy="859729"/>
-          </a:xfrm>
-          <a:prstGeom prst="rect">
-            <a:avLst/>
-          </a:prstGeom>
-        </p:spPr>
-        <p:txBody>
-          <a:bodyPr lIns="91425" tIns="91425" rIns="91425" bIns="91425" anchor="ctr" anchorCtr="0">
-            <a:noAutofit/>
-          </a:bodyPr>
-          <a:lstStyle/>
-          <a:p>
-            <a:pPr>
-              <a:spcBef>
-                <a:spcPts val="0"/>
-              </a:spcBef>
-              <a:buNone/>
-            </a:pPr>
-            <a:r>
-              <a:rPr lang="en"/>
-              <a:t>Beispiel: Julia als Taschenrechner</a:t>
-            </a:r>
-          </a:p>
-        </p:txBody>
-      </p:sp>
-      <p:sp>
-        <p:nvSpPr>
-          <p:cNvPr id="120" name="Shape 120"/>
-          <p:cNvSpPr txBox="1">
-            <a:spLocks noGrp="1"/>
-          </p:cNvSpPr>
-          <p:nvPr>
-            <p:ph type="body" idx="1"/>
-          </p:nvPr>
-        </p:nvSpPr>
-        <p:spPr>
-          <a:xfrm>
-            <a:off x="457200" y="1200150"/>
-            <a:ext cx="8229600" cy="3394500"/>
-          </a:xfrm>
-          <a:prstGeom prst="rect">
-            <a:avLst/>
-          </a:prstGeom>
-        </p:spPr>
-        <p:txBody>
-          <a:bodyPr lIns="91425" tIns="91425" rIns="91425" bIns="91425" anchor="t" anchorCtr="0">
-            <a:noAutofit/>
-          </a:bodyPr>
-          <a:lstStyle/>
-          <a:p>
-            <a:pPr lvl="0" rtl="0">
-              <a:spcBef>
-                <a:spcPts val="0"/>
-              </a:spcBef>
-              <a:buClr>
-                <a:schemeClr val="dk2"/>
-              </a:buClr>
-              <a:buSzPct val="36666"/>
-              <a:buFont typeface="Arial"/>
-              <a:buNone/>
-            </a:pPr>
-            <a:r>
-              <a:rPr lang="en" dirty="0"/>
-              <a:t>In [6]: A = 1+1+10000</a:t>
-            </a:r>
-          </a:p>
-          <a:p>
-            <a:pPr lvl="0" rtl="0">
-              <a:lnSpc>
-                <a:spcPct val="115000"/>
-              </a:lnSpc>
-              <a:spcBef>
-                <a:spcPts val="0"/>
-              </a:spcBef>
-              <a:buClr>
-                <a:schemeClr val="dk2"/>
-              </a:buClr>
-              <a:buSzPct val="36666"/>
-              <a:buFont typeface="Arial"/>
-              <a:buNone/>
-            </a:pPr>
-            <a:r>
-              <a:rPr lang="en" dirty="0"/>
-              <a:t>Out[6]: 10002</a:t>
-            </a:r>
-          </a:p>
-          <a:p>
-            <a:pPr lvl="0" rtl="0">
-              <a:lnSpc>
-                <a:spcPct val="115000"/>
-              </a:lnSpc>
-              <a:spcBef>
-                <a:spcPts val="0"/>
-              </a:spcBef>
-              <a:buClr>
-                <a:schemeClr val="dk2"/>
-              </a:buClr>
-              <a:buSzPct val="36666"/>
-              <a:buFont typeface="Arial"/>
-              <a:buNone/>
-            </a:pPr>
-            <a:r>
-              <a:rPr lang="en" dirty="0"/>
-              <a:t>Die anderen Operatoren</a:t>
-            </a:r>
-          </a:p>
-          <a:p>
-            <a:pPr lvl="0" rtl="0">
-              <a:lnSpc>
-                <a:spcPct val="115000"/>
-              </a:lnSpc>
-              <a:spcBef>
-                <a:spcPts val="0"/>
-              </a:spcBef>
-              <a:buClr>
-                <a:schemeClr val="dk2"/>
-              </a:buClr>
-              <a:buSzPct val="36666"/>
-              <a:buFont typeface="Arial"/>
-              <a:buNone/>
-            </a:pPr>
-            <a:r>
-              <a:rPr lang="en" dirty="0"/>
-              <a:t>* → 5*5 = 25</a:t>
-            </a:r>
-          </a:p>
-          <a:p>
-            <a:pPr lvl="0" rtl="0">
-              <a:lnSpc>
-                <a:spcPct val="115000"/>
-              </a:lnSpc>
-              <a:spcBef>
-                <a:spcPts val="0"/>
-              </a:spcBef>
-              <a:buClr>
-                <a:schemeClr val="dk2"/>
-              </a:buClr>
-              <a:buSzPct val="36666"/>
-              <a:buFont typeface="Arial"/>
-              <a:buNone/>
-            </a:pPr>
-            <a:r>
-              <a:rPr lang="en" dirty="0"/>
-              <a:t>/ → 5 / 5 = 1</a:t>
-            </a:r>
-          </a:p>
-          <a:p>
-            <a:pPr marL="457200" lvl="0" indent="-419100" rtl="0">
-              <a:lnSpc>
-                <a:spcPct val="115000"/>
-              </a:lnSpc>
-              <a:spcBef>
-                <a:spcPts val="0"/>
-              </a:spcBef>
-              <a:buClr>
-                <a:schemeClr val="lt2"/>
-              </a:buClr>
-              <a:buSzPct val="100000"/>
-              <a:buFont typeface="Trebuchet MS"/>
-              <a:buChar char="-"/>
-            </a:pPr>
-            <a:r>
-              <a:rPr lang="en" dirty="0"/>
-              <a:t>→ 5-5 = 0 </a:t>
-            </a:r>
-          </a:p>
-          <a:p>
-            <a:pPr>
-              <a:spcBef>
-                <a:spcPts val="0"/>
-              </a:spcBef>
-              <a:buNone/>
-            </a:pPr>
-            <a:endParaRPr dirty="0"/>
-          </a:p>
-        </p:txBody>
-      </p:sp>
-    </p:spTree>
-  </p:cSld>
-  <p:clrMapOvr>
-    <a:masterClrMapping/>
-  </p:clrMapOvr>
-  <p:transition spd="slow">
-    <p:cut/>
-  </p:transition>
-  <p:timing>
-    <p:tnLst>
-      <p:par>
-        <p:cTn id="1" dur="indefinite" restart="never" nodeType="tmRoot"/>
-      </p:par>
-    </p:tnLst>
-  </p:timing>
-</p:sld>
-</file>
-
-<file path=ppt/slides/slide9.xml><?xml version="1.0" encoding="utf-8"?>
-<p:sld xmlns:a="http://schemas.openxmlformats.org/drawingml/2006/main" xmlns:r="http://schemas.openxmlformats.org/officeDocument/2006/relationships" xmlns:p="http://schemas.openxmlformats.org/presentationml/2006/main">
-  <p:cSld>
-    <p:spTree>
-      <p:nvGrpSpPr>
-        <p:cNvPr id="1" name="Shape 124"/>
-        <p:cNvGrpSpPr/>
-        <p:nvPr/>
-      </p:nvGrpSpPr>
-      <p:grpSpPr>
-        <a:xfrm>
-          <a:off x="0" y="0"/>
-          <a:ext cx="0" cy="0"/>
-          <a:chOff x="0" y="0"/>
-          <a:chExt cx="0" cy="0"/>
-        </a:xfrm>
-      </p:grpSpPr>
-      <p:sp>
-        <p:nvSpPr>
-          <p:cNvPr id="125" name="Shape 125"/>
-          <p:cNvSpPr txBox="1">
-            <a:spLocks noGrp="1"/>
-          </p:cNvSpPr>
-          <p:nvPr>
-            <p:ph type="title"/>
-          </p:nvPr>
-        </p:nvSpPr>
-        <p:spPr>
-          <a:xfrm rot="-228134">
-            <a:off x="1184357" y="-16296"/>
-            <a:ext cx="8215583" cy="859729"/>
-          </a:xfrm>
-          <a:prstGeom prst="rect">
-            <a:avLst/>
-          </a:prstGeom>
-        </p:spPr>
-        <p:txBody>
-          <a:bodyPr lIns="91425" tIns="91425" rIns="91425" bIns="91425" anchor="ctr" anchorCtr="0">
-            <a:noAutofit/>
-          </a:bodyPr>
-          <a:lstStyle/>
-          <a:p>
-            <a:pPr>
-              <a:spcBef>
-                <a:spcPts val="0"/>
-              </a:spcBef>
-              <a:buNone/>
-            </a:pPr>
-            <a:r>
-              <a:rPr lang="en"/>
-              <a:t>Zinseszinsformel</a:t>
-            </a:r>
-          </a:p>
-        </p:txBody>
-      </p:sp>
-      <p:sp>
-        <p:nvSpPr>
-          <p:cNvPr id="126" name="Shape 126"/>
-          <p:cNvSpPr txBox="1">
-            <a:spLocks noGrp="1"/>
-          </p:cNvSpPr>
-          <p:nvPr>
-            <p:ph type="body" idx="1"/>
-          </p:nvPr>
-        </p:nvSpPr>
-        <p:spPr>
-          <a:xfrm>
-            <a:off x="457200" y="1200150"/>
-            <a:ext cx="8229600" cy="3394500"/>
-          </a:xfrm>
-          <a:prstGeom prst="rect">
-            <a:avLst/>
-          </a:prstGeom>
-        </p:spPr>
-        <p:txBody>
-          <a:bodyPr lIns="91425" tIns="91425" rIns="91425" bIns="91425" anchor="t" anchorCtr="0">
-            <a:noAutofit/>
-          </a:bodyPr>
-          <a:lstStyle/>
-          <a:p>
-            <a:pPr rtl="0">
-              <a:spcBef>
-                <a:spcPts val="0"/>
-              </a:spcBef>
-              <a:buNone/>
-            </a:pPr>
-            <a:r>
-              <a:rPr lang="en" dirty="0"/>
-              <a:t>* $ S = P(1+\frac{j}{n})^{(n*t)} $</a:t>
-            </a:r>
-          </a:p>
-          <a:p>
-            <a:pPr rtl="0">
-              <a:spcBef>
-                <a:spcPts val="0"/>
-              </a:spcBef>
-              <a:buNone/>
-            </a:pPr>
-            <a:endParaRPr dirty="0"/>
-          </a:p>
-          <a:p>
-            <a:pPr rtl="0">
-              <a:spcBef>
-                <a:spcPts val="0"/>
-              </a:spcBef>
-              <a:buNone/>
-            </a:pPr>
-            <a:r>
-              <a:rPr lang="en" dirty="0"/>
-              <a:t>Der folgende Zellentyp muss ausgewählt werden, damit Eingaben schön als Formel dargestellt werden können</a:t>
-            </a:r>
-          </a:p>
-          <a:p>
-            <a:pPr>
-              <a:spcBef>
-                <a:spcPts val="0"/>
-              </a:spcBef>
-              <a:buNone/>
-            </a:pPr>
-            <a:r>
-              <a:rPr lang="en" dirty="0"/>
-              <a:t>→ Cell / Celltype / Markdown</a:t>
-            </a:r>
-          </a:p>
-        </p:txBody>
-      </p:sp>
-    </p:spTree>
-  </p:cSld>
-  <p:clrMapOvr>
-    <a:masterClrMapping/>
-  </p:clrMapOvr>
-  <p:transition spd="slow">
-    <p:cut/>
-  </p:transition>
-  <p:timing>
-    <p:tnLst>
-      <p:par>
-        <p:cTn id="1" dur="indefinite" restart="never" nodeType="tmRoot"/>
-      </p:par>
-    </p:tnLst>
-  </p:timing>
 </p:sld>
 </file>
 
 <file path=ppt/theme/theme1.xml><?xml version="1.0" encoding="utf-8"?>
-<a:theme xmlns:a="http://schemas.openxmlformats.org/drawingml/2006/main" name="friendly">
+<a:theme xmlns:a="http://schemas.openxmlformats.org/drawingml/2006/main" xmlns:r="http://schemas.openxmlformats.org/officeDocument/2006/relationships" name="Custom Theme">
+  <a:themeElements>
+    <a:clrScheme name="Default">
+      <a:dk1>
+        <a:srgbClr val="000000"/>
+      </a:dk1>
+      <a:lt1>
+        <a:srgbClr val="FFFFFF"/>
+      </a:lt1>
+      <a:dk2>
+        <a:srgbClr val="158158"/>
+      </a:dk2>
+      <a:lt2>
+        <a:srgbClr val="F3F3F3"/>
+      </a:lt2>
+      <a:accent1>
+        <a:srgbClr val="058DC7"/>
+      </a:accent1>
+      <a:accent2>
+        <a:srgbClr val="50B432"/>
+      </a:accent2>
+      <a:accent3>
+        <a:srgbClr val="ED561B"/>
+      </a:accent3>
+      <a:accent4>
+        <a:srgbClr val="EDEF00"/>
+      </a:accent4>
+      <a:accent5>
+        <a:srgbClr val="24CBE5"/>
+      </a:accent5>
+      <a:accent6>
+        <a:srgbClr val="64E572"/>
+      </a:accent6>
+      <a:hlink>
+        <a:srgbClr val="2200CC"/>
+      </a:hlink>
+      <a:folHlink>
+        <a:srgbClr val="551A8B"/>
+      </a:folHlink>
+    </a:clrScheme>
+    <a:fontScheme name="Office">
+      <a:majorFont>
+        <a:latin typeface="Arial"/>
+        <a:ea typeface=""/>
+        <a:cs typeface=""/>
+        <a:font script="Jpan" typeface="ＭＳ Ｐゴシック"/>
+        <a:font script="Hang" typeface="맑은 고딕"/>
+        <a:font script="Hans" typeface="宋体"/>
+        <a:font script="Hant" typeface="新細明體"/>
+        <a:font script="Arab" typeface="Times New Roman"/>
+        <a:font script="Hebr" typeface="Times New Roman"/>
+        <a:font script="Thai" typeface="Angsana New"/>
+        <a:font script="Ethi" typeface="Nyala"/>
+        <a:font script="Beng" typeface="Vrinda"/>
+        <a:font script="Gujr" typeface="Shruti"/>
+        <a:font script="Khmr" typeface="MoolBoran"/>
+        <a:font script="Knda" typeface="Tunga"/>
+        <a:font script="Guru" typeface="Raavi"/>
+        <a:font script="Cans" typeface="Euphemia"/>
+        <a:font script="Cher" typeface="Plantagenet Cherokee"/>
+        <a:font script="Yiii" typeface="Microsoft Yi Baiti"/>
+        <a:font script="Tibt" typeface="Microsoft Himalaya"/>
+        <a:font script="Thaa" typeface="MV Boli"/>
+        <a:font script="Deva" typeface="Mangal"/>
+        <a:font script="Telu" typeface="Gautami"/>
+        <a:font script="Taml" typeface="Latha"/>
+        <a:font script="Syrc" typeface="Estrangelo Edessa"/>
+        <a:font script="Orya" typeface="Kalinga"/>
+        <a:font script="Mlym" typeface="Kartika"/>
+        <a:font script="Laoo" typeface="DokChampa"/>
+        <a:font script="Sinh" typeface="Iskoola Pota"/>
+        <a:font script="Mong" typeface="Mongolian Baiti"/>
+        <a:font script="Viet" typeface="Times New Roman"/>
+        <a:font script="Uigh" typeface="Microsoft Uighur"/>
+      </a:majorFont>
+      <a:minorFont>
+        <a:latin typeface="Arial"/>
+        <a:ea typeface=""/>
+        <a:cs typeface=""/>
+        <a:font script="Jpan" typeface="ＭＳ Ｐゴシック"/>
+        <a:font script="Hang" typeface="맑은 고딕"/>
+        <a:font script="Hans" typeface="宋体"/>
+        <a:font script="Hant" typeface="新細明體"/>
+        <a:font script="Arab" typeface="Times New Roman"/>
+        <a:font script="Hebr" typeface="Times New Roman"/>
+        <a:font script="Thai" typeface="Angsana New"/>
+        <a:font script="Ethi" typeface="Nyala"/>
+        <a:font script="Beng" typeface="Vrinda"/>
+        <a:font script="Gujr" typeface="Shruti"/>
+        <a:font script="Khmr" typeface="MoolBoran"/>
+        <a:font script="Knda" typeface="Tunga"/>
+        <a:font script="Guru" typeface="Raavi"/>
+        <a:font script="Cans" typeface="Euphemia"/>
+        <a:font script="Cher" typeface="Plantagenet Cherokee"/>
+        <a:font script="Yiii" typeface="Microsoft Yi Baiti"/>
+        <a:font script="Tibt" typeface="Microsoft Himalaya"/>
+        <a:font script="Thaa" typeface="MV Boli"/>
+        <a:font script="Deva" typeface="Mangal"/>
+        <a:font script="Telu" typeface="Gautami"/>
+        <a:font script="Taml" typeface="Latha"/>
+        <a:font script="Syrc" typeface="Estrangelo Edessa"/>
+        <a:font script="Orya" typeface="Kalinga"/>
+        <a:font script="Mlym" typeface="Kartika"/>
+        <a:font script="Laoo" typeface="DokChampa"/>
+        <a:font script="Sinh" typeface="Iskoola Pota"/>
+        <a:font script="Mong" typeface="Mongolian Baiti"/>
+        <a:font script="Viet" typeface="Times New Roman"/>
+        <a:font script="Uigh" typeface="Microsoft Uighur"/>
+      </a:minorFont>
+    </a:fontScheme>
+    <a:fmtScheme name="Office">
+      <a:fillStyleLst>
+        <a:solidFill>
+          <a:schemeClr val="phClr"/>
+        </a:solidFill>
+        <a:gradFill rotWithShape="1">
+          <a:gsLst>
+            <a:gs pos="0">
+              <a:schemeClr val="phClr">
+                <a:tint val="50000"/>
+                <a:satMod val="300000"/>
+              </a:schemeClr>
+            </a:gs>
+            <a:gs pos="35000">
+              <a:schemeClr val="phClr">
+                <a:tint val="37000"/>
+                <a:satMod val="300000"/>
+              </a:schemeClr>
+            </a:gs>
+            <a:gs pos="100000">
+              <a:schemeClr val="phClr">
+                <a:tint val="15000"/>
+                <a:satMod val="350000"/>
+              </a:schemeClr>
+            </a:gs>
+          </a:gsLst>
+          <a:lin ang="16200000" scaled="1"/>
+        </a:gradFill>
+        <a:gradFill rotWithShape="1">
+          <a:gsLst>
+            <a:gs pos="0">
+              <a:schemeClr val="phClr">
+                <a:tint val="100000"/>
+                <a:shade val="100000"/>
+                <a:satMod val="130000"/>
+              </a:schemeClr>
+            </a:gs>
+            <a:gs pos="100000">
+              <a:schemeClr val="phClr">
+                <a:tint val="50000"/>
+                <a:shade val="100000"/>
+                <a:satMod val="350000"/>
+              </a:schemeClr>
+            </a:gs>
+          </a:gsLst>
+          <a:lin ang="16200000" scaled="0"/>
+        </a:gradFill>
+      </a:fillStyleLst>
+      <a:lnStyleLst>
+        <a:ln cap="flat" cmpd="sng" w="9525" algn="ctr">
+          <a:solidFill>
+            <a:schemeClr val="phClr">
+              <a:shade val="95000"/>
+              <a:satMod val="105000"/>
+            </a:schemeClr>
+          </a:solidFill>
+          <a:prstDash val="solid"/>
+        </a:ln>
+        <a:ln cap="flat" cmpd="sng" w="25400" algn="ctr">
+          <a:solidFill>
+            <a:schemeClr val="phClr"/>
+          </a:solidFill>
+          <a:prstDash val="solid"/>
+        </a:ln>
+        <a:ln cap="flat" cmpd="sng" w="38100" algn="ctr">
+          <a:solidFill>
+            <a:schemeClr val="phClr"/>
+          </a:solidFill>
+          <a:prstDash val="solid"/>
+        </a:ln>
+      </a:lnStyleLst>
+      <a:effectStyleLst>
+        <a:effectStyle>
+          <a:effectLst>
+            <a:outerShdw blurRad="40000" rotWithShape="0" dir="5400000" dist="20000">
+              <a:srgbClr val="000000">
+                <a:alpha val="38000"/>
+              </a:srgbClr>
+            </a:outerShdw>
+          </a:effectLst>
+        </a:effectStyle>
+        <a:effectStyle>
+          <a:effectLst>
+            <a:outerShdw blurRad="40000" rotWithShape="0" dir="5400000" dist="23000">
+              <a:srgbClr val="000000">
+                <a:alpha val="35000"/>
+              </a:srgbClr>
+            </a:outerShdw>
+          </a:effectLst>
+        </a:effectStyle>
+        <a:effectStyle>
+          <a:effectLst>
+            <a:outerShdw blurRad="40000" rotWithShape="0" dir="5400000" dist="23000">
+              <a:srgbClr val="000000">
+                <a:alpha val="35000"/>
+              </a:srgbClr>
+            </a:outerShdw>
+          </a:effectLst>
+          <a:scene3d>
+            <a:camera prst="orthographicFront">
+              <a:rot lat="0" lon="0" rev="0"/>
+            </a:camera>
+            <a:lightRig dir="t" rig="threePt">
+              <a:rot lat="0" lon="0" rev="1200000"/>
+            </a:lightRig>
+          </a:scene3d>
+          <a:sp3d>
+            <a:bevelT h="25400" w="63500"/>
+          </a:sp3d>
+        </a:effectStyle>
+      </a:effectStyleLst>
+      <a:bgFillStyleLst>
+        <a:solidFill>
+          <a:schemeClr val="phClr"/>
+        </a:solidFill>
+        <a:gradFill rotWithShape="1">
+          <a:gsLst>
+            <a:gs pos="0">
+              <a:schemeClr val="phClr">
+                <a:tint val="40000"/>
+                <a:satMod val="350000"/>
+              </a:schemeClr>
+            </a:gs>
+            <a:gs pos="40000">
+              <a:schemeClr val="phClr">
+                <a:tint val="45000"/>
+                <a:shade val="99000"/>
+                <a:satMod val="350000"/>
+              </a:schemeClr>
+            </a:gs>
+            <a:gs pos="100000">
+              <a:schemeClr val="phClr">
+                <a:shade val="20000"/>
+                <a:satMod val="255000"/>
+              </a:schemeClr>
+            </a:gs>
+          </a:gsLst>
+          <a:path path="circle">
+            <a:fillToRect b="180000" l="50000" r="50000" t="-80000"/>
+          </a:path>
+        </a:gradFill>
+        <a:gradFill rotWithShape="1">
+          <a:gsLst>
+            <a:gs pos="0">
+              <a:schemeClr val="phClr">
+                <a:tint val="80000"/>
+                <a:satMod val="300000"/>
+              </a:schemeClr>
+            </a:gs>
+            <a:gs pos="100000">
+              <a:schemeClr val="phClr">
+                <a:shade val="30000"/>
+                <a:satMod val="200000"/>
+              </a:schemeClr>
+            </a:gs>
+          </a:gsLst>
+          <a:path path="circle">
+            <a:fillToRect b="50000" l="50000" r="50000" t="50000"/>
+          </a:path>
+        </a:gradFill>
+      </a:bgFillStyleLst>
+    </a:fmtScheme>
+  </a:themeElements>
+</a:theme>
+</file>
+
+<file path=ppt/theme/theme2.xml><?xml version="1.0" encoding="utf-8"?>
+<a:theme xmlns:a="http://schemas.openxmlformats.org/drawingml/2006/main" xmlns:r="http://schemas.openxmlformats.org/officeDocument/2006/relationships" name="friendly">
   <a:themeElements>
     <a:clrScheme name="Custom 432">
       <a:dk1>
@@ -9319,7 +9675,7 @@
         </a:gradFill>
       </a:fillStyleLst>
       <a:lnStyleLst>
-        <a:ln w="9525" cap="flat" cmpd="sng" algn="ctr">
+        <a:ln cap="flat" cmpd="sng" w="9525" algn="ctr">
           <a:solidFill>
             <a:schemeClr val="phClr">
               <a:shade val="95000"/>
@@ -9328,13 +9684,13 @@
           </a:solidFill>
           <a:prstDash val="solid"/>
         </a:ln>
-        <a:ln w="25400" cap="flat" cmpd="sng" algn="ctr">
+        <a:ln cap="flat" cmpd="sng" w="25400" algn="ctr">
           <a:solidFill>
             <a:schemeClr val="phClr"/>
           </a:solidFill>
           <a:prstDash val="solid"/>
         </a:ln>
-        <a:ln w="38100" cap="flat" cmpd="sng" algn="ctr">
+        <a:ln cap="flat" cmpd="sng" w="38100" algn="ctr">
           <a:solidFill>
             <a:schemeClr val="phClr"/>
           </a:solidFill>
@@ -9344,7 +9700,7 @@
       <a:effectStyleLst>
         <a:effectStyle>
           <a:effectLst>
-            <a:outerShdw blurRad="40000" dist="20000" dir="5400000" rotWithShape="0">
+            <a:outerShdw blurRad="40000" rotWithShape="0" dir="5400000" dist="20000">
               <a:srgbClr val="000000">
                 <a:alpha val="38000"/>
               </a:srgbClr>
@@ -9353,7 +9709,7 @@
         </a:effectStyle>
         <a:effectStyle>
           <a:effectLst>
-            <a:outerShdw blurRad="40000" dist="23000" dir="5400000" rotWithShape="0">
+            <a:outerShdw blurRad="40000" rotWithShape="0" dir="5400000" dist="23000">
               <a:srgbClr val="000000">
                 <a:alpha val="35000"/>
               </a:srgbClr>
@@ -9362,7 +9718,7 @@
         </a:effectStyle>
         <a:effectStyle>
           <a:effectLst>
-            <a:outerShdw blurRad="40000" dist="23000" dir="5400000" rotWithShape="0">
+            <a:outerShdw blurRad="40000" rotWithShape="0" dir="5400000" dist="23000">
               <a:srgbClr val="000000">
                 <a:alpha val="35000"/>
               </a:srgbClr>
@@ -9372,12 +9728,12 @@
             <a:camera prst="orthographicFront">
               <a:rot lat="0" lon="0" rev="0"/>
             </a:camera>
-            <a:lightRig rig="threePt" dir="t">
+            <a:lightRig dir="t" rig="threePt">
               <a:rot lat="0" lon="0" rev="1200000"/>
             </a:lightRig>
           </a:scene3d>
           <a:sp3d>
-            <a:bevelT w="63500" h="25400"/>
+            <a:bevelT h="25400" w="63500"/>
           </a:sp3d>
         </a:effectStyle>
       </a:effectStyleLst>
@@ -9408,7 +9764,7 @@
             </a:gs>
           </a:gsLst>
           <a:path path="circle">
-            <a:fillToRect l="50000" t="-80000" r="50000" b="180000"/>
+            <a:fillToRect b="180000" l="50000" r="50000" t="-80000"/>
           </a:path>
         </a:gradFill>
         <a:gradFill rotWithShape="1">
@@ -9427,56 +9783,54 @@
             </a:gs>
           </a:gsLst>
           <a:path path="circle">
-            <a:fillToRect l="50000" t="50000" r="50000" b="50000"/>
+            <a:fillToRect b="50000" l="50000" r="50000" t="50000"/>
           </a:path>
         </a:gradFill>
       </a:bgFillStyleLst>
     </a:fmtScheme>
   </a:themeElements>
-  <a:objectDefaults/>
-  <a:extraClrSchemeLst/>
 </a:theme>
 </file>
 
-<file path=ppt/theme/theme2.xml><?xml version="1.0" encoding="utf-8"?>
-<a:theme xmlns:a="http://schemas.openxmlformats.org/drawingml/2006/main" name="Custom Theme">
+<file path=ppt/theme/theme3.xml><?xml version="1.0" encoding="utf-8"?>
+<a:theme xmlns:a="http://schemas.openxmlformats.org/drawingml/2006/main" xmlns:r="http://schemas.openxmlformats.org/officeDocument/2006/relationships" name="Office Theme">
   <a:themeElements>
-    <a:clrScheme name="Default">
+    <a:clrScheme name="Office">
       <a:dk1>
-        <a:srgbClr val="000000"/>
+        <a:sysClr lastClr="000000" val="windowText"/>
       </a:dk1>
       <a:lt1>
-        <a:srgbClr val="FFFFFF"/>
+        <a:sysClr lastClr="FFFFFF" val="window"/>
       </a:lt1>
       <a:dk2>
-        <a:srgbClr val="158158"/>
+        <a:srgbClr val="1F497D"/>
       </a:dk2>
       <a:lt2>
-        <a:srgbClr val="F3F3F3"/>
+        <a:srgbClr val="EEECE1"/>
       </a:lt2>
       <a:accent1>
-        <a:srgbClr val="058DC7"/>
+        <a:srgbClr val="4F81BD"/>
       </a:accent1>
       <a:accent2>
-        <a:srgbClr val="50B432"/>
+        <a:srgbClr val="C0504D"/>
       </a:accent2>
       <a:accent3>
-        <a:srgbClr val="ED561B"/>
+        <a:srgbClr val="9BBB59"/>
       </a:accent3>
       <a:accent4>
-        <a:srgbClr val="EDEF00"/>
+        <a:srgbClr val="8064A2"/>
       </a:accent4>
       <a:accent5>
-        <a:srgbClr val="24CBE5"/>
+        <a:srgbClr val="4BACC6"/>
       </a:accent5>
       <a:accent6>
-        <a:srgbClr val="64E572"/>
+        <a:srgbClr val="F79646"/>
       </a:accent6>
       <a:hlink>
-        <a:srgbClr val="2200CC"/>
+        <a:srgbClr val="0000FF"/>
       </a:hlink>
       <a:folHlink>
-        <a:srgbClr val="551A8B"/>
+        <a:srgbClr val="800080"/>
       </a:folHlink>
     </a:clrScheme>
     <a:fontScheme name="Office">
@@ -9598,7 +9952,7 @@
         </a:gradFill>
       </a:fillStyleLst>
       <a:lnStyleLst>
-        <a:ln w="9525" cap="flat" cmpd="sng" algn="ctr">
+        <a:ln cap="flat" cmpd="sng" w="9525" algn="ctr">
           <a:solidFill>
             <a:schemeClr val="phClr">
               <a:shade val="95000"/>
@@ -9607,13 +9961,13 @@
           </a:solidFill>
           <a:prstDash val="solid"/>
         </a:ln>
-        <a:ln w="25400" cap="flat" cmpd="sng" algn="ctr">
+        <a:ln cap="flat" cmpd="sng" w="25400" algn="ctr">
           <a:solidFill>
             <a:schemeClr val="phClr"/>
           </a:solidFill>
           <a:prstDash val="solid"/>
         </a:ln>
-        <a:ln w="38100" cap="flat" cmpd="sng" algn="ctr">
+        <a:ln cap="flat" cmpd="sng" w="38100" algn="ctr">
           <a:solidFill>
             <a:schemeClr val="phClr"/>
           </a:solidFill>
@@ -9623,7 +9977,7 @@
       <a:effectStyleLst>
         <a:effectStyle>
           <a:effectLst>
-            <a:outerShdw blurRad="40000" dist="20000" dir="5400000" rotWithShape="0">
+            <a:outerShdw blurRad="40000" rotWithShape="0" dir="5400000" dist="20000">
               <a:srgbClr val="000000">
                 <a:alpha val="38000"/>
               </a:srgbClr>
@@ -9632,7 +9986,7 @@
         </a:effectStyle>
         <a:effectStyle>
           <a:effectLst>
-            <a:outerShdw blurRad="40000" dist="23000" dir="5400000" rotWithShape="0">
+            <a:outerShdw blurRad="40000" rotWithShape="0" dir="5400000" dist="23000">
               <a:srgbClr val="000000">
                 <a:alpha val="35000"/>
               </a:srgbClr>
@@ -9641,7 +9995,7 @@
         </a:effectStyle>
         <a:effectStyle>
           <a:effectLst>
-            <a:outerShdw blurRad="40000" dist="23000" dir="5400000" rotWithShape="0">
+            <a:outerShdw blurRad="40000" rotWithShape="0" dir="5400000" dist="23000">
               <a:srgbClr val="000000">
                 <a:alpha val="35000"/>
               </a:srgbClr>
@@ -9651,12 +10005,12 @@
             <a:camera prst="orthographicFront">
               <a:rot lat="0" lon="0" rev="0"/>
             </a:camera>
-            <a:lightRig rig="threePt" dir="t">
+            <a:lightRig dir="t" rig="threePt">
               <a:rot lat="0" lon="0" rev="1200000"/>
             </a:lightRig>
           </a:scene3d>
           <a:sp3d>
-            <a:bevelT w="63500" h="25400"/>
+            <a:bevelT h="25400" w="63500"/>
           </a:sp3d>
         </a:effectStyle>
       </a:effectStyleLst>
@@ -9687,7 +10041,7 @@
             </a:gs>
           </a:gsLst>
           <a:path path="circle">
-            <a:fillToRect l="50000" t="-80000" r="50000" b="180000"/>
+            <a:fillToRect b="180000" l="50000" r="50000" t="-80000"/>
           </a:path>
         </a:gradFill>
         <a:gradFill rotWithShape="1">
@@ -9706,13 +10060,51 @@
             </a:gs>
           </a:gsLst>
           <a:path path="circle">
-            <a:fillToRect l="50000" t="50000" r="50000" b="50000"/>
+            <a:fillToRect b="50000" l="50000" r="50000" t="50000"/>
           </a:path>
         </a:gradFill>
       </a:bgFillStyleLst>
     </a:fmtScheme>
   </a:themeElements>
-  <a:objectDefaults/>
-  <a:extraClrSchemeLst/>
+  <a:objectDefaults>
+    <a:spDef>
+      <a:spPr/>
+      <a:bodyPr/>
+      <a:lstStyle/>
+      <a:style>
+        <a:lnRef idx="1">
+          <a:schemeClr val="accent1"/>
+        </a:lnRef>
+        <a:fillRef idx="3">
+          <a:schemeClr val="accent1"/>
+        </a:fillRef>
+        <a:effectRef idx="2">
+          <a:schemeClr val="accent1"/>
+        </a:effectRef>
+        <a:fontRef idx="minor">
+          <a:schemeClr val="lt1"/>
+        </a:fontRef>
+      </a:style>
+    </a:spDef>
+    <a:lnDef>
+      <a:spPr/>
+      <a:bodyPr/>
+      <a:lstStyle/>
+      <a:style>
+        <a:lnRef idx="2">
+          <a:schemeClr val="accent1"/>
+        </a:lnRef>
+        <a:fillRef idx="0">
+          <a:schemeClr val="accent1"/>
+        </a:fillRef>
+        <a:effectRef idx="1">
+          <a:schemeClr val="accent1"/>
+        </a:effectRef>
+        <a:fontRef idx="minor">
+          <a:schemeClr val="tx1"/>
+        </a:fontRef>
+      </a:style>
+    </a:lnDef>
+  </a:objectDefaults>
 </a:theme>
 </file>